--- a/thesisFigs/thesis_slide.pptx
+++ b/thesisFigs/thesis_slide.pptx
@@ -5,7 +5,7 @@
     <p:sldMasterId id="2147483648" r:id="rId1"/>
   </p:sldMasterIdLst>
   <p:notesMasterIdLst>
-    <p:notesMasterId r:id="rId28"/>
+    <p:notesMasterId r:id="rId30"/>
   </p:notesMasterIdLst>
   <p:sldIdLst>
     <p:sldId id="256" r:id="rId2"/>
@@ -31,9 +31,11 @@
     <p:sldId id="279" r:id="rId22"/>
     <p:sldId id="268" r:id="rId23"/>
     <p:sldId id="273" r:id="rId24"/>
-    <p:sldId id="269" r:id="rId25"/>
-    <p:sldId id="270" r:id="rId26"/>
-    <p:sldId id="259" r:id="rId27"/>
+    <p:sldId id="284" r:id="rId25"/>
+    <p:sldId id="283" r:id="rId26"/>
+    <p:sldId id="269" r:id="rId27"/>
+    <p:sldId id="270" r:id="rId28"/>
+    <p:sldId id="259" r:id="rId29"/>
   </p:sldIdLst>
   <p:sldSz cx="12192000" cy="6858000"/>
   <p:notesSz cx="6858000" cy="9144000"/>
@@ -176,6 +178,8 @@
             <p14:sldId id="279"/>
             <p14:sldId id="268"/>
             <p14:sldId id="273"/>
+            <p14:sldId id="284"/>
+            <p14:sldId id="283"/>
           </p14:sldIdLst>
         </p14:section>
         <p14:section name="Result" id="{2DEB2F07-EB40-4FAA-B44D-8F4D2EC0A7E8}">
@@ -1839,6 +1843,58 @@
               <a:rPr lang="zh-TW" altLang="en-US" dirty="0"/>
               <a:t>相似與否的參考資訊 </a:t>
             </a:r>
+            <a:endParaRPr lang="en-US" altLang="zh-TW" dirty="0"/>
+          </a:p>
+          <a:p>
+            <a:r>
+              <a:rPr lang="zh-TW" altLang="en-US" dirty="0"/>
+              <a:t>為什麼使用最後一個位置作為代表的</a:t>
+            </a:r>
+            <a:r>
+              <a:rPr lang="en-US" altLang="zh-TW" dirty="0"/>
+              <a:t>pose? </a:t>
+            </a:r>
+            <a:r>
+              <a:rPr lang="zh-TW" altLang="en-US" dirty="0"/>
+              <a:t>因為我們不知道未來的數值</a:t>
+            </a:r>
+            <a:r>
+              <a:rPr lang="en-US" altLang="zh-TW" dirty="0"/>
+              <a:t>, </a:t>
+            </a:r>
+            <a:r>
+              <a:rPr lang="zh-TW" altLang="en-US" dirty="0"/>
+              <a:t>所以在</a:t>
+            </a:r>
+            <a:r>
+              <a:rPr lang="en-US" altLang="zh-TW" dirty="0"/>
+              <a:t>testing</a:t>
+            </a:r>
+            <a:r>
+              <a:rPr lang="zh-TW" altLang="en-US" dirty="0"/>
+              <a:t>的時候只能夠拿前面的</a:t>
+            </a:r>
+            <a:r>
+              <a:rPr lang="en-US" altLang="zh-TW" dirty="0"/>
+              <a:t>frames</a:t>
+            </a:r>
+            <a:r>
+              <a:rPr lang="zh-TW" altLang="en-US" dirty="0"/>
+              <a:t>的</a:t>
+            </a:r>
+            <a:r>
+              <a:rPr lang="en-US" altLang="zh-TW" dirty="0"/>
+              <a:t>position</a:t>
+            </a:r>
+            <a:r>
+              <a:rPr lang="zh-TW" altLang="en-US" dirty="0"/>
+              <a:t>組合成</a:t>
+            </a:r>
+            <a:r>
+              <a:rPr lang="en-US" altLang="zh-TW" dirty="0"/>
+              <a:t>feature vector </a:t>
+            </a:r>
+            <a:endParaRPr lang="zh-TW" altLang="en-US" dirty="0"/>
           </a:p>
         </p:txBody>
       </p:sp>
@@ -1924,7 +1980,197 @@
           <a:p>
             <a:r>
               <a:rPr lang="zh-TW" altLang="en-US" dirty="0"/>
-              <a:t>把貢獻分成好幾點列出來</a:t>
+              <a:t>因為手指的活動速度可能會與</a:t>
+            </a:r>
+            <a:r>
+              <a:rPr lang="en-US" altLang="zh-TW" dirty="0"/>
+              <a:t>avatar</a:t>
+            </a:r>
+            <a:r>
+              <a:rPr lang="zh-TW" altLang="en-US" dirty="0"/>
+              <a:t>原始的</a:t>
+            </a:r>
+            <a:r>
+              <a:rPr lang="en-US" altLang="zh-TW" dirty="0"/>
+              <a:t>animation</a:t>
+            </a:r>
+            <a:r>
+              <a:rPr lang="zh-TW" altLang="en-US" dirty="0"/>
+              <a:t>的腿的移動速度不同 </a:t>
+            </a:r>
+            <a:endParaRPr lang="en-US" altLang="zh-TW" dirty="0"/>
+          </a:p>
+          <a:p>
+            <a:r>
+              <a:rPr lang="zh-TW" altLang="en-US" dirty="0"/>
+              <a:t>所以</a:t>
+            </a:r>
+            <a:r>
+              <a:rPr lang="en-US" altLang="zh-TW" dirty="0"/>
+              <a:t>, </a:t>
+            </a:r>
+            <a:r>
+              <a:rPr lang="zh-TW" altLang="en-US" dirty="0"/>
+              <a:t>我們使用</a:t>
+            </a:r>
+            <a:r>
+              <a:rPr lang="en-US" altLang="zh-TW" dirty="0"/>
+              <a:t>augmentation</a:t>
+            </a:r>
+            <a:r>
+              <a:rPr lang="zh-TW" altLang="en-US" dirty="0"/>
+              <a:t>的方法</a:t>
+            </a:r>
+            <a:r>
+              <a:rPr lang="en-US" altLang="zh-TW" dirty="0"/>
+              <a:t>, </a:t>
+            </a:r>
+            <a:r>
+              <a:rPr lang="zh-TW" altLang="en-US" dirty="0"/>
+              <a:t>增加多種</a:t>
+            </a:r>
+            <a:r>
+              <a:rPr lang="en-US" altLang="zh-TW" dirty="0"/>
+              <a:t>feature vectors </a:t>
+            </a:r>
+          </a:p>
+          <a:p>
+            <a:r>
+              <a:rPr lang="zh-TW" altLang="en-US" dirty="0"/>
+              <a:t>首先</a:t>
+            </a:r>
+            <a:r>
+              <a:rPr lang="en-US" altLang="zh-TW" dirty="0"/>
+              <a:t>, Feature vector</a:t>
+            </a:r>
+            <a:r>
+              <a:rPr lang="zh-TW" altLang="en-US" dirty="0"/>
+              <a:t>的每一個</a:t>
+            </a:r>
+            <a:r>
+              <a:rPr lang="en-US" altLang="zh-TW" dirty="0"/>
+              <a:t>positions</a:t>
+            </a:r>
+            <a:r>
+              <a:rPr lang="zh-TW" altLang="en-US" dirty="0"/>
+              <a:t>會與前一個</a:t>
+            </a:r>
+            <a:r>
+              <a:rPr lang="en-US" altLang="zh-TW" dirty="0"/>
+              <a:t>position</a:t>
+            </a:r>
+            <a:r>
+              <a:rPr lang="zh-TW" altLang="en-US" dirty="0"/>
+              <a:t>做相減得到速度</a:t>
+            </a:r>
+            <a:endParaRPr lang="en-US" altLang="zh-TW" dirty="0"/>
+          </a:p>
+          <a:p>
+            <a:r>
+              <a:rPr lang="zh-TW" altLang="en-US" dirty="0"/>
+              <a:t>速度會再與</a:t>
+            </a:r>
+            <a:r>
+              <a:rPr lang="en-US" altLang="zh-TW" dirty="0"/>
+              <a:t>5</a:t>
+            </a:r>
+            <a:r>
+              <a:rPr lang="zh-TW" altLang="en-US" dirty="0"/>
+              <a:t>種不一樣的</a:t>
+            </a:r>
+            <a:r>
+              <a:rPr lang="en-US" altLang="zh-TW" dirty="0"/>
+              <a:t>speed ratio</a:t>
+            </a:r>
+            <a:r>
+              <a:rPr lang="zh-TW" altLang="en-US" dirty="0"/>
+              <a:t>相乘</a:t>
+            </a:r>
+            <a:r>
+              <a:rPr lang="en-US" altLang="zh-TW" dirty="0"/>
+              <a:t>, </a:t>
+            </a:r>
+            <a:r>
+              <a:rPr lang="zh-TW" altLang="en-US" dirty="0"/>
+              <a:t>得到</a:t>
+            </a:r>
+            <a:r>
+              <a:rPr lang="en-US" altLang="zh-TW" dirty="0"/>
+              <a:t>5</a:t>
+            </a:r>
+            <a:r>
+              <a:rPr lang="zh-TW" altLang="en-US" dirty="0"/>
+              <a:t>個不同的</a:t>
+            </a:r>
+            <a:r>
+              <a:rPr lang="en-US" altLang="zh-TW" dirty="0"/>
+              <a:t>speed vector</a:t>
+            </a:r>
+          </a:p>
+          <a:p>
+            <a:r>
+              <a:rPr lang="zh-TW" altLang="en-US" dirty="0"/>
+              <a:t>最後</a:t>
+            </a:r>
+            <a:r>
+              <a:rPr lang="en-US" altLang="zh-TW" dirty="0"/>
+              <a:t>, </a:t>
+            </a:r>
+            <a:r>
+              <a:rPr lang="zh-TW" altLang="en-US" dirty="0"/>
+              <a:t>再利用這</a:t>
+            </a:r>
+            <a:r>
+              <a:rPr lang="en-US" altLang="zh-TW" dirty="0"/>
+              <a:t>5</a:t>
+            </a:r>
+            <a:r>
+              <a:rPr lang="zh-TW" altLang="en-US" dirty="0"/>
+              <a:t>個</a:t>
+            </a:r>
+            <a:r>
+              <a:rPr lang="en-US" altLang="zh-TW" dirty="0"/>
+              <a:t>speed vector</a:t>
+            </a:r>
+            <a:r>
+              <a:rPr lang="zh-TW" altLang="en-US" dirty="0"/>
+              <a:t>與原始的</a:t>
+            </a:r>
+            <a:r>
+              <a:rPr lang="en-US" altLang="zh-TW" dirty="0"/>
+              <a:t>feature vector</a:t>
+            </a:r>
+            <a:r>
+              <a:rPr lang="zh-TW" altLang="en-US" dirty="0"/>
+              <a:t>的末尾</a:t>
+            </a:r>
+            <a:r>
+              <a:rPr lang="en-US" altLang="zh-TW" dirty="0"/>
+              <a:t>position</a:t>
+            </a:r>
+            <a:r>
+              <a:rPr lang="zh-TW" altLang="en-US" dirty="0"/>
+              <a:t>相加</a:t>
+            </a:r>
+            <a:r>
+              <a:rPr lang="en-US" altLang="zh-TW" dirty="0"/>
+              <a:t>, </a:t>
+            </a:r>
+            <a:r>
+              <a:rPr lang="zh-TW" altLang="en-US" dirty="0"/>
+              <a:t>就可以得到新的</a:t>
+            </a:r>
+            <a:r>
+              <a:rPr lang="en-US" altLang="zh-TW" dirty="0"/>
+              <a:t>5</a:t>
+            </a:r>
+            <a:r>
+              <a:rPr lang="zh-TW" altLang="en-US" dirty="0"/>
+              <a:t>個不同速度的</a:t>
+            </a:r>
+            <a:r>
+              <a:rPr lang="en-US" altLang="zh-TW" dirty="0"/>
+              <a:t>feature vectors</a:t>
             </a:r>
           </a:p>
         </p:txBody>
@@ -1946,7 +2192,7 @@
           <a:p>
             <a:fld id="{EA26F649-65B9-4B04-8B74-45DF35A3B229}" type="slidenum">
               <a:rPr lang="zh-TW" altLang="en-US" smtClean="0"/>
-              <a:t>25</a:t>
+              <a:t>24</a:t>
             </a:fld>
             <a:endParaRPr lang="zh-TW" altLang="en-US"/>
           </a:p>
@@ -1955,7 +2201,7 @@
     </p:spTree>
     <p:extLst>
       <p:ext uri="{BB962C8B-B14F-4D97-AF65-F5344CB8AC3E}">
-        <p14:creationId xmlns:p14="http://schemas.microsoft.com/office/powerpoint/2010/main" val="2190202452"/>
+        <p14:creationId xmlns:p14="http://schemas.microsoft.com/office/powerpoint/2010/main" val="1633983313"/>
       </p:ext>
     </p:extLst>
   </p:cSld>
@@ -2150,6 +2396,235 @@
     <p:extLst>
       <p:ext uri="{BB962C8B-B14F-4D97-AF65-F5344CB8AC3E}">
         <p14:creationId xmlns:p14="http://schemas.microsoft.com/office/powerpoint/2010/main" val="3507413093"/>
+      </p:ext>
+    </p:extLst>
+  </p:cSld>
+  <p:clrMapOvr>
+    <a:masterClrMapping/>
+  </p:clrMapOvr>
+</p:notes>
+</file>
+
+<file path=ppt/notesSlides/notesSlide20.xml><?xml version="1.0" encoding="utf-8"?>
+<p:notes xmlns:a="http://schemas.openxmlformats.org/drawingml/2006/main" xmlns:r="http://schemas.openxmlformats.org/officeDocument/2006/relationships" xmlns:p="http://schemas.openxmlformats.org/presentationml/2006/main">
+  <p:cSld>
+    <p:spTree>
+      <p:nvGrpSpPr>
+        <p:cNvPr id="1" name=""/>
+        <p:cNvGrpSpPr/>
+        <p:nvPr/>
+      </p:nvGrpSpPr>
+      <p:grpSpPr>
+        <a:xfrm>
+          <a:off x="0" y="0"/>
+          <a:ext cx="0" cy="0"/>
+          <a:chOff x="0" y="0"/>
+          <a:chExt cx="0" cy="0"/>
+        </a:xfrm>
+      </p:grpSpPr>
+      <p:sp>
+        <p:nvSpPr>
+          <p:cNvPr id="2" name="投影片影像版面配置區 1"/>
+          <p:cNvSpPr>
+            <a:spLocks noGrp="1" noRot="1" noChangeAspect="1"/>
+          </p:cNvSpPr>
+          <p:nvPr>
+            <p:ph type="sldImg"/>
+          </p:nvPr>
+        </p:nvSpPr>
+        <p:spPr/>
+      </p:sp>
+      <p:sp>
+        <p:nvSpPr>
+          <p:cNvPr id="3" name="備忘稿版面配置區 2"/>
+          <p:cNvSpPr>
+            <a:spLocks noGrp="1"/>
+          </p:cNvSpPr>
+          <p:nvPr>
+            <p:ph type="body" idx="1"/>
+          </p:nvPr>
+        </p:nvSpPr>
+        <p:spPr/>
+        <p:txBody>
+          <a:bodyPr/>
+          <a:lstStyle/>
+          <a:p>
+            <a:r>
+              <a:rPr lang="zh-TW" altLang="en-US" dirty="0"/>
+              <a:t>在</a:t>
+            </a:r>
+            <a:r>
+              <a:rPr lang="en-US" altLang="zh-TW" dirty="0"/>
+              <a:t>preprocessing</a:t>
+            </a:r>
+            <a:r>
+              <a:rPr lang="zh-TW" altLang="en-US" dirty="0"/>
+              <a:t>階段準備好</a:t>
+            </a:r>
+            <a:r>
+              <a:rPr lang="en-US" altLang="zh-TW" dirty="0"/>
+              <a:t>example animation</a:t>
+            </a:r>
+            <a:r>
+              <a:rPr lang="zh-TW" altLang="en-US" dirty="0"/>
+              <a:t>的</a:t>
+            </a:r>
+            <a:r>
+              <a:rPr lang="en-US" altLang="zh-TW" dirty="0"/>
+              <a:t>feature vectors, </a:t>
+            </a:r>
+            <a:r>
+              <a:rPr lang="zh-TW" altLang="en-US" dirty="0"/>
+              <a:t>在</a:t>
+            </a:r>
+            <a:r>
+              <a:rPr lang="en-US" altLang="zh-TW" dirty="0"/>
+              <a:t>performance</a:t>
+            </a:r>
+            <a:r>
+              <a:rPr lang="zh-TW" altLang="en-US" dirty="0"/>
+              <a:t>階段就可以使用它們找出最接近</a:t>
+            </a:r>
+            <a:r>
+              <a:rPr lang="en-US" altLang="zh-TW" dirty="0"/>
+              <a:t>user performance</a:t>
+            </a:r>
+            <a:r>
+              <a:rPr lang="zh-TW" altLang="en-US" dirty="0"/>
+              <a:t>的</a:t>
+            </a:r>
+            <a:r>
+              <a:rPr lang="en-US" altLang="zh-TW" dirty="0"/>
+              <a:t>example animation</a:t>
+            </a:r>
+            <a:r>
+              <a:rPr lang="zh-TW" altLang="en-US" dirty="0"/>
+              <a:t>的</a:t>
+            </a:r>
+            <a:r>
+              <a:rPr lang="en-US" altLang="zh-TW" dirty="0"/>
+              <a:t>pose</a:t>
+            </a:r>
+          </a:p>
+          <a:p>
+            <a:endParaRPr lang="zh-TW" altLang="en-US" dirty="0"/>
+          </a:p>
+        </p:txBody>
+      </p:sp>
+      <p:sp>
+        <p:nvSpPr>
+          <p:cNvPr id="4" name="投影片編號版面配置區 3"/>
+          <p:cNvSpPr>
+            <a:spLocks noGrp="1"/>
+          </p:cNvSpPr>
+          <p:nvPr>
+            <p:ph type="sldNum" sz="quarter" idx="5"/>
+          </p:nvPr>
+        </p:nvSpPr>
+        <p:spPr/>
+        <p:txBody>
+          <a:bodyPr/>
+          <a:lstStyle/>
+          <a:p>
+            <a:fld id="{EA26F649-65B9-4B04-8B74-45DF35A3B229}" type="slidenum">
+              <a:rPr lang="zh-TW" altLang="en-US" smtClean="0"/>
+              <a:t>25</a:t>
+            </a:fld>
+            <a:endParaRPr lang="zh-TW" altLang="en-US"/>
+          </a:p>
+        </p:txBody>
+      </p:sp>
+    </p:spTree>
+    <p:extLst>
+      <p:ext uri="{BB962C8B-B14F-4D97-AF65-F5344CB8AC3E}">
+        <p14:creationId xmlns:p14="http://schemas.microsoft.com/office/powerpoint/2010/main" val="1114472628"/>
+      </p:ext>
+    </p:extLst>
+  </p:cSld>
+  <p:clrMapOvr>
+    <a:masterClrMapping/>
+  </p:clrMapOvr>
+</p:notes>
+</file>
+
+<file path=ppt/notesSlides/notesSlide21.xml><?xml version="1.0" encoding="utf-8"?>
+<p:notes xmlns:a="http://schemas.openxmlformats.org/drawingml/2006/main" xmlns:r="http://schemas.openxmlformats.org/officeDocument/2006/relationships" xmlns:p="http://schemas.openxmlformats.org/presentationml/2006/main">
+  <p:cSld>
+    <p:spTree>
+      <p:nvGrpSpPr>
+        <p:cNvPr id="1" name=""/>
+        <p:cNvGrpSpPr/>
+        <p:nvPr/>
+      </p:nvGrpSpPr>
+      <p:grpSpPr>
+        <a:xfrm>
+          <a:off x="0" y="0"/>
+          <a:ext cx="0" cy="0"/>
+          <a:chOff x="0" y="0"/>
+          <a:chExt cx="0" cy="0"/>
+        </a:xfrm>
+      </p:grpSpPr>
+      <p:sp>
+        <p:nvSpPr>
+          <p:cNvPr id="2" name="投影片影像版面配置區 1"/>
+          <p:cNvSpPr>
+            <a:spLocks noGrp="1" noRot="1" noChangeAspect="1"/>
+          </p:cNvSpPr>
+          <p:nvPr>
+            <p:ph type="sldImg"/>
+          </p:nvPr>
+        </p:nvSpPr>
+        <p:spPr/>
+      </p:sp>
+      <p:sp>
+        <p:nvSpPr>
+          <p:cNvPr id="3" name="備忘稿版面配置區 2"/>
+          <p:cNvSpPr>
+            <a:spLocks noGrp="1"/>
+          </p:cNvSpPr>
+          <p:nvPr>
+            <p:ph type="body" idx="1"/>
+          </p:nvPr>
+        </p:nvSpPr>
+        <p:spPr/>
+        <p:txBody>
+          <a:bodyPr/>
+          <a:lstStyle/>
+          <a:p>
+            <a:r>
+              <a:rPr lang="zh-TW" altLang="en-US" dirty="0"/>
+              <a:t>把貢獻分成好幾點列出來</a:t>
+            </a:r>
+          </a:p>
+        </p:txBody>
+      </p:sp>
+      <p:sp>
+        <p:nvSpPr>
+          <p:cNvPr id="4" name="投影片編號版面配置區 3"/>
+          <p:cNvSpPr>
+            <a:spLocks noGrp="1"/>
+          </p:cNvSpPr>
+          <p:nvPr>
+            <p:ph type="sldNum" sz="quarter" idx="5"/>
+          </p:nvPr>
+        </p:nvSpPr>
+        <p:spPr/>
+        <p:txBody>
+          <a:bodyPr/>
+          <a:lstStyle/>
+          <a:p>
+            <a:fld id="{EA26F649-65B9-4B04-8B74-45DF35A3B229}" type="slidenum">
+              <a:rPr lang="zh-TW" altLang="en-US" smtClean="0"/>
+              <a:t>27</a:t>
+            </a:fld>
+            <a:endParaRPr lang="zh-TW" altLang="en-US"/>
+          </a:p>
+        </p:txBody>
+      </p:sp>
+    </p:spTree>
+    <p:extLst>
+      <p:ext uri="{BB962C8B-B14F-4D97-AF65-F5344CB8AC3E}">
+        <p14:creationId xmlns:p14="http://schemas.microsoft.com/office/powerpoint/2010/main" val="2190202452"/>
       </p:ext>
     </p:extLst>
   </p:cSld>
@@ -3132,15 +3607,7 @@
             </a:r>
             <a:r>
               <a:rPr lang="en-US" altLang="zh-TW" dirty="0"/>
-              <a:t>human avatar action in the database [</a:t>
-            </a:r>
-            <a:r>
-              <a:rPr lang="en-US" altLang="zh-TW" dirty="0" err="1"/>
-              <a:t>Mixamo</a:t>
-            </a:r>
-            <a:r>
-              <a:rPr lang="en-US" altLang="zh-TW" dirty="0"/>
-              <a:t>] </a:t>
+              <a:t>human avatar action in the database [Mixamo] </a:t>
             </a:r>
           </a:p>
           <a:p>
@@ -7520,6 +7987,42 @@
           </a:extLst>
         </p:spPr>
       </p:pic>
+      <p:sp>
+        <p:nvSpPr>
+          <p:cNvPr id="10" name="文字方塊 9">
+            <a:extLst>
+              <a:ext uri="{FF2B5EF4-FFF2-40B4-BE49-F238E27FC236}">
+                <a16:creationId xmlns:a16="http://schemas.microsoft.com/office/drawing/2014/main" id="{17420604-8913-43B4-9356-61BA6A89C83E}"/>
+              </a:ext>
+            </a:extLst>
+          </p:cNvPr>
+          <p:cNvSpPr txBox="1"/>
+          <p:nvPr/>
+        </p:nvSpPr>
+        <p:spPr>
+          <a:xfrm>
+            <a:off x="5888240" y="1565639"/>
+            <a:ext cx="6295623" cy="369332"/>
+          </a:xfrm>
+          <a:prstGeom prst="rect">
+            <a:avLst/>
+          </a:prstGeom>
+          <a:noFill/>
+        </p:spPr>
+        <p:txBody>
+          <a:bodyPr wrap="square" rtlCol="0">
+            <a:spAutoFit/>
+          </a:bodyPr>
+          <a:lstStyle/>
+          <a:p>
+            <a:r>
+              <a:rPr lang="en-US" altLang="zh-TW" dirty="0"/>
+              <a:t>X of 28 movements are suitable to be represent by finger-walking </a:t>
+            </a:r>
+            <a:endParaRPr lang="zh-TW" altLang="en-US" dirty="0"/>
+          </a:p>
+        </p:txBody>
+      </p:sp>
     </p:spTree>
     <p:extLst>
       <p:ext uri="{BB962C8B-B14F-4D97-AF65-F5344CB8AC3E}">
@@ -12374,6 +12877,104 @@
                 </a:solidFill>
               </a:rPr>
               <a:t>Testing stage</a:t>
+            </a:r>
+            <a:endParaRPr lang="zh-TW" altLang="en-US" sz="2000" b="1" dirty="0">
+              <a:solidFill>
+                <a:schemeClr val="bg2">
+                  <a:lumMod val="90000"/>
+                </a:schemeClr>
+              </a:solidFill>
+            </a:endParaRPr>
+          </a:p>
+        </p:txBody>
+      </p:sp>
+      <p:sp>
+        <p:nvSpPr>
+          <p:cNvPr id="128" name="文字方塊 127">
+            <a:extLst>
+              <a:ext uri="{FF2B5EF4-FFF2-40B4-BE49-F238E27FC236}">
+                <a16:creationId xmlns:a16="http://schemas.microsoft.com/office/drawing/2014/main" id="{8C19B3AD-01AB-41EE-A8EF-120612A350A0}"/>
+              </a:ext>
+            </a:extLst>
+          </p:cNvPr>
+          <p:cNvSpPr txBox="1"/>
+          <p:nvPr/>
+        </p:nvSpPr>
+        <p:spPr>
+          <a:xfrm>
+            <a:off x="-234932" y="3561461"/>
+            <a:ext cx="2754719" cy="400110"/>
+          </a:xfrm>
+          <a:prstGeom prst="rect">
+            <a:avLst/>
+          </a:prstGeom>
+          <a:noFill/>
+        </p:spPr>
+        <p:txBody>
+          <a:bodyPr wrap="square" rtlCol="0">
+            <a:spAutoFit/>
+          </a:bodyPr>
+          <a:lstStyle/>
+          <a:p>
+            <a:pPr algn="ctr"/>
+            <a:r>
+              <a:rPr lang="en-US" altLang="zh-TW" sz="2000" b="1" dirty="0">
+                <a:solidFill>
+                  <a:schemeClr val="bg2">
+                    <a:lumMod val="90000"/>
+                  </a:schemeClr>
+                </a:solidFill>
+              </a:rPr>
+              <a:t>(preprocessing stage)</a:t>
+            </a:r>
+            <a:endParaRPr lang="zh-TW" altLang="en-US" sz="2000" b="1" dirty="0">
+              <a:solidFill>
+                <a:schemeClr val="bg2">
+                  <a:lumMod val="90000"/>
+                </a:schemeClr>
+              </a:solidFill>
+            </a:endParaRPr>
+          </a:p>
+        </p:txBody>
+      </p:sp>
+      <p:sp>
+        <p:nvSpPr>
+          <p:cNvPr id="129" name="文字方塊 128">
+            <a:extLst>
+              <a:ext uri="{FF2B5EF4-FFF2-40B4-BE49-F238E27FC236}">
+                <a16:creationId xmlns:a16="http://schemas.microsoft.com/office/drawing/2014/main" id="{B9812360-EA92-4829-BE58-1F290A7BECB6}"/>
+              </a:ext>
+            </a:extLst>
+          </p:cNvPr>
+          <p:cNvSpPr txBox="1"/>
+          <p:nvPr/>
+        </p:nvSpPr>
+        <p:spPr>
+          <a:xfrm>
+            <a:off x="-234932" y="4487215"/>
+            <a:ext cx="2754719" cy="400110"/>
+          </a:xfrm>
+          <a:prstGeom prst="rect">
+            <a:avLst/>
+          </a:prstGeom>
+          <a:noFill/>
+        </p:spPr>
+        <p:txBody>
+          <a:bodyPr wrap="square" rtlCol="0">
+            <a:spAutoFit/>
+          </a:bodyPr>
+          <a:lstStyle/>
+          <a:p>
+            <a:pPr algn="ctr"/>
+            <a:r>
+              <a:rPr lang="en-US" altLang="zh-TW" sz="2000" b="1" dirty="0">
+                <a:solidFill>
+                  <a:schemeClr val="bg2">
+                    <a:lumMod val="90000"/>
+                  </a:schemeClr>
+                </a:solidFill>
+              </a:rPr>
+              <a:t>(performance stage)</a:t>
             </a:r>
             <a:endParaRPr lang="zh-TW" altLang="en-US" sz="2000" b="1" dirty="0">
               <a:solidFill>
@@ -15800,7 +16401,7 @@
         </p:nvGrpSpPr>
         <p:grpSpPr>
           <a:xfrm>
-            <a:off x="4837790" y="1529698"/>
+            <a:off x="4942002" y="1521870"/>
             <a:ext cx="2338438" cy="1664685"/>
             <a:chOff x="853032" y="1811247"/>
             <a:chExt cx="2338438" cy="1664685"/>
@@ -18887,8 +19488,8 @@
         </p:nvSpPr>
         <p:spPr>
           <a:xfrm>
-            <a:off x="5120885" y="1314462"/>
-            <a:ext cx="6394498" cy="2171416"/>
+            <a:off x="5228671" y="1314462"/>
+            <a:ext cx="6286711" cy="2171416"/>
           </a:xfrm>
           <a:prstGeom prst="roundRect">
             <a:avLst/>
@@ -19288,29 +19889,13 @@
           <a:p>
             <a:r>
               <a:rPr lang="en-US" altLang="zh-TW" dirty="0"/>
-              <a:t>Hand landmarks by </a:t>
-            </a:r>
-            <a:r>
-              <a:rPr lang="en-US" altLang="zh-TW" dirty="0" err="1"/>
-              <a:t>Mediapipe</a:t>
-            </a:r>
+              <a:t>Hand landmarks by Mediapipe ; 21 joints </a:t>
+            </a:r>
+          </a:p>
+          <a:p>
             <a:r>
               <a:rPr lang="en-US" altLang="zh-TW" dirty="0"/>
-              <a:t> ; 21 joints </a:t>
-            </a:r>
-          </a:p>
-          <a:p>
-            <a:r>
-              <a:rPr lang="en-US" altLang="zh-TW" dirty="0"/>
-              <a:t>Body articulated structure by </a:t>
-            </a:r>
-            <a:r>
-              <a:rPr lang="en-US" altLang="zh-TW" dirty="0" err="1"/>
-              <a:t>Mixamo</a:t>
-            </a:r>
-            <a:r>
-              <a:rPr lang="en-US" altLang="zh-TW" dirty="0"/>
-              <a:t> ; 17 joints</a:t>
+              <a:t>Body articulated structure by Mixamo ; 17 joints</a:t>
             </a:r>
           </a:p>
           <a:p>
@@ -20659,7 +21244,26 @@
               <a:rPr lang="en-US" altLang="zh-TW" b="1" dirty="0"/>
               <a:t>Lower body motion retargeting</a:t>
             </a:r>
-            <a:endParaRPr lang="zh-TW" altLang="en-US" b="1" dirty="0"/>
+            <a:r>
+              <a:rPr lang="zh-TW" altLang="en-US" b="1" dirty="0"/>
+              <a:t> </a:t>
+            </a:r>
+            <a:r>
+              <a:rPr lang="en-US" altLang="zh-TW" b="1" dirty="0"/>
+              <a:t>–</a:t>
+            </a:r>
+            <a:r>
+              <a:rPr lang="zh-TW" altLang="en-US" b="1" dirty="0"/>
+              <a:t> </a:t>
+            </a:r>
+            <a:r>
+              <a:rPr lang="en-US" altLang="zh-TW" b="1" dirty="0"/>
+              <a:t>performing</a:t>
+            </a:r>
+            <a:r>
+              <a:rPr lang="zh-TW" altLang="en-US" b="1" dirty="0"/>
+              <a:t> </a:t>
+            </a:r>
           </a:p>
         </p:txBody>
       </p:sp>
@@ -20838,7 +21442,7 @@
           <a:p>
             <a:r>
               <a:rPr lang="en-US" altLang="zh-TW" b="1" dirty="0"/>
-              <a:t>Full-body pose reconstruction</a:t>
+              <a:t>Full-body pose reconstruction – preprocessing </a:t>
             </a:r>
             <a:endParaRPr lang="zh-TW" altLang="en-US" dirty="0"/>
           </a:p>
@@ -20860,7 +21464,12 @@
             <p:ph idx="1"/>
           </p:nvPr>
         </p:nvSpPr>
-        <p:spPr/>
+        <p:spPr>
+          <a:xfrm>
+            <a:off x="838200" y="1825625"/>
+            <a:ext cx="10515600" cy="4351338"/>
+          </a:xfrm>
+        </p:spPr>
         <p:txBody>
           <a:bodyPr/>
           <a:lstStyle/>
@@ -20874,7 +21483,7 @@
             <a:pPr lvl="1"/>
             <a:r>
               <a:rPr lang="en-US" altLang="zh-TW" dirty="0"/>
-              <a:t>They use upper motion to generate lower body motion </a:t>
+              <a:t>They use upper body motion to generate lower body motion </a:t>
             </a:r>
             <a:endParaRPr lang="zh-TW" altLang="en-US" dirty="0"/>
           </a:p>
@@ -20909,6 +21518,3723 @@
           </a:p>
         </p:txBody>
       </p:sp>
+      <p:sp>
+        <p:nvSpPr>
+          <p:cNvPr id="5" name="文字方塊 4">
+            <a:extLst>
+              <a:ext uri="{FF2B5EF4-FFF2-40B4-BE49-F238E27FC236}">
+                <a16:creationId xmlns:a16="http://schemas.microsoft.com/office/drawing/2014/main" id="{D7AD02EC-8083-45A0-899A-0A500A8190C2}"/>
+              </a:ext>
+            </a:extLst>
+          </p:cNvPr>
+          <p:cNvSpPr txBox="1"/>
+          <p:nvPr/>
+        </p:nvSpPr>
+        <p:spPr>
+          <a:xfrm>
+            <a:off x="8848056" y="4750190"/>
+            <a:ext cx="2913321" cy="923330"/>
+          </a:xfrm>
+          <a:prstGeom prst="rect">
+            <a:avLst/>
+          </a:prstGeom>
+          <a:noFill/>
+          <a:ln>
+            <a:solidFill>
+              <a:schemeClr val="tx1"/>
+            </a:solidFill>
+          </a:ln>
+        </p:spPr>
+        <p:txBody>
+          <a:bodyPr wrap="square" rtlCol="0">
+            <a:spAutoFit/>
+          </a:bodyPr>
+          <a:lstStyle/>
+          <a:p>
+            <a:r>
+              <a:rPr lang="zh-TW" altLang="en-US" dirty="0"/>
+              <a:t>補動態圖片</a:t>
+            </a:r>
+            <a:r>
+              <a:rPr lang="en-US" altLang="zh-TW" dirty="0"/>
+              <a:t>: </a:t>
+            </a:r>
+            <a:r>
+              <a:rPr lang="zh-TW" altLang="en-US" dirty="0"/>
+              <a:t>人物與</a:t>
+            </a:r>
+            <a:r>
+              <a:rPr lang="en-US" altLang="zh-TW" dirty="0"/>
+              <a:t>feet</a:t>
+            </a:r>
+            <a:r>
+              <a:rPr lang="zh-TW" altLang="en-US" dirty="0"/>
+              <a:t>軌跡的動態圖片</a:t>
+            </a:r>
+            <a:r>
+              <a:rPr lang="en-US" altLang="zh-TW" dirty="0"/>
+              <a:t>, feet</a:t>
+            </a:r>
+            <a:r>
+              <a:rPr lang="zh-TW" altLang="en-US" dirty="0"/>
+              <a:t>軌跡是藍色的點組成的</a:t>
+            </a:r>
+          </a:p>
+        </p:txBody>
+      </p:sp>
+      <p:grpSp>
+        <p:nvGrpSpPr>
+          <p:cNvPr id="85" name="群組 84">
+            <a:extLst>
+              <a:ext uri="{FF2B5EF4-FFF2-40B4-BE49-F238E27FC236}">
+                <a16:creationId xmlns:a16="http://schemas.microsoft.com/office/drawing/2014/main" id="{BB8CF750-9F40-49EF-9539-A520F57A2268}"/>
+              </a:ext>
+            </a:extLst>
+          </p:cNvPr>
+          <p:cNvGrpSpPr/>
+          <p:nvPr/>
+        </p:nvGrpSpPr>
+        <p:grpSpPr>
+          <a:xfrm>
+            <a:off x="838201" y="3827843"/>
+            <a:ext cx="7173440" cy="466060"/>
+            <a:chOff x="838200" y="3202173"/>
+            <a:chExt cx="7173440" cy="466060"/>
+          </a:xfrm>
+        </p:grpSpPr>
+        <p:sp>
+          <p:nvSpPr>
+            <p:cNvPr id="6" name="橢圓 5">
+              <a:extLst>
+                <a:ext uri="{FF2B5EF4-FFF2-40B4-BE49-F238E27FC236}">
+                  <a16:creationId xmlns:a16="http://schemas.microsoft.com/office/drawing/2014/main" id="{EA27F0DB-D1D2-489F-9469-A0495AE14F5C}"/>
+                </a:ext>
+              </a:extLst>
+            </p:cNvPr>
+            <p:cNvSpPr/>
+            <p:nvPr/>
+          </p:nvSpPr>
+          <p:spPr>
+            <a:xfrm>
+              <a:off x="838200" y="3211033"/>
+              <a:ext cx="448340" cy="448340"/>
+            </a:xfrm>
+            <a:prstGeom prst="ellipse">
+              <a:avLst/>
+            </a:prstGeom>
+          </p:spPr>
+          <p:style>
+            <a:lnRef idx="2">
+              <a:schemeClr val="accent1">
+                <a:shade val="50000"/>
+              </a:schemeClr>
+            </a:lnRef>
+            <a:fillRef idx="1">
+              <a:schemeClr val="accent1"/>
+            </a:fillRef>
+            <a:effectRef idx="0">
+              <a:schemeClr val="accent1"/>
+            </a:effectRef>
+            <a:fontRef idx="minor">
+              <a:schemeClr val="lt1"/>
+            </a:fontRef>
+          </p:style>
+          <p:txBody>
+            <a:bodyPr rtlCol="0" anchor="ctr"/>
+            <a:lstStyle/>
+            <a:p>
+              <a:pPr algn="ctr"/>
+              <a:endParaRPr lang="zh-TW" altLang="en-US"/>
+            </a:p>
+          </p:txBody>
+        </p:sp>
+        <p:sp>
+          <p:nvSpPr>
+            <p:cNvPr id="7" name="橢圓 6">
+              <a:extLst>
+                <a:ext uri="{FF2B5EF4-FFF2-40B4-BE49-F238E27FC236}">
+                  <a16:creationId xmlns:a16="http://schemas.microsoft.com/office/drawing/2014/main" id="{BAA02C0B-B1F6-4FF6-9E68-CB88C6DD784D}"/>
+                </a:ext>
+              </a:extLst>
+            </p:cNvPr>
+            <p:cNvSpPr/>
+            <p:nvPr/>
+          </p:nvSpPr>
+          <p:spPr>
+            <a:xfrm>
+              <a:off x="1286540" y="3211033"/>
+              <a:ext cx="448340" cy="448340"/>
+            </a:xfrm>
+            <a:prstGeom prst="ellipse">
+              <a:avLst/>
+            </a:prstGeom>
+          </p:spPr>
+          <p:style>
+            <a:lnRef idx="2">
+              <a:schemeClr val="accent1">
+                <a:shade val="50000"/>
+              </a:schemeClr>
+            </a:lnRef>
+            <a:fillRef idx="1">
+              <a:schemeClr val="accent1"/>
+            </a:fillRef>
+            <a:effectRef idx="0">
+              <a:schemeClr val="accent1"/>
+            </a:effectRef>
+            <a:fontRef idx="minor">
+              <a:schemeClr val="lt1"/>
+            </a:fontRef>
+          </p:style>
+          <p:txBody>
+            <a:bodyPr rtlCol="0" anchor="ctr"/>
+            <a:lstStyle/>
+            <a:p>
+              <a:pPr algn="ctr"/>
+              <a:endParaRPr lang="zh-TW" altLang="en-US"/>
+            </a:p>
+          </p:txBody>
+        </p:sp>
+        <p:sp>
+          <p:nvSpPr>
+            <p:cNvPr id="8" name="橢圓 7">
+              <a:extLst>
+                <a:ext uri="{FF2B5EF4-FFF2-40B4-BE49-F238E27FC236}">
+                  <a16:creationId xmlns:a16="http://schemas.microsoft.com/office/drawing/2014/main" id="{B920EDC9-FAD9-4DE9-842F-07A9E611C3B5}"/>
+                </a:ext>
+              </a:extLst>
+            </p:cNvPr>
+            <p:cNvSpPr/>
+            <p:nvPr/>
+          </p:nvSpPr>
+          <p:spPr>
+            <a:xfrm>
+              <a:off x="1734880" y="3202173"/>
+              <a:ext cx="448340" cy="448340"/>
+            </a:xfrm>
+            <a:prstGeom prst="ellipse">
+              <a:avLst/>
+            </a:prstGeom>
+          </p:spPr>
+          <p:style>
+            <a:lnRef idx="2">
+              <a:schemeClr val="accent1">
+                <a:shade val="50000"/>
+              </a:schemeClr>
+            </a:lnRef>
+            <a:fillRef idx="1">
+              <a:schemeClr val="accent1"/>
+            </a:fillRef>
+            <a:effectRef idx="0">
+              <a:schemeClr val="accent1"/>
+            </a:effectRef>
+            <a:fontRef idx="minor">
+              <a:schemeClr val="lt1"/>
+            </a:fontRef>
+          </p:style>
+          <p:txBody>
+            <a:bodyPr rtlCol="0" anchor="ctr"/>
+            <a:lstStyle/>
+            <a:p>
+              <a:pPr algn="ctr"/>
+              <a:endParaRPr lang="zh-TW" altLang="en-US"/>
+            </a:p>
+          </p:txBody>
+        </p:sp>
+        <p:sp>
+          <p:nvSpPr>
+            <p:cNvPr id="9" name="橢圓 8">
+              <a:extLst>
+                <a:ext uri="{FF2B5EF4-FFF2-40B4-BE49-F238E27FC236}">
+                  <a16:creationId xmlns:a16="http://schemas.microsoft.com/office/drawing/2014/main" id="{F7EE253E-BF56-495B-A1F3-F79BCE8F70D1}"/>
+                </a:ext>
+              </a:extLst>
+            </p:cNvPr>
+            <p:cNvSpPr/>
+            <p:nvPr/>
+          </p:nvSpPr>
+          <p:spPr>
+            <a:xfrm>
+              <a:off x="2183220" y="3202173"/>
+              <a:ext cx="448340" cy="448340"/>
+            </a:xfrm>
+            <a:prstGeom prst="ellipse">
+              <a:avLst/>
+            </a:prstGeom>
+          </p:spPr>
+          <p:style>
+            <a:lnRef idx="2">
+              <a:schemeClr val="accent1">
+                <a:shade val="50000"/>
+              </a:schemeClr>
+            </a:lnRef>
+            <a:fillRef idx="1">
+              <a:schemeClr val="accent1"/>
+            </a:fillRef>
+            <a:effectRef idx="0">
+              <a:schemeClr val="accent1"/>
+            </a:effectRef>
+            <a:fontRef idx="minor">
+              <a:schemeClr val="lt1"/>
+            </a:fontRef>
+          </p:style>
+          <p:txBody>
+            <a:bodyPr rtlCol="0" anchor="ctr"/>
+            <a:lstStyle/>
+            <a:p>
+              <a:pPr algn="ctr"/>
+              <a:endParaRPr lang="zh-TW" altLang="en-US"/>
+            </a:p>
+          </p:txBody>
+        </p:sp>
+        <p:sp>
+          <p:nvSpPr>
+            <p:cNvPr id="10" name="橢圓 9">
+              <a:extLst>
+                <a:ext uri="{FF2B5EF4-FFF2-40B4-BE49-F238E27FC236}">
+                  <a16:creationId xmlns:a16="http://schemas.microsoft.com/office/drawing/2014/main" id="{FFC088A5-C3C7-45A9-B966-C0F78DDB2056}"/>
+                </a:ext>
+              </a:extLst>
+            </p:cNvPr>
+            <p:cNvSpPr/>
+            <p:nvPr/>
+          </p:nvSpPr>
+          <p:spPr>
+            <a:xfrm>
+              <a:off x="2631560" y="3219893"/>
+              <a:ext cx="448340" cy="448340"/>
+            </a:xfrm>
+            <a:prstGeom prst="ellipse">
+              <a:avLst/>
+            </a:prstGeom>
+          </p:spPr>
+          <p:style>
+            <a:lnRef idx="2">
+              <a:schemeClr val="accent1">
+                <a:shade val="50000"/>
+              </a:schemeClr>
+            </a:lnRef>
+            <a:fillRef idx="1">
+              <a:schemeClr val="accent1"/>
+            </a:fillRef>
+            <a:effectRef idx="0">
+              <a:schemeClr val="accent1"/>
+            </a:effectRef>
+            <a:fontRef idx="minor">
+              <a:schemeClr val="lt1"/>
+            </a:fontRef>
+          </p:style>
+          <p:txBody>
+            <a:bodyPr rtlCol="0" anchor="ctr"/>
+            <a:lstStyle/>
+            <a:p>
+              <a:pPr algn="ctr"/>
+              <a:endParaRPr lang="zh-TW" altLang="en-US"/>
+            </a:p>
+          </p:txBody>
+        </p:sp>
+        <p:sp>
+          <p:nvSpPr>
+            <p:cNvPr id="11" name="橢圓 10">
+              <a:extLst>
+                <a:ext uri="{FF2B5EF4-FFF2-40B4-BE49-F238E27FC236}">
+                  <a16:creationId xmlns:a16="http://schemas.microsoft.com/office/drawing/2014/main" id="{B03AD4B1-4AB8-4FF8-8264-25BD1F225B07}"/>
+                </a:ext>
+              </a:extLst>
+            </p:cNvPr>
+            <p:cNvSpPr/>
+            <p:nvPr/>
+          </p:nvSpPr>
+          <p:spPr>
+            <a:xfrm>
+              <a:off x="3079900" y="3219893"/>
+              <a:ext cx="448340" cy="448340"/>
+            </a:xfrm>
+            <a:prstGeom prst="ellipse">
+              <a:avLst/>
+            </a:prstGeom>
+          </p:spPr>
+          <p:style>
+            <a:lnRef idx="2">
+              <a:schemeClr val="accent1">
+                <a:shade val="50000"/>
+              </a:schemeClr>
+            </a:lnRef>
+            <a:fillRef idx="1">
+              <a:schemeClr val="accent1"/>
+            </a:fillRef>
+            <a:effectRef idx="0">
+              <a:schemeClr val="accent1"/>
+            </a:effectRef>
+            <a:fontRef idx="minor">
+              <a:schemeClr val="lt1"/>
+            </a:fontRef>
+          </p:style>
+          <p:txBody>
+            <a:bodyPr rtlCol="0" anchor="ctr"/>
+            <a:lstStyle/>
+            <a:p>
+              <a:pPr algn="ctr"/>
+              <a:endParaRPr lang="zh-TW" altLang="en-US"/>
+            </a:p>
+          </p:txBody>
+        </p:sp>
+        <p:sp>
+          <p:nvSpPr>
+            <p:cNvPr id="12" name="橢圓 11">
+              <a:extLst>
+                <a:ext uri="{FF2B5EF4-FFF2-40B4-BE49-F238E27FC236}">
+                  <a16:creationId xmlns:a16="http://schemas.microsoft.com/office/drawing/2014/main" id="{859A93F9-834B-4AD3-BE54-F24447A8904C}"/>
+                </a:ext>
+              </a:extLst>
+            </p:cNvPr>
+            <p:cNvSpPr/>
+            <p:nvPr/>
+          </p:nvSpPr>
+          <p:spPr>
+            <a:xfrm>
+              <a:off x="3528240" y="3211033"/>
+              <a:ext cx="448340" cy="448340"/>
+            </a:xfrm>
+            <a:prstGeom prst="ellipse">
+              <a:avLst/>
+            </a:prstGeom>
+          </p:spPr>
+          <p:style>
+            <a:lnRef idx="2">
+              <a:schemeClr val="accent1">
+                <a:shade val="50000"/>
+              </a:schemeClr>
+            </a:lnRef>
+            <a:fillRef idx="1">
+              <a:schemeClr val="accent1"/>
+            </a:fillRef>
+            <a:effectRef idx="0">
+              <a:schemeClr val="accent1"/>
+            </a:effectRef>
+            <a:fontRef idx="minor">
+              <a:schemeClr val="lt1"/>
+            </a:fontRef>
+          </p:style>
+          <p:txBody>
+            <a:bodyPr rtlCol="0" anchor="ctr"/>
+            <a:lstStyle/>
+            <a:p>
+              <a:pPr algn="ctr"/>
+              <a:endParaRPr lang="zh-TW" altLang="en-US"/>
+            </a:p>
+          </p:txBody>
+        </p:sp>
+        <p:sp>
+          <p:nvSpPr>
+            <p:cNvPr id="13" name="橢圓 12">
+              <a:extLst>
+                <a:ext uri="{FF2B5EF4-FFF2-40B4-BE49-F238E27FC236}">
+                  <a16:creationId xmlns:a16="http://schemas.microsoft.com/office/drawing/2014/main" id="{1E0F2444-5892-4BEC-8F2E-2F81601BF441}"/>
+                </a:ext>
+              </a:extLst>
+            </p:cNvPr>
+            <p:cNvSpPr/>
+            <p:nvPr/>
+          </p:nvSpPr>
+          <p:spPr>
+            <a:xfrm>
+              <a:off x="3976580" y="3211033"/>
+              <a:ext cx="448340" cy="448340"/>
+            </a:xfrm>
+            <a:prstGeom prst="ellipse">
+              <a:avLst/>
+            </a:prstGeom>
+          </p:spPr>
+          <p:style>
+            <a:lnRef idx="2">
+              <a:schemeClr val="accent1">
+                <a:shade val="50000"/>
+              </a:schemeClr>
+            </a:lnRef>
+            <a:fillRef idx="1">
+              <a:schemeClr val="accent1"/>
+            </a:fillRef>
+            <a:effectRef idx="0">
+              <a:schemeClr val="accent1"/>
+            </a:effectRef>
+            <a:fontRef idx="minor">
+              <a:schemeClr val="lt1"/>
+            </a:fontRef>
+          </p:style>
+          <p:txBody>
+            <a:bodyPr rtlCol="0" anchor="ctr"/>
+            <a:lstStyle/>
+            <a:p>
+              <a:pPr algn="ctr"/>
+              <a:endParaRPr lang="zh-TW" altLang="en-US"/>
+            </a:p>
+          </p:txBody>
+        </p:sp>
+        <p:sp>
+          <p:nvSpPr>
+            <p:cNvPr id="14" name="橢圓 13">
+              <a:extLst>
+                <a:ext uri="{FF2B5EF4-FFF2-40B4-BE49-F238E27FC236}">
+                  <a16:creationId xmlns:a16="http://schemas.microsoft.com/office/drawing/2014/main" id="{AEB030F1-79F8-4D1E-B097-ACBD5D7E2CEB}"/>
+                </a:ext>
+              </a:extLst>
+            </p:cNvPr>
+            <p:cNvSpPr/>
+            <p:nvPr/>
+          </p:nvSpPr>
+          <p:spPr>
+            <a:xfrm>
+              <a:off x="4424920" y="3211033"/>
+              <a:ext cx="448340" cy="448340"/>
+            </a:xfrm>
+            <a:prstGeom prst="ellipse">
+              <a:avLst/>
+            </a:prstGeom>
+          </p:spPr>
+          <p:style>
+            <a:lnRef idx="2">
+              <a:schemeClr val="accent1">
+                <a:shade val="50000"/>
+              </a:schemeClr>
+            </a:lnRef>
+            <a:fillRef idx="1">
+              <a:schemeClr val="accent1"/>
+            </a:fillRef>
+            <a:effectRef idx="0">
+              <a:schemeClr val="accent1"/>
+            </a:effectRef>
+            <a:fontRef idx="minor">
+              <a:schemeClr val="lt1"/>
+            </a:fontRef>
+          </p:style>
+          <p:txBody>
+            <a:bodyPr rtlCol="0" anchor="ctr"/>
+            <a:lstStyle/>
+            <a:p>
+              <a:pPr algn="ctr"/>
+              <a:endParaRPr lang="zh-TW" altLang="en-US"/>
+            </a:p>
+          </p:txBody>
+        </p:sp>
+        <p:sp>
+          <p:nvSpPr>
+            <p:cNvPr id="15" name="橢圓 14">
+              <a:extLst>
+                <a:ext uri="{FF2B5EF4-FFF2-40B4-BE49-F238E27FC236}">
+                  <a16:creationId xmlns:a16="http://schemas.microsoft.com/office/drawing/2014/main" id="{7043069C-69A5-46A1-85AC-F1003CC114C9}"/>
+                </a:ext>
+              </a:extLst>
+            </p:cNvPr>
+            <p:cNvSpPr/>
+            <p:nvPr/>
+          </p:nvSpPr>
+          <p:spPr>
+            <a:xfrm>
+              <a:off x="4873260" y="3211033"/>
+              <a:ext cx="448340" cy="448340"/>
+            </a:xfrm>
+            <a:prstGeom prst="ellipse">
+              <a:avLst/>
+            </a:prstGeom>
+          </p:spPr>
+          <p:style>
+            <a:lnRef idx="2">
+              <a:schemeClr val="accent1">
+                <a:shade val="50000"/>
+              </a:schemeClr>
+            </a:lnRef>
+            <a:fillRef idx="1">
+              <a:schemeClr val="accent1"/>
+            </a:fillRef>
+            <a:effectRef idx="0">
+              <a:schemeClr val="accent1"/>
+            </a:effectRef>
+            <a:fontRef idx="minor">
+              <a:schemeClr val="lt1"/>
+            </a:fontRef>
+          </p:style>
+          <p:txBody>
+            <a:bodyPr rtlCol="0" anchor="ctr"/>
+            <a:lstStyle/>
+            <a:p>
+              <a:pPr algn="ctr"/>
+              <a:endParaRPr lang="zh-TW" altLang="en-US"/>
+            </a:p>
+          </p:txBody>
+        </p:sp>
+        <p:sp>
+          <p:nvSpPr>
+            <p:cNvPr id="16" name="橢圓 15">
+              <a:extLst>
+                <a:ext uri="{FF2B5EF4-FFF2-40B4-BE49-F238E27FC236}">
+                  <a16:creationId xmlns:a16="http://schemas.microsoft.com/office/drawing/2014/main" id="{9E978C97-69E6-49BA-86ED-E13B993D3C60}"/>
+                </a:ext>
+              </a:extLst>
+            </p:cNvPr>
+            <p:cNvSpPr/>
+            <p:nvPr/>
+          </p:nvSpPr>
+          <p:spPr>
+            <a:xfrm>
+              <a:off x="5321600" y="3202173"/>
+              <a:ext cx="448340" cy="448340"/>
+            </a:xfrm>
+            <a:prstGeom prst="ellipse">
+              <a:avLst/>
+            </a:prstGeom>
+          </p:spPr>
+          <p:style>
+            <a:lnRef idx="2">
+              <a:schemeClr val="accent1">
+                <a:shade val="50000"/>
+              </a:schemeClr>
+            </a:lnRef>
+            <a:fillRef idx="1">
+              <a:schemeClr val="accent1"/>
+            </a:fillRef>
+            <a:effectRef idx="0">
+              <a:schemeClr val="accent1"/>
+            </a:effectRef>
+            <a:fontRef idx="minor">
+              <a:schemeClr val="lt1"/>
+            </a:fontRef>
+          </p:style>
+          <p:txBody>
+            <a:bodyPr rtlCol="0" anchor="ctr"/>
+            <a:lstStyle/>
+            <a:p>
+              <a:pPr algn="ctr"/>
+              <a:endParaRPr lang="zh-TW" altLang="en-US"/>
+            </a:p>
+          </p:txBody>
+        </p:sp>
+        <p:sp>
+          <p:nvSpPr>
+            <p:cNvPr id="17" name="橢圓 16">
+              <a:extLst>
+                <a:ext uri="{FF2B5EF4-FFF2-40B4-BE49-F238E27FC236}">
+                  <a16:creationId xmlns:a16="http://schemas.microsoft.com/office/drawing/2014/main" id="{7A505083-D4FC-43C8-ABD7-E1F8C027D2AB}"/>
+                </a:ext>
+              </a:extLst>
+            </p:cNvPr>
+            <p:cNvSpPr/>
+            <p:nvPr/>
+          </p:nvSpPr>
+          <p:spPr>
+            <a:xfrm>
+              <a:off x="5769940" y="3202173"/>
+              <a:ext cx="448340" cy="448340"/>
+            </a:xfrm>
+            <a:prstGeom prst="ellipse">
+              <a:avLst/>
+            </a:prstGeom>
+          </p:spPr>
+          <p:style>
+            <a:lnRef idx="2">
+              <a:schemeClr val="accent1">
+                <a:shade val="50000"/>
+              </a:schemeClr>
+            </a:lnRef>
+            <a:fillRef idx="1">
+              <a:schemeClr val="accent1"/>
+            </a:fillRef>
+            <a:effectRef idx="0">
+              <a:schemeClr val="accent1"/>
+            </a:effectRef>
+            <a:fontRef idx="minor">
+              <a:schemeClr val="lt1"/>
+            </a:fontRef>
+          </p:style>
+          <p:txBody>
+            <a:bodyPr rtlCol="0" anchor="ctr"/>
+            <a:lstStyle/>
+            <a:p>
+              <a:pPr algn="ctr"/>
+              <a:endParaRPr lang="zh-TW" altLang="en-US"/>
+            </a:p>
+          </p:txBody>
+        </p:sp>
+        <p:sp>
+          <p:nvSpPr>
+            <p:cNvPr id="18" name="橢圓 17">
+              <a:extLst>
+                <a:ext uri="{FF2B5EF4-FFF2-40B4-BE49-F238E27FC236}">
+                  <a16:creationId xmlns:a16="http://schemas.microsoft.com/office/drawing/2014/main" id="{12B035F4-1A6D-480F-9F47-990F24244597}"/>
+                </a:ext>
+              </a:extLst>
+            </p:cNvPr>
+            <p:cNvSpPr/>
+            <p:nvPr/>
+          </p:nvSpPr>
+          <p:spPr>
+            <a:xfrm>
+              <a:off x="6218280" y="3219893"/>
+              <a:ext cx="448340" cy="448340"/>
+            </a:xfrm>
+            <a:prstGeom prst="ellipse">
+              <a:avLst/>
+            </a:prstGeom>
+          </p:spPr>
+          <p:style>
+            <a:lnRef idx="2">
+              <a:schemeClr val="accent1">
+                <a:shade val="50000"/>
+              </a:schemeClr>
+            </a:lnRef>
+            <a:fillRef idx="1">
+              <a:schemeClr val="accent1"/>
+            </a:fillRef>
+            <a:effectRef idx="0">
+              <a:schemeClr val="accent1"/>
+            </a:effectRef>
+            <a:fontRef idx="minor">
+              <a:schemeClr val="lt1"/>
+            </a:fontRef>
+          </p:style>
+          <p:txBody>
+            <a:bodyPr rtlCol="0" anchor="ctr"/>
+            <a:lstStyle/>
+            <a:p>
+              <a:pPr algn="ctr"/>
+              <a:endParaRPr lang="zh-TW" altLang="en-US"/>
+            </a:p>
+          </p:txBody>
+        </p:sp>
+        <p:sp>
+          <p:nvSpPr>
+            <p:cNvPr id="19" name="橢圓 18">
+              <a:extLst>
+                <a:ext uri="{FF2B5EF4-FFF2-40B4-BE49-F238E27FC236}">
+                  <a16:creationId xmlns:a16="http://schemas.microsoft.com/office/drawing/2014/main" id="{5648D511-F2E6-45A0-B62E-358627D6C206}"/>
+                </a:ext>
+              </a:extLst>
+            </p:cNvPr>
+            <p:cNvSpPr/>
+            <p:nvPr/>
+          </p:nvSpPr>
+          <p:spPr>
+            <a:xfrm>
+              <a:off x="6666620" y="3219893"/>
+              <a:ext cx="448340" cy="448340"/>
+            </a:xfrm>
+            <a:prstGeom prst="ellipse">
+              <a:avLst/>
+            </a:prstGeom>
+          </p:spPr>
+          <p:style>
+            <a:lnRef idx="2">
+              <a:schemeClr val="accent1">
+                <a:shade val="50000"/>
+              </a:schemeClr>
+            </a:lnRef>
+            <a:fillRef idx="1">
+              <a:schemeClr val="accent1"/>
+            </a:fillRef>
+            <a:effectRef idx="0">
+              <a:schemeClr val="accent1"/>
+            </a:effectRef>
+            <a:fontRef idx="minor">
+              <a:schemeClr val="lt1"/>
+            </a:fontRef>
+          </p:style>
+          <p:txBody>
+            <a:bodyPr rtlCol="0" anchor="ctr"/>
+            <a:lstStyle/>
+            <a:p>
+              <a:pPr algn="ctr"/>
+              <a:endParaRPr lang="zh-TW" altLang="en-US"/>
+            </a:p>
+          </p:txBody>
+        </p:sp>
+        <p:sp>
+          <p:nvSpPr>
+            <p:cNvPr id="20" name="橢圓 19">
+              <a:extLst>
+                <a:ext uri="{FF2B5EF4-FFF2-40B4-BE49-F238E27FC236}">
+                  <a16:creationId xmlns:a16="http://schemas.microsoft.com/office/drawing/2014/main" id="{119FA7D3-5138-4DBA-8CD6-450EE5ED7B6D}"/>
+                </a:ext>
+              </a:extLst>
+            </p:cNvPr>
+            <p:cNvSpPr/>
+            <p:nvPr/>
+          </p:nvSpPr>
+          <p:spPr>
+            <a:xfrm>
+              <a:off x="7114960" y="3211033"/>
+              <a:ext cx="448340" cy="448340"/>
+            </a:xfrm>
+            <a:prstGeom prst="ellipse">
+              <a:avLst/>
+            </a:prstGeom>
+          </p:spPr>
+          <p:style>
+            <a:lnRef idx="2">
+              <a:schemeClr val="accent1">
+                <a:shade val="50000"/>
+              </a:schemeClr>
+            </a:lnRef>
+            <a:fillRef idx="1">
+              <a:schemeClr val="accent1"/>
+            </a:fillRef>
+            <a:effectRef idx="0">
+              <a:schemeClr val="accent1"/>
+            </a:effectRef>
+            <a:fontRef idx="minor">
+              <a:schemeClr val="lt1"/>
+            </a:fontRef>
+          </p:style>
+          <p:txBody>
+            <a:bodyPr rtlCol="0" anchor="ctr"/>
+            <a:lstStyle/>
+            <a:p>
+              <a:pPr algn="ctr"/>
+              <a:endParaRPr lang="zh-TW" altLang="en-US"/>
+            </a:p>
+          </p:txBody>
+        </p:sp>
+        <p:sp>
+          <p:nvSpPr>
+            <p:cNvPr id="21" name="橢圓 20">
+              <a:extLst>
+                <a:ext uri="{FF2B5EF4-FFF2-40B4-BE49-F238E27FC236}">
+                  <a16:creationId xmlns:a16="http://schemas.microsoft.com/office/drawing/2014/main" id="{1B5E84C6-12C3-4DB6-9DE1-5008671A0F60}"/>
+                </a:ext>
+              </a:extLst>
+            </p:cNvPr>
+            <p:cNvSpPr/>
+            <p:nvPr/>
+          </p:nvSpPr>
+          <p:spPr>
+            <a:xfrm>
+              <a:off x="7563300" y="3211033"/>
+              <a:ext cx="448340" cy="448340"/>
+            </a:xfrm>
+            <a:prstGeom prst="ellipse">
+              <a:avLst/>
+            </a:prstGeom>
+          </p:spPr>
+          <p:style>
+            <a:lnRef idx="2">
+              <a:schemeClr val="accent1">
+                <a:shade val="50000"/>
+              </a:schemeClr>
+            </a:lnRef>
+            <a:fillRef idx="1">
+              <a:schemeClr val="accent1"/>
+            </a:fillRef>
+            <a:effectRef idx="0">
+              <a:schemeClr val="accent1"/>
+            </a:effectRef>
+            <a:fontRef idx="minor">
+              <a:schemeClr val="lt1"/>
+            </a:fontRef>
+          </p:style>
+          <p:txBody>
+            <a:bodyPr rtlCol="0" anchor="ctr"/>
+            <a:lstStyle/>
+            <a:p>
+              <a:pPr algn="ctr"/>
+              <a:endParaRPr lang="zh-TW" altLang="en-US"/>
+            </a:p>
+          </p:txBody>
+        </p:sp>
+      </p:grpSp>
+      <p:grpSp>
+        <p:nvGrpSpPr>
+          <p:cNvPr id="57" name="群組 56">
+            <a:extLst>
+              <a:ext uri="{FF2B5EF4-FFF2-40B4-BE49-F238E27FC236}">
+                <a16:creationId xmlns:a16="http://schemas.microsoft.com/office/drawing/2014/main" id="{8E8A2AAF-B9DA-45DA-8A2F-13A0771150B0}"/>
+              </a:ext>
+            </a:extLst>
+          </p:cNvPr>
+          <p:cNvGrpSpPr/>
+          <p:nvPr/>
+        </p:nvGrpSpPr>
+        <p:grpSpPr>
+          <a:xfrm>
+            <a:off x="838201" y="5010409"/>
+            <a:ext cx="3586720" cy="448340"/>
+            <a:chOff x="838200" y="3975248"/>
+            <a:chExt cx="3586720" cy="448340"/>
+          </a:xfrm>
+        </p:grpSpPr>
+        <p:sp>
+          <p:nvSpPr>
+            <p:cNvPr id="45" name="矩形 44">
+              <a:extLst>
+                <a:ext uri="{FF2B5EF4-FFF2-40B4-BE49-F238E27FC236}">
+                  <a16:creationId xmlns:a16="http://schemas.microsoft.com/office/drawing/2014/main" id="{996AFEDE-6D73-4113-B11E-6810C8460C5C}"/>
+                </a:ext>
+              </a:extLst>
+            </p:cNvPr>
+            <p:cNvSpPr/>
+            <p:nvPr/>
+          </p:nvSpPr>
+          <p:spPr>
+            <a:xfrm>
+              <a:off x="838200" y="3975248"/>
+              <a:ext cx="448340" cy="448340"/>
+            </a:xfrm>
+            <a:prstGeom prst="rect">
+              <a:avLst/>
+            </a:prstGeom>
+            <a:solidFill>
+              <a:srgbClr val="92D050"/>
+            </a:solidFill>
+          </p:spPr>
+          <p:style>
+            <a:lnRef idx="2">
+              <a:schemeClr val="accent1">
+                <a:shade val="50000"/>
+              </a:schemeClr>
+            </a:lnRef>
+            <a:fillRef idx="1">
+              <a:schemeClr val="accent1"/>
+            </a:fillRef>
+            <a:effectRef idx="0">
+              <a:schemeClr val="accent1"/>
+            </a:effectRef>
+            <a:fontRef idx="minor">
+              <a:schemeClr val="lt1"/>
+            </a:fontRef>
+          </p:style>
+          <p:txBody>
+            <a:bodyPr rtlCol="0" anchor="ctr"/>
+            <a:lstStyle/>
+            <a:p>
+              <a:pPr algn="ctr"/>
+              <a:endParaRPr lang="zh-TW" altLang="en-US"/>
+            </a:p>
+          </p:txBody>
+        </p:sp>
+        <p:sp>
+          <p:nvSpPr>
+            <p:cNvPr id="50" name="矩形 49">
+              <a:extLst>
+                <a:ext uri="{FF2B5EF4-FFF2-40B4-BE49-F238E27FC236}">
+                  <a16:creationId xmlns:a16="http://schemas.microsoft.com/office/drawing/2014/main" id="{27B6A8B8-6408-4C00-8EFA-2500D27EB43D}"/>
+                </a:ext>
+              </a:extLst>
+            </p:cNvPr>
+            <p:cNvSpPr/>
+            <p:nvPr/>
+          </p:nvSpPr>
+          <p:spPr>
+            <a:xfrm>
+              <a:off x="1286540" y="3975248"/>
+              <a:ext cx="448340" cy="448340"/>
+            </a:xfrm>
+            <a:prstGeom prst="rect">
+              <a:avLst/>
+            </a:prstGeom>
+            <a:solidFill>
+              <a:srgbClr val="92D050"/>
+            </a:solidFill>
+          </p:spPr>
+          <p:style>
+            <a:lnRef idx="2">
+              <a:schemeClr val="accent1">
+                <a:shade val="50000"/>
+              </a:schemeClr>
+            </a:lnRef>
+            <a:fillRef idx="1">
+              <a:schemeClr val="accent1"/>
+            </a:fillRef>
+            <a:effectRef idx="0">
+              <a:schemeClr val="accent1"/>
+            </a:effectRef>
+            <a:fontRef idx="minor">
+              <a:schemeClr val="lt1"/>
+            </a:fontRef>
+          </p:style>
+          <p:txBody>
+            <a:bodyPr rtlCol="0" anchor="ctr"/>
+            <a:lstStyle/>
+            <a:p>
+              <a:pPr algn="ctr"/>
+              <a:endParaRPr lang="zh-TW" altLang="en-US"/>
+            </a:p>
+          </p:txBody>
+        </p:sp>
+        <p:sp>
+          <p:nvSpPr>
+            <p:cNvPr id="51" name="矩形 50">
+              <a:extLst>
+                <a:ext uri="{FF2B5EF4-FFF2-40B4-BE49-F238E27FC236}">
+                  <a16:creationId xmlns:a16="http://schemas.microsoft.com/office/drawing/2014/main" id="{2B1D5443-6589-4D88-B7C7-10DF9B380BE5}"/>
+                </a:ext>
+              </a:extLst>
+            </p:cNvPr>
+            <p:cNvSpPr/>
+            <p:nvPr/>
+          </p:nvSpPr>
+          <p:spPr>
+            <a:xfrm>
+              <a:off x="1734880" y="3975248"/>
+              <a:ext cx="448340" cy="448340"/>
+            </a:xfrm>
+            <a:prstGeom prst="rect">
+              <a:avLst/>
+            </a:prstGeom>
+            <a:solidFill>
+              <a:srgbClr val="92D050"/>
+            </a:solidFill>
+          </p:spPr>
+          <p:style>
+            <a:lnRef idx="2">
+              <a:schemeClr val="accent1">
+                <a:shade val="50000"/>
+              </a:schemeClr>
+            </a:lnRef>
+            <a:fillRef idx="1">
+              <a:schemeClr val="accent1"/>
+            </a:fillRef>
+            <a:effectRef idx="0">
+              <a:schemeClr val="accent1"/>
+            </a:effectRef>
+            <a:fontRef idx="minor">
+              <a:schemeClr val="lt1"/>
+            </a:fontRef>
+          </p:style>
+          <p:txBody>
+            <a:bodyPr rtlCol="0" anchor="ctr"/>
+            <a:lstStyle/>
+            <a:p>
+              <a:pPr algn="ctr"/>
+              <a:endParaRPr lang="zh-TW" altLang="en-US"/>
+            </a:p>
+          </p:txBody>
+        </p:sp>
+        <p:sp>
+          <p:nvSpPr>
+            <p:cNvPr id="52" name="矩形 51">
+              <a:extLst>
+                <a:ext uri="{FF2B5EF4-FFF2-40B4-BE49-F238E27FC236}">
+                  <a16:creationId xmlns:a16="http://schemas.microsoft.com/office/drawing/2014/main" id="{73CF77DD-4F6A-46D3-ADEE-FB05B20E0E53}"/>
+                </a:ext>
+              </a:extLst>
+            </p:cNvPr>
+            <p:cNvSpPr/>
+            <p:nvPr/>
+          </p:nvSpPr>
+          <p:spPr>
+            <a:xfrm>
+              <a:off x="2183220" y="3975248"/>
+              <a:ext cx="448340" cy="448340"/>
+            </a:xfrm>
+            <a:prstGeom prst="rect">
+              <a:avLst/>
+            </a:prstGeom>
+            <a:solidFill>
+              <a:srgbClr val="92D050"/>
+            </a:solidFill>
+          </p:spPr>
+          <p:style>
+            <a:lnRef idx="2">
+              <a:schemeClr val="accent1">
+                <a:shade val="50000"/>
+              </a:schemeClr>
+            </a:lnRef>
+            <a:fillRef idx="1">
+              <a:schemeClr val="accent1"/>
+            </a:fillRef>
+            <a:effectRef idx="0">
+              <a:schemeClr val="accent1"/>
+            </a:effectRef>
+            <a:fontRef idx="minor">
+              <a:schemeClr val="lt1"/>
+            </a:fontRef>
+          </p:style>
+          <p:txBody>
+            <a:bodyPr rtlCol="0" anchor="ctr"/>
+            <a:lstStyle/>
+            <a:p>
+              <a:pPr algn="ctr"/>
+              <a:endParaRPr lang="zh-TW" altLang="en-US"/>
+            </a:p>
+          </p:txBody>
+        </p:sp>
+        <p:sp>
+          <p:nvSpPr>
+            <p:cNvPr id="53" name="矩形 52">
+              <a:extLst>
+                <a:ext uri="{FF2B5EF4-FFF2-40B4-BE49-F238E27FC236}">
+                  <a16:creationId xmlns:a16="http://schemas.microsoft.com/office/drawing/2014/main" id="{68B6A46E-59DC-497F-BD61-D0F367C38962}"/>
+                </a:ext>
+              </a:extLst>
+            </p:cNvPr>
+            <p:cNvSpPr/>
+            <p:nvPr/>
+          </p:nvSpPr>
+          <p:spPr>
+            <a:xfrm>
+              <a:off x="2631560" y="3975248"/>
+              <a:ext cx="448340" cy="448340"/>
+            </a:xfrm>
+            <a:prstGeom prst="rect">
+              <a:avLst/>
+            </a:prstGeom>
+            <a:solidFill>
+              <a:srgbClr val="92D050"/>
+            </a:solidFill>
+          </p:spPr>
+          <p:style>
+            <a:lnRef idx="2">
+              <a:schemeClr val="accent1">
+                <a:shade val="50000"/>
+              </a:schemeClr>
+            </a:lnRef>
+            <a:fillRef idx="1">
+              <a:schemeClr val="accent1"/>
+            </a:fillRef>
+            <a:effectRef idx="0">
+              <a:schemeClr val="accent1"/>
+            </a:effectRef>
+            <a:fontRef idx="minor">
+              <a:schemeClr val="lt1"/>
+            </a:fontRef>
+          </p:style>
+          <p:txBody>
+            <a:bodyPr rtlCol="0" anchor="ctr"/>
+            <a:lstStyle/>
+            <a:p>
+              <a:pPr algn="ctr"/>
+              <a:endParaRPr lang="zh-TW" altLang="en-US"/>
+            </a:p>
+          </p:txBody>
+        </p:sp>
+        <p:sp>
+          <p:nvSpPr>
+            <p:cNvPr id="54" name="矩形 53">
+              <a:extLst>
+                <a:ext uri="{FF2B5EF4-FFF2-40B4-BE49-F238E27FC236}">
+                  <a16:creationId xmlns:a16="http://schemas.microsoft.com/office/drawing/2014/main" id="{3822E351-294C-4092-90C7-8FF5F1F3F2C4}"/>
+                </a:ext>
+              </a:extLst>
+            </p:cNvPr>
+            <p:cNvSpPr/>
+            <p:nvPr/>
+          </p:nvSpPr>
+          <p:spPr>
+            <a:xfrm>
+              <a:off x="3079900" y="3975248"/>
+              <a:ext cx="448340" cy="448340"/>
+            </a:xfrm>
+            <a:prstGeom prst="rect">
+              <a:avLst/>
+            </a:prstGeom>
+            <a:solidFill>
+              <a:srgbClr val="92D050"/>
+            </a:solidFill>
+          </p:spPr>
+          <p:style>
+            <a:lnRef idx="2">
+              <a:schemeClr val="accent1">
+                <a:shade val="50000"/>
+              </a:schemeClr>
+            </a:lnRef>
+            <a:fillRef idx="1">
+              <a:schemeClr val="accent1"/>
+            </a:fillRef>
+            <a:effectRef idx="0">
+              <a:schemeClr val="accent1"/>
+            </a:effectRef>
+            <a:fontRef idx="minor">
+              <a:schemeClr val="lt1"/>
+            </a:fontRef>
+          </p:style>
+          <p:txBody>
+            <a:bodyPr rtlCol="0" anchor="ctr"/>
+            <a:lstStyle/>
+            <a:p>
+              <a:pPr algn="ctr"/>
+              <a:endParaRPr lang="zh-TW" altLang="en-US"/>
+            </a:p>
+          </p:txBody>
+        </p:sp>
+        <p:sp>
+          <p:nvSpPr>
+            <p:cNvPr id="55" name="矩形 54">
+              <a:extLst>
+                <a:ext uri="{FF2B5EF4-FFF2-40B4-BE49-F238E27FC236}">
+                  <a16:creationId xmlns:a16="http://schemas.microsoft.com/office/drawing/2014/main" id="{1F9BB824-0802-4879-ACA8-FCDEF54BDCFF}"/>
+                </a:ext>
+              </a:extLst>
+            </p:cNvPr>
+            <p:cNvSpPr/>
+            <p:nvPr/>
+          </p:nvSpPr>
+          <p:spPr>
+            <a:xfrm>
+              <a:off x="3528240" y="3975248"/>
+              <a:ext cx="448340" cy="448340"/>
+            </a:xfrm>
+            <a:prstGeom prst="rect">
+              <a:avLst/>
+            </a:prstGeom>
+            <a:solidFill>
+              <a:srgbClr val="92D050"/>
+            </a:solidFill>
+          </p:spPr>
+          <p:style>
+            <a:lnRef idx="2">
+              <a:schemeClr val="accent1">
+                <a:shade val="50000"/>
+              </a:schemeClr>
+            </a:lnRef>
+            <a:fillRef idx="1">
+              <a:schemeClr val="accent1"/>
+            </a:fillRef>
+            <a:effectRef idx="0">
+              <a:schemeClr val="accent1"/>
+            </a:effectRef>
+            <a:fontRef idx="minor">
+              <a:schemeClr val="lt1"/>
+            </a:fontRef>
+          </p:style>
+          <p:txBody>
+            <a:bodyPr rtlCol="0" anchor="ctr"/>
+            <a:lstStyle/>
+            <a:p>
+              <a:pPr algn="ctr"/>
+              <a:endParaRPr lang="zh-TW" altLang="en-US"/>
+            </a:p>
+          </p:txBody>
+        </p:sp>
+        <p:sp>
+          <p:nvSpPr>
+            <p:cNvPr id="56" name="矩形 55">
+              <a:extLst>
+                <a:ext uri="{FF2B5EF4-FFF2-40B4-BE49-F238E27FC236}">
+                  <a16:creationId xmlns:a16="http://schemas.microsoft.com/office/drawing/2014/main" id="{8A6FD9EE-E87E-48A4-AFA2-76E5DC199C54}"/>
+                </a:ext>
+              </a:extLst>
+            </p:cNvPr>
+            <p:cNvSpPr/>
+            <p:nvPr/>
+          </p:nvSpPr>
+          <p:spPr>
+            <a:xfrm>
+              <a:off x="3976580" y="3975248"/>
+              <a:ext cx="448340" cy="448340"/>
+            </a:xfrm>
+            <a:prstGeom prst="rect">
+              <a:avLst/>
+            </a:prstGeom>
+            <a:solidFill>
+              <a:srgbClr val="92D050"/>
+            </a:solidFill>
+            <a:ln w="28575">
+              <a:solidFill>
+                <a:srgbClr val="FF0000"/>
+              </a:solidFill>
+            </a:ln>
+          </p:spPr>
+          <p:style>
+            <a:lnRef idx="2">
+              <a:schemeClr val="accent1">
+                <a:shade val="50000"/>
+              </a:schemeClr>
+            </a:lnRef>
+            <a:fillRef idx="1">
+              <a:schemeClr val="accent1"/>
+            </a:fillRef>
+            <a:effectRef idx="0">
+              <a:schemeClr val="accent1"/>
+            </a:effectRef>
+            <a:fontRef idx="minor">
+              <a:schemeClr val="lt1"/>
+            </a:fontRef>
+          </p:style>
+          <p:txBody>
+            <a:bodyPr rtlCol="0" anchor="ctr"/>
+            <a:lstStyle/>
+            <a:p>
+              <a:pPr algn="ctr"/>
+              <a:endParaRPr lang="zh-TW" altLang="en-US"/>
+            </a:p>
+          </p:txBody>
+        </p:sp>
+      </p:grpSp>
+      <p:grpSp>
+        <p:nvGrpSpPr>
+          <p:cNvPr id="58" name="群組 57">
+            <a:extLst>
+              <a:ext uri="{FF2B5EF4-FFF2-40B4-BE49-F238E27FC236}">
+                <a16:creationId xmlns:a16="http://schemas.microsoft.com/office/drawing/2014/main" id="{4E778F4B-1683-4EA3-AF3C-4971CF451CE2}"/>
+              </a:ext>
+            </a:extLst>
+          </p:cNvPr>
+          <p:cNvGrpSpPr/>
+          <p:nvPr/>
+        </p:nvGrpSpPr>
+        <p:grpSpPr>
+          <a:xfrm>
+            <a:off x="1286541" y="5593686"/>
+            <a:ext cx="3586720" cy="448340"/>
+            <a:chOff x="838200" y="3975248"/>
+            <a:chExt cx="3586720" cy="448340"/>
+          </a:xfrm>
+        </p:grpSpPr>
+        <p:sp>
+          <p:nvSpPr>
+            <p:cNvPr id="59" name="矩形 58">
+              <a:extLst>
+                <a:ext uri="{FF2B5EF4-FFF2-40B4-BE49-F238E27FC236}">
+                  <a16:creationId xmlns:a16="http://schemas.microsoft.com/office/drawing/2014/main" id="{3E14E33B-C815-44EF-8F76-9E09F8737047}"/>
+                </a:ext>
+              </a:extLst>
+            </p:cNvPr>
+            <p:cNvSpPr/>
+            <p:nvPr/>
+          </p:nvSpPr>
+          <p:spPr>
+            <a:xfrm>
+              <a:off x="838200" y="3975248"/>
+              <a:ext cx="448340" cy="448340"/>
+            </a:xfrm>
+            <a:prstGeom prst="rect">
+              <a:avLst/>
+            </a:prstGeom>
+            <a:solidFill>
+              <a:srgbClr val="92D050"/>
+            </a:solidFill>
+          </p:spPr>
+          <p:style>
+            <a:lnRef idx="2">
+              <a:schemeClr val="accent1">
+                <a:shade val="50000"/>
+              </a:schemeClr>
+            </a:lnRef>
+            <a:fillRef idx="1">
+              <a:schemeClr val="accent1"/>
+            </a:fillRef>
+            <a:effectRef idx="0">
+              <a:schemeClr val="accent1"/>
+            </a:effectRef>
+            <a:fontRef idx="minor">
+              <a:schemeClr val="lt1"/>
+            </a:fontRef>
+          </p:style>
+          <p:txBody>
+            <a:bodyPr rtlCol="0" anchor="ctr"/>
+            <a:lstStyle/>
+            <a:p>
+              <a:pPr algn="ctr"/>
+              <a:endParaRPr lang="zh-TW" altLang="en-US"/>
+            </a:p>
+          </p:txBody>
+        </p:sp>
+        <p:sp>
+          <p:nvSpPr>
+            <p:cNvPr id="60" name="矩形 59">
+              <a:extLst>
+                <a:ext uri="{FF2B5EF4-FFF2-40B4-BE49-F238E27FC236}">
+                  <a16:creationId xmlns:a16="http://schemas.microsoft.com/office/drawing/2014/main" id="{10AD2167-1425-420D-BCFF-706A1F77172E}"/>
+                </a:ext>
+              </a:extLst>
+            </p:cNvPr>
+            <p:cNvSpPr/>
+            <p:nvPr/>
+          </p:nvSpPr>
+          <p:spPr>
+            <a:xfrm>
+              <a:off x="1286540" y="3975248"/>
+              <a:ext cx="448340" cy="448340"/>
+            </a:xfrm>
+            <a:prstGeom prst="rect">
+              <a:avLst/>
+            </a:prstGeom>
+            <a:solidFill>
+              <a:srgbClr val="92D050"/>
+            </a:solidFill>
+          </p:spPr>
+          <p:style>
+            <a:lnRef idx="2">
+              <a:schemeClr val="accent1">
+                <a:shade val="50000"/>
+              </a:schemeClr>
+            </a:lnRef>
+            <a:fillRef idx="1">
+              <a:schemeClr val="accent1"/>
+            </a:fillRef>
+            <a:effectRef idx="0">
+              <a:schemeClr val="accent1"/>
+            </a:effectRef>
+            <a:fontRef idx="minor">
+              <a:schemeClr val="lt1"/>
+            </a:fontRef>
+          </p:style>
+          <p:txBody>
+            <a:bodyPr rtlCol="0" anchor="ctr"/>
+            <a:lstStyle/>
+            <a:p>
+              <a:pPr algn="ctr"/>
+              <a:endParaRPr lang="zh-TW" altLang="en-US"/>
+            </a:p>
+          </p:txBody>
+        </p:sp>
+        <p:sp>
+          <p:nvSpPr>
+            <p:cNvPr id="61" name="矩形 60">
+              <a:extLst>
+                <a:ext uri="{FF2B5EF4-FFF2-40B4-BE49-F238E27FC236}">
+                  <a16:creationId xmlns:a16="http://schemas.microsoft.com/office/drawing/2014/main" id="{CB2A300F-3D45-4D75-ADDF-A4141F0E1F53}"/>
+                </a:ext>
+              </a:extLst>
+            </p:cNvPr>
+            <p:cNvSpPr/>
+            <p:nvPr/>
+          </p:nvSpPr>
+          <p:spPr>
+            <a:xfrm>
+              <a:off x="1734880" y="3975248"/>
+              <a:ext cx="448340" cy="448340"/>
+            </a:xfrm>
+            <a:prstGeom prst="rect">
+              <a:avLst/>
+            </a:prstGeom>
+            <a:solidFill>
+              <a:srgbClr val="92D050"/>
+            </a:solidFill>
+          </p:spPr>
+          <p:style>
+            <a:lnRef idx="2">
+              <a:schemeClr val="accent1">
+                <a:shade val="50000"/>
+              </a:schemeClr>
+            </a:lnRef>
+            <a:fillRef idx="1">
+              <a:schemeClr val="accent1"/>
+            </a:fillRef>
+            <a:effectRef idx="0">
+              <a:schemeClr val="accent1"/>
+            </a:effectRef>
+            <a:fontRef idx="minor">
+              <a:schemeClr val="lt1"/>
+            </a:fontRef>
+          </p:style>
+          <p:txBody>
+            <a:bodyPr rtlCol="0" anchor="ctr"/>
+            <a:lstStyle/>
+            <a:p>
+              <a:pPr algn="ctr"/>
+              <a:endParaRPr lang="zh-TW" altLang="en-US"/>
+            </a:p>
+          </p:txBody>
+        </p:sp>
+        <p:sp>
+          <p:nvSpPr>
+            <p:cNvPr id="62" name="矩形 61">
+              <a:extLst>
+                <a:ext uri="{FF2B5EF4-FFF2-40B4-BE49-F238E27FC236}">
+                  <a16:creationId xmlns:a16="http://schemas.microsoft.com/office/drawing/2014/main" id="{6D434A80-2309-4B67-932A-D63DB989BB10}"/>
+                </a:ext>
+              </a:extLst>
+            </p:cNvPr>
+            <p:cNvSpPr/>
+            <p:nvPr/>
+          </p:nvSpPr>
+          <p:spPr>
+            <a:xfrm>
+              <a:off x="2183220" y="3975248"/>
+              <a:ext cx="448340" cy="448340"/>
+            </a:xfrm>
+            <a:prstGeom prst="rect">
+              <a:avLst/>
+            </a:prstGeom>
+            <a:solidFill>
+              <a:srgbClr val="92D050"/>
+            </a:solidFill>
+          </p:spPr>
+          <p:style>
+            <a:lnRef idx="2">
+              <a:schemeClr val="accent1">
+                <a:shade val="50000"/>
+              </a:schemeClr>
+            </a:lnRef>
+            <a:fillRef idx="1">
+              <a:schemeClr val="accent1"/>
+            </a:fillRef>
+            <a:effectRef idx="0">
+              <a:schemeClr val="accent1"/>
+            </a:effectRef>
+            <a:fontRef idx="minor">
+              <a:schemeClr val="lt1"/>
+            </a:fontRef>
+          </p:style>
+          <p:txBody>
+            <a:bodyPr rtlCol="0" anchor="ctr"/>
+            <a:lstStyle/>
+            <a:p>
+              <a:pPr algn="ctr"/>
+              <a:endParaRPr lang="zh-TW" altLang="en-US"/>
+            </a:p>
+          </p:txBody>
+        </p:sp>
+        <p:sp>
+          <p:nvSpPr>
+            <p:cNvPr id="63" name="矩形 62">
+              <a:extLst>
+                <a:ext uri="{FF2B5EF4-FFF2-40B4-BE49-F238E27FC236}">
+                  <a16:creationId xmlns:a16="http://schemas.microsoft.com/office/drawing/2014/main" id="{2A547DDC-B3FA-4525-B834-CA153F3F2E0B}"/>
+                </a:ext>
+              </a:extLst>
+            </p:cNvPr>
+            <p:cNvSpPr/>
+            <p:nvPr/>
+          </p:nvSpPr>
+          <p:spPr>
+            <a:xfrm>
+              <a:off x="2631560" y="3975248"/>
+              <a:ext cx="448340" cy="448340"/>
+            </a:xfrm>
+            <a:prstGeom prst="rect">
+              <a:avLst/>
+            </a:prstGeom>
+            <a:solidFill>
+              <a:srgbClr val="92D050"/>
+            </a:solidFill>
+          </p:spPr>
+          <p:style>
+            <a:lnRef idx="2">
+              <a:schemeClr val="accent1">
+                <a:shade val="50000"/>
+              </a:schemeClr>
+            </a:lnRef>
+            <a:fillRef idx="1">
+              <a:schemeClr val="accent1"/>
+            </a:fillRef>
+            <a:effectRef idx="0">
+              <a:schemeClr val="accent1"/>
+            </a:effectRef>
+            <a:fontRef idx="minor">
+              <a:schemeClr val="lt1"/>
+            </a:fontRef>
+          </p:style>
+          <p:txBody>
+            <a:bodyPr rtlCol="0" anchor="ctr"/>
+            <a:lstStyle/>
+            <a:p>
+              <a:pPr algn="ctr"/>
+              <a:endParaRPr lang="zh-TW" altLang="en-US"/>
+            </a:p>
+          </p:txBody>
+        </p:sp>
+        <p:sp>
+          <p:nvSpPr>
+            <p:cNvPr id="64" name="矩形 63">
+              <a:extLst>
+                <a:ext uri="{FF2B5EF4-FFF2-40B4-BE49-F238E27FC236}">
+                  <a16:creationId xmlns:a16="http://schemas.microsoft.com/office/drawing/2014/main" id="{1B92FC37-97D1-4318-8269-F2044D4753D7}"/>
+                </a:ext>
+              </a:extLst>
+            </p:cNvPr>
+            <p:cNvSpPr/>
+            <p:nvPr/>
+          </p:nvSpPr>
+          <p:spPr>
+            <a:xfrm>
+              <a:off x="3079900" y="3975248"/>
+              <a:ext cx="448340" cy="448340"/>
+            </a:xfrm>
+            <a:prstGeom prst="rect">
+              <a:avLst/>
+            </a:prstGeom>
+            <a:solidFill>
+              <a:srgbClr val="92D050"/>
+            </a:solidFill>
+          </p:spPr>
+          <p:style>
+            <a:lnRef idx="2">
+              <a:schemeClr val="accent1">
+                <a:shade val="50000"/>
+              </a:schemeClr>
+            </a:lnRef>
+            <a:fillRef idx="1">
+              <a:schemeClr val="accent1"/>
+            </a:fillRef>
+            <a:effectRef idx="0">
+              <a:schemeClr val="accent1"/>
+            </a:effectRef>
+            <a:fontRef idx="minor">
+              <a:schemeClr val="lt1"/>
+            </a:fontRef>
+          </p:style>
+          <p:txBody>
+            <a:bodyPr rtlCol="0" anchor="ctr"/>
+            <a:lstStyle/>
+            <a:p>
+              <a:pPr algn="ctr"/>
+              <a:endParaRPr lang="zh-TW" altLang="en-US"/>
+            </a:p>
+          </p:txBody>
+        </p:sp>
+        <p:sp>
+          <p:nvSpPr>
+            <p:cNvPr id="65" name="矩形 64">
+              <a:extLst>
+                <a:ext uri="{FF2B5EF4-FFF2-40B4-BE49-F238E27FC236}">
+                  <a16:creationId xmlns:a16="http://schemas.microsoft.com/office/drawing/2014/main" id="{D5BDC879-3398-4488-A335-9A94A8699AC1}"/>
+                </a:ext>
+              </a:extLst>
+            </p:cNvPr>
+            <p:cNvSpPr/>
+            <p:nvPr/>
+          </p:nvSpPr>
+          <p:spPr>
+            <a:xfrm>
+              <a:off x="3528240" y="3975248"/>
+              <a:ext cx="448340" cy="448340"/>
+            </a:xfrm>
+            <a:prstGeom prst="rect">
+              <a:avLst/>
+            </a:prstGeom>
+            <a:solidFill>
+              <a:srgbClr val="92D050"/>
+            </a:solidFill>
+          </p:spPr>
+          <p:style>
+            <a:lnRef idx="2">
+              <a:schemeClr val="accent1">
+                <a:shade val="50000"/>
+              </a:schemeClr>
+            </a:lnRef>
+            <a:fillRef idx="1">
+              <a:schemeClr val="accent1"/>
+            </a:fillRef>
+            <a:effectRef idx="0">
+              <a:schemeClr val="accent1"/>
+            </a:effectRef>
+            <a:fontRef idx="minor">
+              <a:schemeClr val="lt1"/>
+            </a:fontRef>
+          </p:style>
+          <p:txBody>
+            <a:bodyPr rtlCol="0" anchor="ctr"/>
+            <a:lstStyle/>
+            <a:p>
+              <a:pPr algn="ctr"/>
+              <a:endParaRPr lang="zh-TW" altLang="en-US"/>
+            </a:p>
+          </p:txBody>
+        </p:sp>
+        <p:sp>
+          <p:nvSpPr>
+            <p:cNvPr id="66" name="矩形 65">
+              <a:extLst>
+                <a:ext uri="{FF2B5EF4-FFF2-40B4-BE49-F238E27FC236}">
+                  <a16:creationId xmlns:a16="http://schemas.microsoft.com/office/drawing/2014/main" id="{7809F52D-B2A4-4A9A-8F1F-72D1A3B51A65}"/>
+                </a:ext>
+              </a:extLst>
+            </p:cNvPr>
+            <p:cNvSpPr/>
+            <p:nvPr/>
+          </p:nvSpPr>
+          <p:spPr>
+            <a:xfrm>
+              <a:off x="3976580" y="3975248"/>
+              <a:ext cx="448340" cy="448340"/>
+            </a:xfrm>
+            <a:prstGeom prst="rect">
+              <a:avLst/>
+            </a:prstGeom>
+            <a:solidFill>
+              <a:srgbClr val="92D050"/>
+            </a:solidFill>
+            <a:ln w="28575">
+              <a:solidFill>
+                <a:srgbClr val="FF0000"/>
+              </a:solidFill>
+            </a:ln>
+          </p:spPr>
+          <p:style>
+            <a:lnRef idx="2">
+              <a:schemeClr val="accent1">
+                <a:shade val="50000"/>
+              </a:schemeClr>
+            </a:lnRef>
+            <a:fillRef idx="1">
+              <a:schemeClr val="accent1"/>
+            </a:fillRef>
+            <a:effectRef idx="0">
+              <a:schemeClr val="accent1"/>
+            </a:effectRef>
+            <a:fontRef idx="minor">
+              <a:schemeClr val="lt1"/>
+            </a:fontRef>
+          </p:style>
+          <p:txBody>
+            <a:bodyPr rtlCol="0" anchor="ctr"/>
+            <a:lstStyle/>
+            <a:p>
+              <a:pPr algn="ctr"/>
+              <a:endParaRPr lang="zh-TW" altLang="en-US" dirty="0"/>
+            </a:p>
+          </p:txBody>
+        </p:sp>
+      </p:grpSp>
+      <p:grpSp>
+        <p:nvGrpSpPr>
+          <p:cNvPr id="86" name="群組 85">
+            <a:extLst>
+              <a:ext uri="{FF2B5EF4-FFF2-40B4-BE49-F238E27FC236}">
+                <a16:creationId xmlns:a16="http://schemas.microsoft.com/office/drawing/2014/main" id="{5726B7E4-0004-4F16-B312-F6AC81C41C96}"/>
+              </a:ext>
+            </a:extLst>
+          </p:cNvPr>
+          <p:cNvGrpSpPr/>
+          <p:nvPr/>
+        </p:nvGrpSpPr>
+        <p:grpSpPr>
+          <a:xfrm>
+            <a:off x="838201" y="4078593"/>
+            <a:ext cx="7173440" cy="466060"/>
+            <a:chOff x="838200" y="3202173"/>
+            <a:chExt cx="7173440" cy="466060"/>
+          </a:xfrm>
+        </p:grpSpPr>
+        <p:sp>
+          <p:nvSpPr>
+            <p:cNvPr id="87" name="橢圓 86">
+              <a:extLst>
+                <a:ext uri="{FF2B5EF4-FFF2-40B4-BE49-F238E27FC236}">
+                  <a16:creationId xmlns:a16="http://schemas.microsoft.com/office/drawing/2014/main" id="{F568F40F-D059-42C5-9876-E680BF564B4F}"/>
+                </a:ext>
+              </a:extLst>
+            </p:cNvPr>
+            <p:cNvSpPr/>
+            <p:nvPr/>
+          </p:nvSpPr>
+          <p:spPr>
+            <a:xfrm>
+              <a:off x="838200" y="3211033"/>
+              <a:ext cx="448340" cy="448340"/>
+            </a:xfrm>
+            <a:prstGeom prst="ellipse">
+              <a:avLst/>
+            </a:prstGeom>
+          </p:spPr>
+          <p:style>
+            <a:lnRef idx="2">
+              <a:schemeClr val="accent1">
+                <a:shade val="50000"/>
+              </a:schemeClr>
+            </a:lnRef>
+            <a:fillRef idx="1">
+              <a:schemeClr val="accent1"/>
+            </a:fillRef>
+            <a:effectRef idx="0">
+              <a:schemeClr val="accent1"/>
+            </a:effectRef>
+            <a:fontRef idx="minor">
+              <a:schemeClr val="lt1"/>
+            </a:fontRef>
+          </p:style>
+          <p:txBody>
+            <a:bodyPr rtlCol="0" anchor="ctr"/>
+            <a:lstStyle/>
+            <a:p>
+              <a:pPr algn="ctr"/>
+              <a:endParaRPr lang="zh-TW" altLang="en-US"/>
+            </a:p>
+          </p:txBody>
+        </p:sp>
+        <p:sp>
+          <p:nvSpPr>
+            <p:cNvPr id="88" name="橢圓 87">
+              <a:extLst>
+                <a:ext uri="{FF2B5EF4-FFF2-40B4-BE49-F238E27FC236}">
+                  <a16:creationId xmlns:a16="http://schemas.microsoft.com/office/drawing/2014/main" id="{0E125D6B-0DE3-4C61-AC47-DC343399E93D}"/>
+                </a:ext>
+              </a:extLst>
+            </p:cNvPr>
+            <p:cNvSpPr/>
+            <p:nvPr/>
+          </p:nvSpPr>
+          <p:spPr>
+            <a:xfrm>
+              <a:off x="1286540" y="3211033"/>
+              <a:ext cx="448340" cy="448340"/>
+            </a:xfrm>
+            <a:prstGeom prst="ellipse">
+              <a:avLst/>
+            </a:prstGeom>
+          </p:spPr>
+          <p:style>
+            <a:lnRef idx="2">
+              <a:schemeClr val="accent1">
+                <a:shade val="50000"/>
+              </a:schemeClr>
+            </a:lnRef>
+            <a:fillRef idx="1">
+              <a:schemeClr val="accent1"/>
+            </a:fillRef>
+            <a:effectRef idx="0">
+              <a:schemeClr val="accent1"/>
+            </a:effectRef>
+            <a:fontRef idx="minor">
+              <a:schemeClr val="lt1"/>
+            </a:fontRef>
+          </p:style>
+          <p:txBody>
+            <a:bodyPr rtlCol="0" anchor="ctr"/>
+            <a:lstStyle/>
+            <a:p>
+              <a:pPr algn="ctr"/>
+              <a:endParaRPr lang="zh-TW" altLang="en-US"/>
+            </a:p>
+          </p:txBody>
+        </p:sp>
+        <p:sp>
+          <p:nvSpPr>
+            <p:cNvPr id="89" name="橢圓 88">
+              <a:extLst>
+                <a:ext uri="{FF2B5EF4-FFF2-40B4-BE49-F238E27FC236}">
+                  <a16:creationId xmlns:a16="http://schemas.microsoft.com/office/drawing/2014/main" id="{F117FCB2-F9C4-4E0A-8BEA-E16B2353821B}"/>
+                </a:ext>
+              </a:extLst>
+            </p:cNvPr>
+            <p:cNvSpPr/>
+            <p:nvPr/>
+          </p:nvSpPr>
+          <p:spPr>
+            <a:xfrm>
+              <a:off x="1734880" y="3202173"/>
+              <a:ext cx="448340" cy="448340"/>
+            </a:xfrm>
+            <a:prstGeom prst="ellipse">
+              <a:avLst/>
+            </a:prstGeom>
+          </p:spPr>
+          <p:style>
+            <a:lnRef idx="2">
+              <a:schemeClr val="accent1">
+                <a:shade val="50000"/>
+              </a:schemeClr>
+            </a:lnRef>
+            <a:fillRef idx="1">
+              <a:schemeClr val="accent1"/>
+            </a:fillRef>
+            <a:effectRef idx="0">
+              <a:schemeClr val="accent1"/>
+            </a:effectRef>
+            <a:fontRef idx="minor">
+              <a:schemeClr val="lt1"/>
+            </a:fontRef>
+          </p:style>
+          <p:txBody>
+            <a:bodyPr rtlCol="0" anchor="ctr"/>
+            <a:lstStyle/>
+            <a:p>
+              <a:pPr algn="ctr"/>
+              <a:endParaRPr lang="zh-TW" altLang="en-US"/>
+            </a:p>
+          </p:txBody>
+        </p:sp>
+        <p:sp>
+          <p:nvSpPr>
+            <p:cNvPr id="90" name="橢圓 89">
+              <a:extLst>
+                <a:ext uri="{FF2B5EF4-FFF2-40B4-BE49-F238E27FC236}">
+                  <a16:creationId xmlns:a16="http://schemas.microsoft.com/office/drawing/2014/main" id="{4EEE21D6-60CE-4113-AC95-EB68FD270484}"/>
+                </a:ext>
+              </a:extLst>
+            </p:cNvPr>
+            <p:cNvSpPr/>
+            <p:nvPr/>
+          </p:nvSpPr>
+          <p:spPr>
+            <a:xfrm>
+              <a:off x="2183220" y="3202173"/>
+              <a:ext cx="448340" cy="448340"/>
+            </a:xfrm>
+            <a:prstGeom prst="ellipse">
+              <a:avLst/>
+            </a:prstGeom>
+          </p:spPr>
+          <p:style>
+            <a:lnRef idx="2">
+              <a:schemeClr val="accent1">
+                <a:shade val="50000"/>
+              </a:schemeClr>
+            </a:lnRef>
+            <a:fillRef idx="1">
+              <a:schemeClr val="accent1"/>
+            </a:fillRef>
+            <a:effectRef idx="0">
+              <a:schemeClr val="accent1"/>
+            </a:effectRef>
+            <a:fontRef idx="minor">
+              <a:schemeClr val="lt1"/>
+            </a:fontRef>
+          </p:style>
+          <p:txBody>
+            <a:bodyPr rtlCol="0" anchor="ctr"/>
+            <a:lstStyle/>
+            <a:p>
+              <a:pPr algn="ctr"/>
+              <a:endParaRPr lang="zh-TW" altLang="en-US"/>
+            </a:p>
+          </p:txBody>
+        </p:sp>
+        <p:sp>
+          <p:nvSpPr>
+            <p:cNvPr id="91" name="橢圓 90">
+              <a:extLst>
+                <a:ext uri="{FF2B5EF4-FFF2-40B4-BE49-F238E27FC236}">
+                  <a16:creationId xmlns:a16="http://schemas.microsoft.com/office/drawing/2014/main" id="{57439573-A38A-49DF-A7E8-508C6AE2EC30}"/>
+                </a:ext>
+              </a:extLst>
+            </p:cNvPr>
+            <p:cNvSpPr/>
+            <p:nvPr/>
+          </p:nvSpPr>
+          <p:spPr>
+            <a:xfrm>
+              <a:off x="2631560" y="3219893"/>
+              <a:ext cx="448340" cy="448340"/>
+            </a:xfrm>
+            <a:prstGeom prst="ellipse">
+              <a:avLst/>
+            </a:prstGeom>
+          </p:spPr>
+          <p:style>
+            <a:lnRef idx="2">
+              <a:schemeClr val="accent1">
+                <a:shade val="50000"/>
+              </a:schemeClr>
+            </a:lnRef>
+            <a:fillRef idx="1">
+              <a:schemeClr val="accent1"/>
+            </a:fillRef>
+            <a:effectRef idx="0">
+              <a:schemeClr val="accent1"/>
+            </a:effectRef>
+            <a:fontRef idx="minor">
+              <a:schemeClr val="lt1"/>
+            </a:fontRef>
+          </p:style>
+          <p:txBody>
+            <a:bodyPr rtlCol="0" anchor="ctr"/>
+            <a:lstStyle/>
+            <a:p>
+              <a:pPr algn="ctr"/>
+              <a:endParaRPr lang="zh-TW" altLang="en-US"/>
+            </a:p>
+          </p:txBody>
+        </p:sp>
+        <p:sp>
+          <p:nvSpPr>
+            <p:cNvPr id="92" name="橢圓 91">
+              <a:extLst>
+                <a:ext uri="{FF2B5EF4-FFF2-40B4-BE49-F238E27FC236}">
+                  <a16:creationId xmlns:a16="http://schemas.microsoft.com/office/drawing/2014/main" id="{3578AD73-CBF6-43D4-A19D-B8F9DD243D9C}"/>
+                </a:ext>
+              </a:extLst>
+            </p:cNvPr>
+            <p:cNvSpPr/>
+            <p:nvPr/>
+          </p:nvSpPr>
+          <p:spPr>
+            <a:xfrm>
+              <a:off x="3079900" y="3219893"/>
+              <a:ext cx="448340" cy="448340"/>
+            </a:xfrm>
+            <a:prstGeom prst="ellipse">
+              <a:avLst/>
+            </a:prstGeom>
+          </p:spPr>
+          <p:style>
+            <a:lnRef idx="2">
+              <a:schemeClr val="accent1">
+                <a:shade val="50000"/>
+              </a:schemeClr>
+            </a:lnRef>
+            <a:fillRef idx="1">
+              <a:schemeClr val="accent1"/>
+            </a:fillRef>
+            <a:effectRef idx="0">
+              <a:schemeClr val="accent1"/>
+            </a:effectRef>
+            <a:fontRef idx="minor">
+              <a:schemeClr val="lt1"/>
+            </a:fontRef>
+          </p:style>
+          <p:txBody>
+            <a:bodyPr rtlCol="0" anchor="ctr"/>
+            <a:lstStyle/>
+            <a:p>
+              <a:pPr algn="ctr"/>
+              <a:endParaRPr lang="zh-TW" altLang="en-US"/>
+            </a:p>
+          </p:txBody>
+        </p:sp>
+        <p:sp>
+          <p:nvSpPr>
+            <p:cNvPr id="93" name="橢圓 92">
+              <a:extLst>
+                <a:ext uri="{FF2B5EF4-FFF2-40B4-BE49-F238E27FC236}">
+                  <a16:creationId xmlns:a16="http://schemas.microsoft.com/office/drawing/2014/main" id="{A9C78996-4F8E-4470-BE45-FC1619C39E38}"/>
+                </a:ext>
+              </a:extLst>
+            </p:cNvPr>
+            <p:cNvSpPr/>
+            <p:nvPr/>
+          </p:nvSpPr>
+          <p:spPr>
+            <a:xfrm>
+              <a:off x="3528240" y="3211033"/>
+              <a:ext cx="448340" cy="448340"/>
+            </a:xfrm>
+            <a:prstGeom prst="ellipse">
+              <a:avLst/>
+            </a:prstGeom>
+          </p:spPr>
+          <p:style>
+            <a:lnRef idx="2">
+              <a:schemeClr val="accent1">
+                <a:shade val="50000"/>
+              </a:schemeClr>
+            </a:lnRef>
+            <a:fillRef idx="1">
+              <a:schemeClr val="accent1"/>
+            </a:fillRef>
+            <a:effectRef idx="0">
+              <a:schemeClr val="accent1"/>
+            </a:effectRef>
+            <a:fontRef idx="minor">
+              <a:schemeClr val="lt1"/>
+            </a:fontRef>
+          </p:style>
+          <p:txBody>
+            <a:bodyPr rtlCol="0" anchor="ctr"/>
+            <a:lstStyle/>
+            <a:p>
+              <a:pPr algn="ctr"/>
+              <a:endParaRPr lang="zh-TW" altLang="en-US"/>
+            </a:p>
+          </p:txBody>
+        </p:sp>
+        <p:sp>
+          <p:nvSpPr>
+            <p:cNvPr id="94" name="橢圓 93">
+              <a:extLst>
+                <a:ext uri="{FF2B5EF4-FFF2-40B4-BE49-F238E27FC236}">
+                  <a16:creationId xmlns:a16="http://schemas.microsoft.com/office/drawing/2014/main" id="{1AD97620-0032-4DA7-8744-2D6128244A8F}"/>
+                </a:ext>
+              </a:extLst>
+            </p:cNvPr>
+            <p:cNvSpPr/>
+            <p:nvPr/>
+          </p:nvSpPr>
+          <p:spPr>
+            <a:xfrm>
+              <a:off x="3976580" y="3211033"/>
+              <a:ext cx="448340" cy="448340"/>
+            </a:xfrm>
+            <a:prstGeom prst="ellipse">
+              <a:avLst/>
+            </a:prstGeom>
+          </p:spPr>
+          <p:style>
+            <a:lnRef idx="2">
+              <a:schemeClr val="accent1">
+                <a:shade val="50000"/>
+              </a:schemeClr>
+            </a:lnRef>
+            <a:fillRef idx="1">
+              <a:schemeClr val="accent1"/>
+            </a:fillRef>
+            <a:effectRef idx="0">
+              <a:schemeClr val="accent1"/>
+            </a:effectRef>
+            <a:fontRef idx="minor">
+              <a:schemeClr val="lt1"/>
+            </a:fontRef>
+          </p:style>
+          <p:txBody>
+            <a:bodyPr rtlCol="0" anchor="ctr"/>
+            <a:lstStyle/>
+            <a:p>
+              <a:pPr algn="ctr"/>
+              <a:endParaRPr lang="zh-TW" altLang="en-US"/>
+            </a:p>
+          </p:txBody>
+        </p:sp>
+        <p:sp>
+          <p:nvSpPr>
+            <p:cNvPr id="95" name="橢圓 94">
+              <a:extLst>
+                <a:ext uri="{FF2B5EF4-FFF2-40B4-BE49-F238E27FC236}">
+                  <a16:creationId xmlns:a16="http://schemas.microsoft.com/office/drawing/2014/main" id="{E0260305-23D0-46EE-85D8-848F0E7F7C6E}"/>
+                </a:ext>
+              </a:extLst>
+            </p:cNvPr>
+            <p:cNvSpPr/>
+            <p:nvPr/>
+          </p:nvSpPr>
+          <p:spPr>
+            <a:xfrm>
+              <a:off x="4424920" y="3211033"/>
+              <a:ext cx="448340" cy="448340"/>
+            </a:xfrm>
+            <a:prstGeom prst="ellipse">
+              <a:avLst/>
+            </a:prstGeom>
+          </p:spPr>
+          <p:style>
+            <a:lnRef idx="2">
+              <a:schemeClr val="accent1">
+                <a:shade val="50000"/>
+              </a:schemeClr>
+            </a:lnRef>
+            <a:fillRef idx="1">
+              <a:schemeClr val="accent1"/>
+            </a:fillRef>
+            <a:effectRef idx="0">
+              <a:schemeClr val="accent1"/>
+            </a:effectRef>
+            <a:fontRef idx="minor">
+              <a:schemeClr val="lt1"/>
+            </a:fontRef>
+          </p:style>
+          <p:txBody>
+            <a:bodyPr rtlCol="0" anchor="ctr"/>
+            <a:lstStyle/>
+            <a:p>
+              <a:pPr algn="ctr"/>
+              <a:endParaRPr lang="zh-TW" altLang="en-US"/>
+            </a:p>
+          </p:txBody>
+        </p:sp>
+        <p:sp>
+          <p:nvSpPr>
+            <p:cNvPr id="96" name="橢圓 95">
+              <a:extLst>
+                <a:ext uri="{FF2B5EF4-FFF2-40B4-BE49-F238E27FC236}">
+                  <a16:creationId xmlns:a16="http://schemas.microsoft.com/office/drawing/2014/main" id="{34AAD069-433D-4018-B4CD-A216610268DC}"/>
+                </a:ext>
+              </a:extLst>
+            </p:cNvPr>
+            <p:cNvSpPr/>
+            <p:nvPr/>
+          </p:nvSpPr>
+          <p:spPr>
+            <a:xfrm>
+              <a:off x="4873260" y="3211033"/>
+              <a:ext cx="448340" cy="448340"/>
+            </a:xfrm>
+            <a:prstGeom prst="ellipse">
+              <a:avLst/>
+            </a:prstGeom>
+          </p:spPr>
+          <p:style>
+            <a:lnRef idx="2">
+              <a:schemeClr val="accent1">
+                <a:shade val="50000"/>
+              </a:schemeClr>
+            </a:lnRef>
+            <a:fillRef idx="1">
+              <a:schemeClr val="accent1"/>
+            </a:fillRef>
+            <a:effectRef idx="0">
+              <a:schemeClr val="accent1"/>
+            </a:effectRef>
+            <a:fontRef idx="minor">
+              <a:schemeClr val="lt1"/>
+            </a:fontRef>
+          </p:style>
+          <p:txBody>
+            <a:bodyPr rtlCol="0" anchor="ctr"/>
+            <a:lstStyle/>
+            <a:p>
+              <a:pPr algn="ctr"/>
+              <a:endParaRPr lang="zh-TW" altLang="en-US"/>
+            </a:p>
+          </p:txBody>
+        </p:sp>
+        <p:sp>
+          <p:nvSpPr>
+            <p:cNvPr id="97" name="橢圓 96">
+              <a:extLst>
+                <a:ext uri="{FF2B5EF4-FFF2-40B4-BE49-F238E27FC236}">
+                  <a16:creationId xmlns:a16="http://schemas.microsoft.com/office/drawing/2014/main" id="{6A466C62-4F90-4B9D-81BA-B952625FC8B7}"/>
+                </a:ext>
+              </a:extLst>
+            </p:cNvPr>
+            <p:cNvSpPr/>
+            <p:nvPr/>
+          </p:nvSpPr>
+          <p:spPr>
+            <a:xfrm>
+              <a:off x="5321600" y="3202173"/>
+              <a:ext cx="448340" cy="448340"/>
+            </a:xfrm>
+            <a:prstGeom prst="ellipse">
+              <a:avLst/>
+            </a:prstGeom>
+          </p:spPr>
+          <p:style>
+            <a:lnRef idx="2">
+              <a:schemeClr val="accent1">
+                <a:shade val="50000"/>
+              </a:schemeClr>
+            </a:lnRef>
+            <a:fillRef idx="1">
+              <a:schemeClr val="accent1"/>
+            </a:fillRef>
+            <a:effectRef idx="0">
+              <a:schemeClr val="accent1"/>
+            </a:effectRef>
+            <a:fontRef idx="minor">
+              <a:schemeClr val="lt1"/>
+            </a:fontRef>
+          </p:style>
+          <p:txBody>
+            <a:bodyPr rtlCol="0" anchor="ctr"/>
+            <a:lstStyle/>
+            <a:p>
+              <a:pPr algn="ctr"/>
+              <a:endParaRPr lang="zh-TW" altLang="en-US"/>
+            </a:p>
+          </p:txBody>
+        </p:sp>
+        <p:sp>
+          <p:nvSpPr>
+            <p:cNvPr id="98" name="橢圓 97">
+              <a:extLst>
+                <a:ext uri="{FF2B5EF4-FFF2-40B4-BE49-F238E27FC236}">
+                  <a16:creationId xmlns:a16="http://schemas.microsoft.com/office/drawing/2014/main" id="{716CB0B8-F2BC-4950-8E13-4B1F24260145}"/>
+                </a:ext>
+              </a:extLst>
+            </p:cNvPr>
+            <p:cNvSpPr/>
+            <p:nvPr/>
+          </p:nvSpPr>
+          <p:spPr>
+            <a:xfrm>
+              <a:off x="5769940" y="3202173"/>
+              <a:ext cx="448340" cy="448340"/>
+            </a:xfrm>
+            <a:prstGeom prst="ellipse">
+              <a:avLst/>
+            </a:prstGeom>
+          </p:spPr>
+          <p:style>
+            <a:lnRef idx="2">
+              <a:schemeClr val="accent1">
+                <a:shade val="50000"/>
+              </a:schemeClr>
+            </a:lnRef>
+            <a:fillRef idx="1">
+              <a:schemeClr val="accent1"/>
+            </a:fillRef>
+            <a:effectRef idx="0">
+              <a:schemeClr val="accent1"/>
+            </a:effectRef>
+            <a:fontRef idx="minor">
+              <a:schemeClr val="lt1"/>
+            </a:fontRef>
+          </p:style>
+          <p:txBody>
+            <a:bodyPr rtlCol="0" anchor="ctr"/>
+            <a:lstStyle/>
+            <a:p>
+              <a:pPr algn="ctr"/>
+              <a:endParaRPr lang="zh-TW" altLang="en-US"/>
+            </a:p>
+          </p:txBody>
+        </p:sp>
+        <p:sp>
+          <p:nvSpPr>
+            <p:cNvPr id="99" name="橢圓 98">
+              <a:extLst>
+                <a:ext uri="{FF2B5EF4-FFF2-40B4-BE49-F238E27FC236}">
+                  <a16:creationId xmlns:a16="http://schemas.microsoft.com/office/drawing/2014/main" id="{D359AA70-D896-43BB-A8D7-411F162AE7F9}"/>
+                </a:ext>
+              </a:extLst>
+            </p:cNvPr>
+            <p:cNvSpPr/>
+            <p:nvPr/>
+          </p:nvSpPr>
+          <p:spPr>
+            <a:xfrm>
+              <a:off x="6218280" y="3219893"/>
+              <a:ext cx="448340" cy="448340"/>
+            </a:xfrm>
+            <a:prstGeom prst="ellipse">
+              <a:avLst/>
+            </a:prstGeom>
+          </p:spPr>
+          <p:style>
+            <a:lnRef idx="2">
+              <a:schemeClr val="accent1">
+                <a:shade val="50000"/>
+              </a:schemeClr>
+            </a:lnRef>
+            <a:fillRef idx="1">
+              <a:schemeClr val="accent1"/>
+            </a:fillRef>
+            <a:effectRef idx="0">
+              <a:schemeClr val="accent1"/>
+            </a:effectRef>
+            <a:fontRef idx="minor">
+              <a:schemeClr val="lt1"/>
+            </a:fontRef>
+          </p:style>
+          <p:txBody>
+            <a:bodyPr rtlCol="0" anchor="ctr"/>
+            <a:lstStyle/>
+            <a:p>
+              <a:pPr algn="ctr"/>
+              <a:endParaRPr lang="zh-TW" altLang="en-US"/>
+            </a:p>
+          </p:txBody>
+        </p:sp>
+        <p:sp>
+          <p:nvSpPr>
+            <p:cNvPr id="100" name="橢圓 99">
+              <a:extLst>
+                <a:ext uri="{FF2B5EF4-FFF2-40B4-BE49-F238E27FC236}">
+                  <a16:creationId xmlns:a16="http://schemas.microsoft.com/office/drawing/2014/main" id="{3DB2AE6D-8CC1-4732-9DFB-472F6440BD60}"/>
+                </a:ext>
+              </a:extLst>
+            </p:cNvPr>
+            <p:cNvSpPr/>
+            <p:nvPr/>
+          </p:nvSpPr>
+          <p:spPr>
+            <a:xfrm>
+              <a:off x="6666620" y="3219893"/>
+              <a:ext cx="448340" cy="448340"/>
+            </a:xfrm>
+            <a:prstGeom prst="ellipse">
+              <a:avLst/>
+            </a:prstGeom>
+          </p:spPr>
+          <p:style>
+            <a:lnRef idx="2">
+              <a:schemeClr val="accent1">
+                <a:shade val="50000"/>
+              </a:schemeClr>
+            </a:lnRef>
+            <a:fillRef idx="1">
+              <a:schemeClr val="accent1"/>
+            </a:fillRef>
+            <a:effectRef idx="0">
+              <a:schemeClr val="accent1"/>
+            </a:effectRef>
+            <a:fontRef idx="minor">
+              <a:schemeClr val="lt1"/>
+            </a:fontRef>
+          </p:style>
+          <p:txBody>
+            <a:bodyPr rtlCol="0" anchor="ctr"/>
+            <a:lstStyle/>
+            <a:p>
+              <a:pPr algn="ctr"/>
+              <a:endParaRPr lang="zh-TW" altLang="en-US"/>
+            </a:p>
+          </p:txBody>
+        </p:sp>
+        <p:sp>
+          <p:nvSpPr>
+            <p:cNvPr id="101" name="橢圓 100">
+              <a:extLst>
+                <a:ext uri="{FF2B5EF4-FFF2-40B4-BE49-F238E27FC236}">
+                  <a16:creationId xmlns:a16="http://schemas.microsoft.com/office/drawing/2014/main" id="{9379E1E4-0BC2-4586-95A7-E9A5CDB3EFAF}"/>
+                </a:ext>
+              </a:extLst>
+            </p:cNvPr>
+            <p:cNvSpPr/>
+            <p:nvPr/>
+          </p:nvSpPr>
+          <p:spPr>
+            <a:xfrm>
+              <a:off x="7114960" y="3211033"/>
+              <a:ext cx="448340" cy="448340"/>
+            </a:xfrm>
+            <a:prstGeom prst="ellipse">
+              <a:avLst/>
+            </a:prstGeom>
+          </p:spPr>
+          <p:style>
+            <a:lnRef idx="2">
+              <a:schemeClr val="accent1">
+                <a:shade val="50000"/>
+              </a:schemeClr>
+            </a:lnRef>
+            <a:fillRef idx="1">
+              <a:schemeClr val="accent1"/>
+            </a:fillRef>
+            <a:effectRef idx="0">
+              <a:schemeClr val="accent1"/>
+            </a:effectRef>
+            <a:fontRef idx="minor">
+              <a:schemeClr val="lt1"/>
+            </a:fontRef>
+          </p:style>
+          <p:txBody>
+            <a:bodyPr rtlCol="0" anchor="ctr"/>
+            <a:lstStyle/>
+            <a:p>
+              <a:pPr algn="ctr"/>
+              <a:endParaRPr lang="zh-TW" altLang="en-US"/>
+            </a:p>
+          </p:txBody>
+        </p:sp>
+        <p:sp>
+          <p:nvSpPr>
+            <p:cNvPr id="102" name="橢圓 101">
+              <a:extLst>
+                <a:ext uri="{FF2B5EF4-FFF2-40B4-BE49-F238E27FC236}">
+                  <a16:creationId xmlns:a16="http://schemas.microsoft.com/office/drawing/2014/main" id="{CD248375-20BE-47E4-886A-BE000594C157}"/>
+                </a:ext>
+              </a:extLst>
+            </p:cNvPr>
+            <p:cNvSpPr/>
+            <p:nvPr/>
+          </p:nvSpPr>
+          <p:spPr>
+            <a:xfrm>
+              <a:off x="7563300" y="3211033"/>
+              <a:ext cx="448340" cy="448340"/>
+            </a:xfrm>
+            <a:prstGeom prst="ellipse">
+              <a:avLst/>
+            </a:prstGeom>
+          </p:spPr>
+          <p:style>
+            <a:lnRef idx="2">
+              <a:schemeClr val="accent1">
+                <a:shade val="50000"/>
+              </a:schemeClr>
+            </a:lnRef>
+            <a:fillRef idx="1">
+              <a:schemeClr val="accent1"/>
+            </a:fillRef>
+            <a:effectRef idx="0">
+              <a:schemeClr val="accent1"/>
+            </a:effectRef>
+            <a:fontRef idx="minor">
+              <a:schemeClr val="lt1"/>
+            </a:fontRef>
+          </p:style>
+          <p:txBody>
+            <a:bodyPr rtlCol="0" anchor="ctr"/>
+            <a:lstStyle/>
+            <a:p>
+              <a:pPr algn="ctr"/>
+              <a:endParaRPr lang="zh-TW" altLang="en-US"/>
+            </a:p>
+          </p:txBody>
+        </p:sp>
+      </p:grpSp>
+      <p:grpSp>
+        <p:nvGrpSpPr>
+          <p:cNvPr id="103" name="群組 102">
+            <a:extLst>
+              <a:ext uri="{FF2B5EF4-FFF2-40B4-BE49-F238E27FC236}">
+                <a16:creationId xmlns:a16="http://schemas.microsoft.com/office/drawing/2014/main" id="{51E66E04-F570-45F5-8E6E-272D745E358A}"/>
+              </a:ext>
+            </a:extLst>
+          </p:cNvPr>
+          <p:cNvGrpSpPr/>
+          <p:nvPr/>
+        </p:nvGrpSpPr>
+        <p:grpSpPr>
+          <a:xfrm>
+            <a:off x="843525" y="4301850"/>
+            <a:ext cx="7173440" cy="466060"/>
+            <a:chOff x="838200" y="3202173"/>
+            <a:chExt cx="7173440" cy="466060"/>
+          </a:xfrm>
+        </p:grpSpPr>
+        <p:sp>
+          <p:nvSpPr>
+            <p:cNvPr id="104" name="橢圓 103">
+              <a:extLst>
+                <a:ext uri="{FF2B5EF4-FFF2-40B4-BE49-F238E27FC236}">
+                  <a16:creationId xmlns:a16="http://schemas.microsoft.com/office/drawing/2014/main" id="{E1ED3577-1C9B-4026-B189-3464A3BE4946}"/>
+                </a:ext>
+              </a:extLst>
+            </p:cNvPr>
+            <p:cNvSpPr/>
+            <p:nvPr/>
+          </p:nvSpPr>
+          <p:spPr>
+            <a:xfrm>
+              <a:off x="838200" y="3211033"/>
+              <a:ext cx="448340" cy="448340"/>
+            </a:xfrm>
+            <a:prstGeom prst="ellipse">
+              <a:avLst/>
+            </a:prstGeom>
+          </p:spPr>
+          <p:style>
+            <a:lnRef idx="2">
+              <a:schemeClr val="accent1">
+                <a:shade val="50000"/>
+              </a:schemeClr>
+            </a:lnRef>
+            <a:fillRef idx="1">
+              <a:schemeClr val="accent1"/>
+            </a:fillRef>
+            <a:effectRef idx="0">
+              <a:schemeClr val="accent1"/>
+            </a:effectRef>
+            <a:fontRef idx="minor">
+              <a:schemeClr val="lt1"/>
+            </a:fontRef>
+          </p:style>
+          <p:txBody>
+            <a:bodyPr rtlCol="0" anchor="ctr"/>
+            <a:lstStyle/>
+            <a:p>
+              <a:pPr algn="ctr"/>
+              <a:endParaRPr lang="zh-TW" altLang="en-US"/>
+            </a:p>
+          </p:txBody>
+        </p:sp>
+        <p:sp>
+          <p:nvSpPr>
+            <p:cNvPr id="105" name="橢圓 104">
+              <a:extLst>
+                <a:ext uri="{FF2B5EF4-FFF2-40B4-BE49-F238E27FC236}">
+                  <a16:creationId xmlns:a16="http://schemas.microsoft.com/office/drawing/2014/main" id="{56C419FE-BCFD-47B6-BA03-CFB758BBB514}"/>
+                </a:ext>
+              </a:extLst>
+            </p:cNvPr>
+            <p:cNvSpPr/>
+            <p:nvPr/>
+          </p:nvSpPr>
+          <p:spPr>
+            <a:xfrm>
+              <a:off x="1286540" y="3211033"/>
+              <a:ext cx="448340" cy="448340"/>
+            </a:xfrm>
+            <a:prstGeom prst="ellipse">
+              <a:avLst/>
+            </a:prstGeom>
+          </p:spPr>
+          <p:style>
+            <a:lnRef idx="2">
+              <a:schemeClr val="accent1">
+                <a:shade val="50000"/>
+              </a:schemeClr>
+            </a:lnRef>
+            <a:fillRef idx="1">
+              <a:schemeClr val="accent1"/>
+            </a:fillRef>
+            <a:effectRef idx="0">
+              <a:schemeClr val="accent1"/>
+            </a:effectRef>
+            <a:fontRef idx="minor">
+              <a:schemeClr val="lt1"/>
+            </a:fontRef>
+          </p:style>
+          <p:txBody>
+            <a:bodyPr rtlCol="0" anchor="ctr"/>
+            <a:lstStyle/>
+            <a:p>
+              <a:pPr algn="ctr"/>
+              <a:endParaRPr lang="zh-TW" altLang="en-US"/>
+            </a:p>
+          </p:txBody>
+        </p:sp>
+        <p:sp>
+          <p:nvSpPr>
+            <p:cNvPr id="106" name="橢圓 105">
+              <a:extLst>
+                <a:ext uri="{FF2B5EF4-FFF2-40B4-BE49-F238E27FC236}">
+                  <a16:creationId xmlns:a16="http://schemas.microsoft.com/office/drawing/2014/main" id="{19DA7F42-4635-491B-87ED-D69369046A78}"/>
+                </a:ext>
+              </a:extLst>
+            </p:cNvPr>
+            <p:cNvSpPr/>
+            <p:nvPr/>
+          </p:nvSpPr>
+          <p:spPr>
+            <a:xfrm>
+              <a:off x="1734880" y="3202173"/>
+              <a:ext cx="448340" cy="448340"/>
+            </a:xfrm>
+            <a:prstGeom prst="ellipse">
+              <a:avLst/>
+            </a:prstGeom>
+          </p:spPr>
+          <p:style>
+            <a:lnRef idx="2">
+              <a:schemeClr val="accent1">
+                <a:shade val="50000"/>
+              </a:schemeClr>
+            </a:lnRef>
+            <a:fillRef idx="1">
+              <a:schemeClr val="accent1"/>
+            </a:fillRef>
+            <a:effectRef idx="0">
+              <a:schemeClr val="accent1"/>
+            </a:effectRef>
+            <a:fontRef idx="minor">
+              <a:schemeClr val="lt1"/>
+            </a:fontRef>
+          </p:style>
+          <p:txBody>
+            <a:bodyPr rtlCol="0" anchor="ctr"/>
+            <a:lstStyle/>
+            <a:p>
+              <a:pPr algn="ctr"/>
+              <a:endParaRPr lang="zh-TW" altLang="en-US"/>
+            </a:p>
+          </p:txBody>
+        </p:sp>
+        <p:sp>
+          <p:nvSpPr>
+            <p:cNvPr id="107" name="橢圓 106">
+              <a:extLst>
+                <a:ext uri="{FF2B5EF4-FFF2-40B4-BE49-F238E27FC236}">
+                  <a16:creationId xmlns:a16="http://schemas.microsoft.com/office/drawing/2014/main" id="{0CBDCD20-CD25-4DA8-9669-6FC6C266D8B3}"/>
+                </a:ext>
+              </a:extLst>
+            </p:cNvPr>
+            <p:cNvSpPr/>
+            <p:nvPr/>
+          </p:nvSpPr>
+          <p:spPr>
+            <a:xfrm>
+              <a:off x="2183220" y="3202173"/>
+              <a:ext cx="448340" cy="448340"/>
+            </a:xfrm>
+            <a:prstGeom prst="ellipse">
+              <a:avLst/>
+            </a:prstGeom>
+          </p:spPr>
+          <p:style>
+            <a:lnRef idx="2">
+              <a:schemeClr val="accent1">
+                <a:shade val="50000"/>
+              </a:schemeClr>
+            </a:lnRef>
+            <a:fillRef idx="1">
+              <a:schemeClr val="accent1"/>
+            </a:fillRef>
+            <a:effectRef idx="0">
+              <a:schemeClr val="accent1"/>
+            </a:effectRef>
+            <a:fontRef idx="minor">
+              <a:schemeClr val="lt1"/>
+            </a:fontRef>
+          </p:style>
+          <p:txBody>
+            <a:bodyPr rtlCol="0" anchor="ctr"/>
+            <a:lstStyle/>
+            <a:p>
+              <a:pPr algn="ctr"/>
+              <a:endParaRPr lang="zh-TW" altLang="en-US"/>
+            </a:p>
+          </p:txBody>
+        </p:sp>
+        <p:sp>
+          <p:nvSpPr>
+            <p:cNvPr id="108" name="橢圓 107">
+              <a:extLst>
+                <a:ext uri="{FF2B5EF4-FFF2-40B4-BE49-F238E27FC236}">
+                  <a16:creationId xmlns:a16="http://schemas.microsoft.com/office/drawing/2014/main" id="{26B3B148-705F-4F5C-A1E1-397C338D6345}"/>
+                </a:ext>
+              </a:extLst>
+            </p:cNvPr>
+            <p:cNvSpPr/>
+            <p:nvPr/>
+          </p:nvSpPr>
+          <p:spPr>
+            <a:xfrm>
+              <a:off x="2631560" y="3219893"/>
+              <a:ext cx="448340" cy="448340"/>
+            </a:xfrm>
+            <a:prstGeom prst="ellipse">
+              <a:avLst/>
+            </a:prstGeom>
+          </p:spPr>
+          <p:style>
+            <a:lnRef idx="2">
+              <a:schemeClr val="accent1">
+                <a:shade val="50000"/>
+              </a:schemeClr>
+            </a:lnRef>
+            <a:fillRef idx="1">
+              <a:schemeClr val="accent1"/>
+            </a:fillRef>
+            <a:effectRef idx="0">
+              <a:schemeClr val="accent1"/>
+            </a:effectRef>
+            <a:fontRef idx="minor">
+              <a:schemeClr val="lt1"/>
+            </a:fontRef>
+          </p:style>
+          <p:txBody>
+            <a:bodyPr rtlCol="0" anchor="ctr"/>
+            <a:lstStyle/>
+            <a:p>
+              <a:pPr algn="ctr"/>
+              <a:endParaRPr lang="zh-TW" altLang="en-US"/>
+            </a:p>
+          </p:txBody>
+        </p:sp>
+        <p:sp>
+          <p:nvSpPr>
+            <p:cNvPr id="109" name="橢圓 108">
+              <a:extLst>
+                <a:ext uri="{FF2B5EF4-FFF2-40B4-BE49-F238E27FC236}">
+                  <a16:creationId xmlns:a16="http://schemas.microsoft.com/office/drawing/2014/main" id="{382955DF-A891-4543-BC2B-4E563E8E9D50}"/>
+                </a:ext>
+              </a:extLst>
+            </p:cNvPr>
+            <p:cNvSpPr/>
+            <p:nvPr/>
+          </p:nvSpPr>
+          <p:spPr>
+            <a:xfrm>
+              <a:off x="3079900" y="3219893"/>
+              <a:ext cx="448340" cy="448340"/>
+            </a:xfrm>
+            <a:prstGeom prst="ellipse">
+              <a:avLst/>
+            </a:prstGeom>
+          </p:spPr>
+          <p:style>
+            <a:lnRef idx="2">
+              <a:schemeClr val="accent1">
+                <a:shade val="50000"/>
+              </a:schemeClr>
+            </a:lnRef>
+            <a:fillRef idx="1">
+              <a:schemeClr val="accent1"/>
+            </a:fillRef>
+            <a:effectRef idx="0">
+              <a:schemeClr val="accent1"/>
+            </a:effectRef>
+            <a:fontRef idx="minor">
+              <a:schemeClr val="lt1"/>
+            </a:fontRef>
+          </p:style>
+          <p:txBody>
+            <a:bodyPr rtlCol="0" anchor="ctr"/>
+            <a:lstStyle/>
+            <a:p>
+              <a:pPr algn="ctr"/>
+              <a:endParaRPr lang="zh-TW" altLang="en-US"/>
+            </a:p>
+          </p:txBody>
+        </p:sp>
+        <p:sp>
+          <p:nvSpPr>
+            <p:cNvPr id="110" name="橢圓 109">
+              <a:extLst>
+                <a:ext uri="{FF2B5EF4-FFF2-40B4-BE49-F238E27FC236}">
+                  <a16:creationId xmlns:a16="http://schemas.microsoft.com/office/drawing/2014/main" id="{70272DA0-5D70-45E2-B1ED-FB077563D261}"/>
+                </a:ext>
+              </a:extLst>
+            </p:cNvPr>
+            <p:cNvSpPr/>
+            <p:nvPr/>
+          </p:nvSpPr>
+          <p:spPr>
+            <a:xfrm>
+              <a:off x="3528240" y="3211033"/>
+              <a:ext cx="448340" cy="448340"/>
+            </a:xfrm>
+            <a:prstGeom prst="ellipse">
+              <a:avLst/>
+            </a:prstGeom>
+          </p:spPr>
+          <p:style>
+            <a:lnRef idx="2">
+              <a:schemeClr val="accent1">
+                <a:shade val="50000"/>
+              </a:schemeClr>
+            </a:lnRef>
+            <a:fillRef idx="1">
+              <a:schemeClr val="accent1"/>
+            </a:fillRef>
+            <a:effectRef idx="0">
+              <a:schemeClr val="accent1"/>
+            </a:effectRef>
+            <a:fontRef idx="minor">
+              <a:schemeClr val="lt1"/>
+            </a:fontRef>
+          </p:style>
+          <p:txBody>
+            <a:bodyPr rtlCol="0" anchor="ctr"/>
+            <a:lstStyle/>
+            <a:p>
+              <a:pPr algn="ctr"/>
+              <a:endParaRPr lang="zh-TW" altLang="en-US"/>
+            </a:p>
+          </p:txBody>
+        </p:sp>
+        <p:sp>
+          <p:nvSpPr>
+            <p:cNvPr id="111" name="橢圓 110">
+              <a:extLst>
+                <a:ext uri="{FF2B5EF4-FFF2-40B4-BE49-F238E27FC236}">
+                  <a16:creationId xmlns:a16="http://schemas.microsoft.com/office/drawing/2014/main" id="{D721EA3D-D503-4E48-8C8D-3A9A7471C53B}"/>
+                </a:ext>
+              </a:extLst>
+            </p:cNvPr>
+            <p:cNvSpPr/>
+            <p:nvPr/>
+          </p:nvSpPr>
+          <p:spPr>
+            <a:xfrm>
+              <a:off x="3976580" y="3211033"/>
+              <a:ext cx="448340" cy="448340"/>
+            </a:xfrm>
+            <a:prstGeom prst="ellipse">
+              <a:avLst/>
+            </a:prstGeom>
+          </p:spPr>
+          <p:style>
+            <a:lnRef idx="2">
+              <a:schemeClr val="accent1">
+                <a:shade val="50000"/>
+              </a:schemeClr>
+            </a:lnRef>
+            <a:fillRef idx="1">
+              <a:schemeClr val="accent1"/>
+            </a:fillRef>
+            <a:effectRef idx="0">
+              <a:schemeClr val="accent1"/>
+            </a:effectRef>
+            <a:fontRef idx="minor">
+              <a:schemeClr val="lt1"/>
+            </a:fontRef>
+          </p:style>
+          <p:txBody>
+            <a:bodyPr rtlCol="0" anchor="ctr"/>
+            <a:lstStyle/>
+            <a:p>
+              <a:pPr algn="ctr"/>
+              <a:endParaRPr lang="zh-TW" altLang="en-US"/>
+            </a:p>
+          </p:txBody>
+        </p:sp>
+        <p:sp>
+          <p:nvSpPr>
+            <p:cNvPr id="112" name="橢圓 111">
+              <a:extLst>
+                <a:ext uri="{FF2B5EF4-FFF2-40B4-BE49-F238E27FC236}">
+                  <a16:creationId xmlns:a16="http://schemas.microsoft.com/office/drawing/2014/main" id="{4AA8FE9E-A926-41E4-96F3-4A7F6DFBC5C1}"/>
+                </a:ext>
+              </a:extLst>
+            </p:cNvPr>
+            <p:cNvSpPr/>
+            <p:nvPr/>
+          </p:nvSpPr>
+          <p:spPr>
+            <a:xfrm>
+              <a:off x="4424920" y="3211033"/>
+              <a:ext cx="448340" cy="448340"/>
+            </a:xfrm>
+            <a:prstGeom prst="ellipse">
+              <a:avLst/>
+            </a:prstGeom>
+          </p:spPr>
+          <p:style>
+            <a:lnRef idx="2">
+              <a:schemeClr val="accent1">
+                <a:shade val="50000"/>
+              </a:schemeClr>
+            </a:lnRef>
+            <a:fillRef idx="1">
+              <a:schemeClr val="accent1"/>
+            </a:fillRef>
+            <a:effectRef idx="0">
+              <a:schemeClr val="accent1"/>
+            </a:effectRef>
+            <a:fontRef idx="minor">
+              <a:schemeClr val="lt1"/>
+            </a:fontRef>
+          </p:style>
+          <p:txBody>
+            <a:bodyPr rtlCol="0" anchor="ctr"/>
+            <a:lstStyle/>
+            <a:p>
+              <a:pPr algn="ctr"/>
+              <a:endParaRPr lang="zh-TW" altLang="en-US"/>
+            </a:p>
+          </p:txBody>
+        </p:sp>
+        <p:sp>
+          <p:nvSpPr>
+            <p:cNvPr id="113" name="橢圓 112">
+              <a:extLst>
+                <a:ext uri="{FF2B5EF4-FFF2-40B4-BE49-F238E27FC236}">
+                  <a16:creationId xmlns:a16="http://schemas.microsoft.com/office/drawing/2014/main" id="{18E0017F-F3F5-40EA-8DC8-11175EBAD941}"/>
+                </a:ext>
+              </a:extLst>
+            </p:cNvPr>
+            <p:cNvSpPr/>
+            <p:nvPr/>
+          </p:nvSpPr>
+          <p:spPr>
+            <a:xfrm>
+              <a:off x="4873260" y="3211033"/>
+              <a:ext cx="448340" cy="448340"/>
+            </a:xfrm>
+            <a:prstGeom prst="ellipse">
+              <a:avLst/>
+            </a:prstGeom>
+          </p:spPr>
+          <p:style>
+            <a:lnRef idx="2">
+              <a:schemeClr val="accent1">
+                <a:shade val="50000"/>
+              </a:schemeClr>
+            </a:lnRef>
+            <a:fillRef idx="1">
+              <a:schemeClr val="accent1"/>
+            </a:fillRef>
+            <a:effectRef idx="0">
+              <a:schemeClr val="accent1"/>
+            </a:effectRef>
+            <a:fontRef idx="minor">
+              <a:schemeClr val="lt1"/>
+            </a:fontRef>
+          </p:style>
+          <p:txBody>
+            <a:bodyPr rtlCol="0" anchor="ctr"/>
+            <a:lstStyle/>
+            <a:p>
+              <a:pPr algn="ctr"/>
+              <a:endParaRPr lang="zh-TW" altLang="en-US"/>
+            </a:p>
+          </p:txBody>
+        </p:sp>
+        <p:sp>
+          <p:nvSpPr>
+            <p:cNvPr id="114" name="橢圓 113">
+              <a:extLst>
+                <a:ext uri="{FF2B5EF4-FFF2-40B4-BE49-F238E27FC236}">
+                  <a16:creationId xmlns:a16="http://schemas.microsoft.com/office/drawing/2014/main" id="{DE01D806-4648-4797-B6B0-4D4914F214B2}"/>
+                </a:ext>
+              </a:extLst>
+            </p:cNvPr>
+            <p:cNvSpPr/>
+            <p:nvPr/>
+          </p:nvSpPr>
+          <p:spPr>
+            <a:xfrm>
+              <a:off x="5321600" y="3202173"/>
+              <a:ext cx="448340" cy="448340"/>
+            </a:xfrm>
+            <a:prstGeom prst="ellipse">
+              <a:avLst/>
+            </a:prstGeom>
+          </p:spPr>
+          <p:style>
+            <a:lnRef idx="2">
+              <a:schemeClr val="accent1">
+                <a:shade val="50000"/>
+              </a:schemeClr>
+            </a:lnRef>
+            <a:fillRef idx="1">
+              <a:schemeClr val="accent1"/>
+            </a:fillRef>
+            <a:effectRef idx="0">
+              <a:schemeClr val="accent1"/>
+            </a:effectRef>
+            <a:fontRef idx="minor">
+              <a:schemeClr val="lt1"/>
+            </a:fontRef>
+          </p:style>
+          <p:txBody>
+            <a:bodyPr rtlCol="0" anchor="ctr"/>
+            <a:lstStyle/>
+            <a:p>
+              <a:pPr algn="ctr"/>
+              <a:endParaRPr lang="zh-TW" altLang="en-US"/>
+            </a:p>
+          </p:txBody>
+        </p:sp>
+        <p:sp>
+          <p:nvSpPr>
+            <p:cNvPr id="115" name="橢圓 114">
+              <a:extLst>
+                <a:ext uri="{FF2B5EF4-FFF2-40B4-BE49-F238E27FC236}">
+                  <a16:creationId xmlns:a16="http://schemas.microsoft.com/office/drawing/2014/main" id="{A2860F2F-DCA9-4A08-AFCB-754D26A279C4}"/>
+                </a:ext>
+              </a:extLst>
+            </p:cNvPr>
+            <p:cNvSpPr/>
+            <p:nvPr/>
+          </p:nvSpPr>
+          <p:spPr>
+            <a:xfrm>
+              <a:off x="5769940" y="3202173"/>
+              <a:ext cx="448340" cy="448340"/>
+            </a:xfrm>
+            <a:prstGeom prst="ellipse">
+              <a:avLst/>
+            </a:prstGeom>
+          </p:spPr>
+          <p:style>
+            <a:lnRef idx="2">
+              <a:schemeClr val="accent1">
+                <a:shade val="50000"/>
+              </a:schemeClr>
+            </a:lnRef>
+            <a:fillRef idx="1">
+              <a:schemeClr val="accent1"/>
+            </a:fillRef>
+            <a:effectRef idx="0">
+              <a:schemeClr val="accent1"/>
+            </a:effectRef>
+            <a:fontRef idx="minor">
+              <a:schemeClr val="lt1"/>
+            </a:fontRef>
+          </p:style>
+          <p:txBody>
+            <a:bodyPr rtlCol="0" anchor="ctr"/>
+            <a:lstStyle/>
+            <a:p>
+              <a:pPr algn="ctr"/>
+              <a:endParaRPr lang="zh-TW" altLang="en-US"/>
+            </a:p>
+          </p:txBody>
+        </p:sp>
+        <p:sp>
+          <p:nvSpPr>
+            <p:cNvPr id="116" name="橢圓 115">
+              <a:extLst>
+                <a:ext uri="{FF2B5EF4-FFF2-40B4-BE49-F238E27FC236}">
+                  <a16:creationId xmlns:a16="http://schemas.microsoft.com/office/drawing/2014/main" id="{91800643-B2B2-4B06-8B52-BCF2DCD4DE5F}"/>
+                </a:ext>
+              </a:extLst>
+            </p:cNvPr>
+            <p:cNvSpPr/>
+            <p:nvPr/>
+          </p:nvSpPr>
+          <p:spPr>
+            <a:xfrm>
+              <a:off x="6218280" y="3219893"/>
+              <a:ext cx="448340" cy="448340"/>
+            </a:xfrm>
+            <a:prstGeom prst="ellipse">
+              <a:avLst/>
+            </a:prstGeom>
+          </p:spPr>
+          <p:style>
+            <a:lnRef idx="2">
+              <a:schemeClr val="accent1">
+                <a:shade val="50000"/>
+              </a:schemeClr>
+            </a:lnRef>
+            <a:fillRef idx="1">
+              <a:schemeClr val="accent1"/>
+            </a:fillRef>
+            <a:effectRef idx="0">
+              <a:schemeClr val="accent1"/>
+            </a:effectRef>
+            <a:fontRef idx="minor">
+              <a:schemeClr val="lt1"/>
+            </a:fontRef>
+          </p:style>
+          <p:txBody>
+            <a:bodyPr rtlCol="0" anchor="ctr"/>
+            <a:lstStyle/>
+            <a:p>
+              <a:pPr algn="ctr"/>
+              <a:endParaRPr lang="zh-TW" altLang="en-US"/>
+            </a:p>
+          </p:txBody>
+        </p:sp>
+        <p:sp>
+          <p:nvSpPr>
+            <p:cNvPr id="117" name="橢圓 116">
+              <a:extLst>
+                <a:ext uri="{FF2B5EF4-FFF2-40B4-BE49-F238E27FC236}">
+                  <a16:creationId xmlns:a16="http://schemas.microsoft.com/office/drawing/2014/main" id="{F6635B42-C282-47A1-B748-0D5223E1E273}"/>
+                </a:ext>
+              </a:extLst>
+            </p:cNvPr>
+            <p:cNvSpPr/>
+            <p:nvPr/>
+          </p:nvSpPr>
+          <p:spPr>
+            <a:xfrm>
+              <a:off x="6666620" y="3219893"/>
+              <a:ext cx="448340" cy="448340"/>
+            </a:xfrm>
+            <a:prstGeom prst="ellipse">
+              <a:avLst/>
+            </a:prstGeom>
+          </p:spPr>
+          <p:style>
+            <a:lnRef idx="2">
+              <a:schemeClr val="accent1">
+                <a:shade val="50000"/>
+              </a:schemeClr>
+            </a:lnRef>
+            <a:fillRef idx="1">
+              <a:schemeClr val="accent1"/>
+            </a:fillRef>
+            <a:effectRef idx="0">
+              <a:schemeClr val="accent1"/>
+            </a:effectRef>
+            <a:fontRef idx="minor">
+              <a:schemeClr val="lt1"/>
+            </a:fontRef>
+          </p:style>
+          <p:txBody>
+            <a:bodyPr rtlCol="0" anchor="ctr"/>
+            <a:lstStyle/>
+            <a:p>
+              <a:pPr algn="ctr"/>
+              <a:endParaRPr lang="zh-TW" altLang="en-US"/>
+            </a:p>
+          </p:txBody>
+        </p:sp>
+        <p:sp>
+          <p:nvSpPr>
+            <p:cNvPr id="118" name="橢圓 117">
+              <a:extLst>
+                <a:ext uri="{FF2B5EF4-FFF2-40B4-BE49-F238E27FC236}">
+                  <a16:creationId xmlns:a16="http://schemas.microsoft.com/office/drawing/2014/main" id="{A198883A-92A2-498D-A4D1-08E69502105C}"/>
+                </a:ext>
+              </a:extLst>
+            </p:cNvPr>
+            <p:cNvSpPr/>
+            <p:nvPr/>
+          </p:nvSpPr>
+          <p:spPr>
+            <a:xfrm>
+              <a:off x="7114960" y="3211033"/>
+              <a:ext cx="448340" cy="448340"/>
+            </a:xfrm>
+            <a:prstGeom prst="ellipse">
+              <a:avLst/>
+            </a:prstGeom>
+          </p:spPr>
+          <p:style>
+            <a:lnRef idx="2">
+              <a:schemeClr val="accent1">
+                <a:shade val="50000"/>
+              </a:schemeClr>
+            </a:lnRef>
+            <a:fillRef idx="1">
+              <a:schemeClr val="accent1"/>
+            </a:fillRef>
+            <a:effectRef idx="0">
+              <a:schemeClr val="accent1"/>
+            </a:effectRef>
+            <a:fontRef idx="minor">
+              <a:schemeClr val="lt1"/>
+            </a:fontRef>
+          </p:style>
+          <p:txBody>
+            <a:bodyPr rtlCol="0" anchor="ctr"/>
+            <a:lstStyle/>
+            <a:p>
+              <a:pPr algn="ctr"/>
+              <a:endParaRPr lang="zh-TW" altLang="en-US"/>
+            </a:p>
+          </p:txBody>
+        </p:sp>
+        <p:sp>
+          <p:nvSpPr>
+            <p:cNvPr id="119" name="橢圓 118">
+              <a:extLst>
+                <a:ext uri="{FF2B5EF4-FFF2-40B4-BE49-F238E27FC236}">
+                  <a16:creationId xmlns:a16="http://schemas.microsoft.com/office/drawing/2014/main" id="{8FB13DDB-27A9-4F26-B588-50954A25123D}"/>
+                </a:ext>
+              </a:extLst>
+            </p:cNvPr>
+            <p:cNvSpPr/>
+            <p:nvPr/>
+          </p:nvSpPr>
+          <p:spPr>
+            <a:xfrm>
+              <a:off x="7563300" y="3211033"/>
+              <a:ext cx="448340" cy="448340"/>
+            </a:xfrm>
+            <a:prstGeom prst="ellipse">
+              <a:avLst/>
+            </a:prstGeom>
+          </p:spPr>
+          <p:style>
+            <a:lnRef idx="2">
+              <a:schemeClr val="accent1">
+                <a:shade val="50000"/>
+              </a:schemeClr>
+            </a:lnRef>
+            <a:fillRef idx="1">
+              <a:schemeClr val="accent1"/>
+            </a:fillRef>
+            <a:effectRef idx="0">
+              <a:schemeClr val="accent1"/>
+            </a:effectRef>
+            <a:fontRef idx="minor">
+              <a:schemeClr val="lt1"/>
+            </a:fontRef>
+          </p:style>
+          <p:txBody>
+            <a:bodyPr rtlCol="0" anchor="ctr"/>
+            <a:lstStyle/>
+            <a:p>
+              <a:pPr algn="ctr"/>
+              <a:endParaRPr lang="zh-TW" altLang="en-US"/>
+            </a:p>
+          </p:txBody>
+        </p:sp>
+      </p:grpSp>
+      <p:sp>
+        <p:nvSpPr>
+          <p:cNvPr id="120" name="文字方塊 119">
+            <a:extLst>
+              <a:ext uri="{FF2B5EF4-FFF2-40B4-BE49-F238E27FC236}">
+                <a16:creationId xmlns:a16="http://schemas.microsoft.com/office/drawing/2014/main" id="{3853B3AD-02BA-4F26-B858-6D7578CEA768}"/>
+              </a:ext>
+            </a:extLst>
+          </p:cNvPr>
+          <p:cNvSpPr txBox="1"/>
+          <p:nvPr/>
+        </p:nvSpPr>
+        <p:spPr>
+          <a:xfrm>
+            <a:off x="244550" y="3885067"/>
+            <a:ext cx="510363" cy="369332"/>
+          </a:xfrm>
+          <a:prstGeom prst="rect">
+            <a:avLst/>
+          </a:prstGeom>
+          <a:noFill/>
+        </p:spPr>
+        <p:txBody>
+          <a:bodyPr wrap="square" rtlCol="0" anchor="ctr">
+            <a:spAutoFit/>
+          </a:bodyPr>
+          <a:lstStyle/>
+          <a:p>
+            <a:pPr algn="ctr"/>
+            <a:r>
+              <a:rPr lang="en-US" altLang="zh-TW" b="1" dirty="0"/>
+              <a:t>X</a:t>
+            </a:r>
+            <a:endParaRPr lang="zh-TW" altLang="en-US" b="1" dirty="0"/>
+          </a:p>
+        </p:txBody>
+      </p:sp>
+      <p:sp>
+        <p:nvSpPr>
+          <p:cNvPr id="121" name="文字方塊 120">
+            <a:extLst>
+              <a:ext uri="{FF2B5EF4-FFF2-40B4-BE49-F238E27FC236}">
+                <a16:creationId xmlns:a16="http://schemas.microsoft.com/office/drawing/2014/main" id="{920EE6B6-687A-4E4C-A46B-3EC44B9AEA2D}"/>
+              </a:ext>
+            </a:extLst>
+          </p:cNvPr>
+          <p:cNvSpPr txBox="1"/>
+          <p:nvPr/>
+        </p:nvSpPr>
+        <p:spPr>
+          <a:xfrm>
+            <a:off x="244550" y="4126044"/>
+            <a:ext cx="510363" cy="369332"/>
+          </a:xfrm>
+          <a:prstGeom prst="rect">
+            <a:avLst/>
+          </a:prstGeom>
+          <a:noFill/>
+        </p:spPr>
+        <p:txBody>
+          <a:bodyPr wrap="square" rtlCol="0" anchor="ctr">
+            <a:spAutoFit/>
+          </a:bodyPr>
+          <a:lstStyle/>
+          <a:p>
+            <a:pPr algn="ctr"/>
+            <a:r>
+              <a:rPr lang="en-US" altLang="zh-TW" b="1" dirty="0"/>
+              <a:t>Y</a:t>
+            </a:r>
+            <a:endParaRPr lang="zh-TW" altLang="en-US" b="1" dirty="0"/>
+          </a:p>
+        </p:txBody>
+      </p:sp>
+      <p:sp>
+        <p:nvSpPr>
+          <p:cNvPr id="122" name="文字方塊 121">
+            <a:extLst>
+              <a:ext uri="{FF2B5EF4-FFF2-40B4-BE49-F238E27FC236}">
+                <a16:creationId xmlns:a16="http://schemas.microsoft.com/office/drawing/2014/main" id="{2D4B8BC4-BABA-49C6-8412-D5D8EE3A8C0F}"/>
+              </a:ext>
+            </a:extLst>
+          </p:cNvPr>
+          <p:cNvSpPr txBox="1"/>
+          <p:nvPr/>
+        </p:nvSpPr>
+        <p:spPr>
+          <a:xfrm>
+            <a:off x="244549" y="4356941"/>
+            <a:ext cx="510363" cy="369332"/>
+          </a:xfrm>
+          <a:prstGeom prst="rect">
+            <a:avLst/>
+          </a:prstGeom>
+          <a:noFill/>
+        </p:spPr>
+        <p:txBody>
+          <a:bodyPr wrap="square" rtlCol="0" anchor="ctr">
+            <a:spAutoFit/>
+          </a:bodyPr>
+          <a:lstStyle/>
+          <a:p>
+            <a:pPr algn="ctr"/>
+            <a:r>
+              <a:rPr lang="en-US" altLang="zh-TW" b="1" dirty="0"/>
+              <a:t>Z</a:t>
+            </a:r>
+            <a:endParaRPr lang="zh-TW" altLang="en-US" b="1" dirty="0"/>
+          </a:p>
+        </p:txBody>
+      </p:sp>
+      <p:sp>
+        <p:nvSpPr>
+          <p:cNvPr id="123" name="文字方塊 122">
+            <a:extLst>
+              <a:ext uri="{FF2B5EF4-FFF2-40B4-BE49-F238E27FC236}">
+                <a16:creationId xmlns:a16="http://schemas.microsoft.com/office/drawing/2014/main" id="{EF64F0F2-26DB-461A-879F-B89FEDD9BDCF}"/>
+              </a:ext>
+            </a:extLst>
+          </p:cNvPr>
+          <p:cNvSpPr txBox="1"/>
+          <p:nvPr/>
+        </p:nvSpPr>
+        <p:spPr>
+          <a:xfrm>
+            <a:off x="244549" y="5049913"/>
+            <a:ext cx="510363" cy="369332"/>
+          </a:xfrm>
+          <a:prstGeom prst="rect">
+            <a:avLst/>
+          </a:prstGeom>
+          <a:noFill/>
+        </p:spPr>
+        <p:txBody>
+          <a:bodyPr wrap="square" rtlCol="0" anchor="ctr">
+            <a:spAutoFit/>
+          </a:bodyPr>
+          <a:lstStyle/>
+          <a:p>
+            <a:pPr algn="ctr"/>
+            <a:r>
+              <a:rPr lang="en-US" altLang="zh-TW" b="1" dirty="0"/>
+              <a:t>FV</a:t>
+            </a:r>
+            <a:endParaRPr lang="zh-TW" altLang="en-US" b="1" dirty="0"/>
+          </a:p>
+        </p:txBody>
+      </p:sp>
+      <p:sp>
+        <p:nvSpPr>
+          <p:cNvPr id="124" name="文字方塊 123">
+            <a:extLst>
+              <a:ext uri="{FF2B5EF4-FFF2-40B4-BE49-F238E27FC236}">
+                <a16:creationId xmlns:a16="http://schemas.microsoft.com/office/drawing/2014/main" id="{8FEFC678-E4A9-4AA4-A056-C532A7AC722E}"/>
+              </a:ext>
+            </a:extLst>
+          </p:cNvPr>
+          <p:cNvSpPr txBox="1"/>
+          <p:nvPr/>
+        </p:nvSpPr>
+        <p:spPr>
+          <a:xfrm>
+            <a:off x="671626" y="5671042"/>
+            <a:ext cx="510363" cy="369332"/>
+          </a:xfrm>
+          <a:prstGeom prst="rect">
+            <a:avLst/>
+          </a:prstGeom>
+          <a:noFill/>
+        </p:spPr>
+        <p:txBody>
+          <a:bodyPr wrap="square" rtlCol="0" anchor="ctr">
+            <a:spAutoFit/>
+          </a:bodyPr>
+          <a:lstStyle/>
+          <a:p>
+            <a:pPr algn="ctr"/>
+            <a:r>
+              <a:rPr lang="en-US" altLang="zh-TW" b="1" dirty="0"/>
+              <a:t>FV</a:t>
+            </a:r>
+            <a:endParaRPr lang="zh-TW" altLang="en-US" b="1" dirty="0"/>
+          </a:p>
+        </p:txBody>
+      </p:sp>
+      <p:cxnSp>
+        <p:nvCxnSpPr>
+          <p:cNvPr id="126" name="直線單箭頭接點 125">
+            <a:extLst>
+              <a:ext uri="{FF2B5EF4-FFF2-40B4-BE49-F238E27FC236}">
+                <a16:creationId xmlns:a16="http://schemas.microsoft.com/office/drawing/2014/main" id="{613DDB89-92C2-40CA-9B49-102BB31DADE1}"/>
+              </a:ext>
+            </a:extLst>
+          </p:cNvPr>
+          <p:cNvCxnSpPr>
+            <a:stCxn id="104" idx="4"/>
+            <a:endCxn id="45" idx="0"/>
+          </p:cNvCxnSpPr>
+          <p:nvPr/>
+        </p:nvCxnSpPr>
+        <p:spPr>
+          <a:xfrm flipH="1">
+            <a:off x="1062371" y="4759050"/>
+            <a:ext cx="5324" cy="251359"/>
+          </a:xfrm>
+          <a:prstGeom prst="straightConnector1">
+            <a:avLst/>
+          </a:prstGeom>
+          <a:ln w="19050">
+            <a:solidFill>
+              <a:schemeClr val="tx1"/>
+            </a:solidFill>
+            <a:tailEnd type="triangle"/>
+          </a:ln>
+        </p:spPr>
+        <p:style>
+          <a:lnRef idx="1">
+            <a:schemeClr val="accent1"/>
+          </a:lnRef>
+          <a:fillRef idx="0">
+            <a:schemeClr val="accent1"/>
+          </a:fillRef>
+          <a:effectRef idx="0">
+            <a:schemeClr val="accent1"/>
+          </a:effectRef>
+          <a:fontRef idx="minor">
+            <a:schemeClr val="tx1"/>
+          </a:fontRef>
+        </p:style>
+      </p:cxnSp>
+      <p:cxnSp>
+        <p:nvCxnSpPr>
+          <p:cNvPr id="127" name="直線單箭頭接點 126">
+            <a:extLst>
+              <a:ext uri="{FF2B5EF4-FFF2-40B4-BE49-F238E27FC236}">
+                <a16:creationId xmlns:a16="http://schemas.microsoft.com/office/drawing/2014/main" id="{C62D50E2-806D-4462-AFE2-B6D16043F743}"/>
+              </a:ext>
+            </a:extLst>
+          </p:cNvPr>
+          <p:cNvCxnSpPr>
+            <a:cxnSpLocks/>
+            <a:stCxn id="105" idx="4"/>
+            <a:endCxn id="50" idx="0"/>
+          </p:cNvCxnSpPr>
+          <p:nvPr/>
+        </p:nvCxnSpPr>
+        <p:spPr>
+          <a:xfrm flipH="1">
+            <a:off x="1510711" y="4759050"/>
+            <a:ext cx="5324" cy="251359"/>
+          </a:xfrm>
+          <a:prstGeom prst="straightConnector1">
+            <a:avLst/>
+          </a:prstGeom>
+          <a:ln w="19050">
+            <a:solidFill>
+              <a:schemeClr val="tx1"/>
+            </a:solidFill>
+            <a:tailEnd type="triangle"/>
+          </a:ln>
+        </p:spPr>
+        <p:style>
+          <a:lnRef idx="1">
+            <a:schemeClr val="accent1"/>
+          </a:lnRef>
+          <a:fillRef idx="0">
+            <a:schemeClr val="accent1"/>
+          </a:fillRef>
+          <a:effectRef idx="0">
+            <a:schemeClr val="accent1"/>
+          </a:effectRef>
+          <a:fontRef idx="minor">
+            <a:schemeClr val="tx1"/>
+          </a:fontRef>
+        </p:style>
+      </p:cxnSp>
+      <p:sp>
+        <p:nvSpPr>
+          <p:cNvPr id="131" name="橢圓 130">
+            <a:extLst>
+              <a:ext uri="{FF2B5EF4-FFF2-40B4-BE49-F238E27FC236}">
+                <a16:creationId xmlns:a16="http://schemas.microsoft.com/office/drawing/2014/main" id="{5FE97D0C-2AD1-4331-AD81-31EA3B0935B9}"/>
+              </a:ext>
+            </a:extLst>
+          </p:cNvPr>
+          <p:cNvSpPr/>
+          <p:nvPr/>
+        </p:nvSpPr>
+        <p:spPr>
+          <a:xfrm>
+            <a:off x="3011638" y="6274594"/>
+            <a:ext cx="136525" cy="136525"/>
+          </a:xfrm>
+          <a:prstGeom prst="ellipse">
+            <a:avLst/>
+          </a:prstGeom>
+        </p:spPr>
+        <p:style>
+          <a:lnRef idx="2">
+            <a:schemeClr val="dk1">
+              <a:shade val="50000"/>
+            </a:schemeClr>
+          </a:lnRef>
+          <a:fillRef idx="1">
+            <a:schemeClr val="dk1"/>
+          </a:fillRef>
+          <a:effectRef idx="0">
+            <a:schemeClr val="dk1"/>
+          </a:effectRef>
+          <a:fontRef idx="minor">
+            <a:schemeClr val="lt1"/>
+          </a:fontRef>
+        </p:style>
+        <p:txBody>
+          <a:bodyPr rtlCol="0" anchor="ctr"/>
+          <a:lstStyle/>
+          <a:p>
+            <a:pPr algn="ctr"/>
+            <a:endParaRPr lang="zh-TW" altLang="en-US"/>
+          </a:p>
+        </p:txBody>
+      </p:sp>
+      <p:sp>
+        <p:nvSpPr>
+          <p:cNvPr id="132" name="橢圓 131">
+            <a:extLst>
+              <a:ext uri="{FF2B5EF4-FFF2-40B4-BE49-F238E27FC236}">
+                <a16:creationId xmlns:a16="http://schemas.microsoft.com/office/drawing/2014/main" id="{BCECA40B-A01A-44BF-880D-FA035580C343}"/>
+              </a:ext>
+            </a:extLst>
+          </p:cNvPr>
+          <p:cNvSpPr/>
+          <p:nvPr/>
+        </p:nvSpPr>
+        <p:spPr>
+          <a:xfrm>
+            <a:off x="3011638" y="6437182"/>
+            <a:ext cx="136525" cy="136525"/>
+          </a:xfrm>
+          <a:prstGeom prst="ellipse">
+            <a:avLst/>
+          </a:prstGeom>
+        </p:spPr>
+        <p:style>
+          <a:lnRef idx="2">
+            <a:schemeClr val="dk1">
+              <a:shade val="50000"/>
+            </a:schemeClr>
+          </a:lnRef>
+          <a:fillRef idx="1">
+            <a:schemeClr val="dk1"/>
+          </a:fillRef>
+          <a:effectRef idx="0">
+            <a:schemeClr val="dk1"/>
+          </a:effectRef>
+          <a:fontRef idx="minor">
+            <a:schemeClr val="lt1"/>
+          </a:fontRef>
+        </p:style>
+        <p:txBody>
+          <a:bodyPr rtlCol="0" anchor="ctr"/>
+          <a:lstStyle/>
+          <a:p>
+            <a:pPr algn="ctr"/>
+            <a:endParaRPr lang="zh-TW" altLang="en-US"/>
+          </a:p>
+        </p:txBody>
+      </p:sp>
+      <p:sp>
+        <p:nvSpPr>
+          <p:cNvPr id="133" name="橢圓 132">
+            <a:extLst>
+              <a:ext uri="{FF2B5EF4-FFF2-40B4-BE49-F238E27FC236}">
+                <a16:creationId xmlns:a16="http://schemas.microsoft.com/office/drawing/2014/main" id="{1D70DBFF-1FF3-44F8-8892-38317F16B96B}"/>
+              </a:ext>
+            </a:extLst>
+          </p:cNvPr>
+          <p:cNvSpPr/>
+          <p:nvPr/>
+        </p:nvSpPr>
+        <p:spPr>
+          <a:xfrm>
+            <a:off x="3011637" y="6599770"/>
+            <a:ext cx="136525" cy="136525"/>
+          </a:xfrm>
+          <a:prstGeom prst="ellipse">
+            <a:avLst/>
+          </a:prstGeom>
+        </p:spPr>
+        <p:style>
+          <a:lnRef idx="2">
+            <a:schemeClr val="dk1">
+              <a:shade val="50000"/>
+            </a:schemeClr>
+          </a:lnRef>
+          <a:fillRef idx="1">
+            <a:schemeClr val="dk1"/>
+          </a:fillRef>
+          <a:effectRef idx="0">
+            <a:schemeClr val="dk1"/>
+          </a:effectRef>
+          <a:fontRef idx="minor">
+            <a:schemeClr val="lt1"/>
+          </a:fontRef>
+        </p:style>
+        <p:txBody>
+          <a:bodyPr rtlCol="0" anchor="ctr"/>
+          <a:lstStyle/>
+          <a:p>
+            <a:pPr algn="ctr"/>
+            <a:endParaRPr lang="zh-TW" altLang="en-US"/>
+          </a:p>
+        </p:txBody>
+      </p:sp>
+      <p:cxnSp>
+        <p:nvCxnSpPr>
+          <p:cNvPr id="134" name="直線單箭頭接點 133">
+            <a:extLst>
+              <a:ext uri="{FF2B5EF4-FFF2-40B4-BE49-F238E27FC236}">
+                <a16:creationId xmlns:a16="http://schemas.microsoft.com/office/drawing/2014/main" id="{D51E6671-AEC4-4FC0-A0BD-21BF7C9B4D44}"/>
+              </a:ext>
+            </a:extLst>
+          </p:cNvPr>
+          <p:cNvCxnSpPr>
+            <a:cxnSpLocks/>
+          </p:cNvCxnSpPr>
+          <p:nvPr/>
+        </p:nvCxnSpPr>
+        <p:spPr>
+          <a:xfrm flipH="1">
+            <a:off x="1961700" y="4775857"/>
+            <a:ext cx="5324" cy="251359"/>
+          </a:xfrm>
+          <a:prstGeom prst="straightConnector1">
+            <a:avLst/>
+          </a:prstGeom>
+          <a:ln w="19050">
+            <a:solidFill>
+              <a:schemeClr val="tx1"/>
+            </a:solidFill>
+            <a:tailEnd type="triangle"/>
+          </a:ln>
+        </p:spPr>
+        <p:style>
+          <a:lnRef idx="1">
+            <a:schemeClr val="accent1"/>
+          </a:lnRef>
+          <a:fillRef idx="0">
+            <a:schemeClr val="accent1"/>
+          </a:fillRef>
+          <a:effectRef idx="0">
+            <a:schemeClr val="accent1"/>
+          </a:effectRef>
+          <a:fontRef idx="minor">
+            <a:schemeClr val="tx1"/>
+          </a:fontRef>
+        </p:style>
+      </p:cxnSp>
+      <p:cxnSp>
+        <p:nvCxnSpPr>
+          <p:cNvPr id="135" name="直線單箭頭接點 134">
+            <a:extLst>
+              <a:ext uri="{FF2B5EF4-FFF2-40B4-BE49-F238E27FC236}">
+                <a16:creationId xmlns:a16="http://schemas.microsoft.com/office/drawing/2014/main" id="{AE8E8A01-43A9-48BA-92E5-E803F1A640ED}"/>
+              </a:ext>
+            </a:extLst>
+          </p:cNvPr>
+          <p:cNvCxnSpPr>
+            <a:cxnSpLocks/>
+          </p:cNvCxnSpPr>
+          <p:nvPr/>
+        </p:nvCxnSpPr>
+        <p:spPr>
+          <a:xfrm flipH="1">
+            <a:off x="2418029" y="4750190"/>
+            <a:ext cx="5324" cy="251359"/>
+          </a:xfrm>
+          <a:prstGeom prst="straightConnector1">
+            <a:avLst/>
+          </a:prstGeom>
+          <a:ln w="19050">
+            <a:solidFill>
+              <a:schemeClr val="tx1"/>
+            </a:solidFill>
+            <a:tailEnd type="triangle"/>
+          </a:ln>
+        </p:spPr>
+        <p:style>
+          <a:lnRef idx="1">
+            <a:schemeClr val="accent1"/>
+          </a:lnRef>
+          <a:fillRef idx="0">
+            <a:schemeClr val="accent1"/>
+          </a:fillRef>
+          <a:effectRef idx="0">
+            <a:schemeClr val="accent1"/>
+          </a:effectRef>
+          <a:fontRef idx="minor">
+            <a:schemeClr val="tx1"/>
+          </a:fontRef>
+        </p:style>
+      </p:cxnSp>
+      <p:cxnSp>
+        <p:nvCxnSpPr>
+          <p:cNvPr id="136" name="直線單箭頭接點 135">
+            <a:extLst>
+              <a:ext uri="{FF2B5EF4-FFF2-40B4-BE49-F238E27FC236}">
+                <a16:creationId xmlns:a16="http://schemas.microsoft.com/office/drawing/2014/main" id="{11A3FE1E-5EC9-4A58-AD6E-45F0EC4CB502}"/>
+              </a:ext>
+            </a:extLst>
+          </p:cNvPr>
+          <p:cNvCxnSpPr>
+            <a:cxnSpLocks/>
+          </p:cNvCxnSpPr>
+          <p:nvPr/>
+        </p:nvCxnSpPr>
+        <p:spPr>
+          <a:xfrm flipH="1">
+            <a:off x="2863694" y="4764672"/>
+            <a:ext cx="5324" cy="251359"/>
+          </a:xfrm>
+          <a:prstGeom prst="straightConnector1">
+            <a:avLst/>
+          </a:prstGeom>
+          <a:ln w="19050">
+            <a:solidFill>
+              <a:schemeClr val="tx1"/>
+            </a:solidFill>
+            <a:tailEnd type="triangle"/>
+          </a:ln>
+        </p:spPr>
+        <p:style>
+          <a:lnRef idx="1">
+            <a:schemeClr val="accent1"/>
+          </a:lnRef>
+          <a:fillRef idx="0">
+            <a:schemeClr val="accent1"/>
+          </a:fillRef>
+          <a:effectRef idx="0">
+            <a:schemeClr val="accent1"/>
+          </a:effectRef>
+          <a:fontRef idx="minor">
+            <a:schemeClr val="tx1"/>
+          </a:fontRef>
+        </p:style>
+      </p:cxnSp>
     </p:spTree>
     <p:extLst>
       <p:ext uri="{BB962C8B-B14F-4D97-AF65-F5344CB8AC3E}">
@@ -20923,6 +25249,4771 @@
 </file>
 
 <file path=ppt/slides/slide24.xml><?xml version="1.0" encoding="utf-8"?>
+<p:sld xmlns:a="http://schemas.openxmlformats.org/drawingml/2006/main" xmlns:r="http://schemas.openxmlformats.org/officeDocument/2006/relationships" xmlns:p="http://schemas.openxmlformats.org/presentationml/2006/main">
+  <p:cSld>
+    <p:spTree>
+      <p:nvGrpSpPr>
+        <p:cNvPr id="1" name=""/>
+        <p:cNvGrpSpPr/>
+        <p:nvPr/>
+      </p:nvGrpSpPr>
+      <p:grpSpPr>
+        <a:xfrm>
+          <a:off x="0" y="0"/>
+          <a:ext cx="0" cy="0"/>
+          <a:chOff x="0" y="0"/>
+          <a:chExt cx="0" cy="0"/>
+        </a:xfrm>
+      </p:grpSpPr>
+      <p:sp>
+        <p:nvSpPr>
+          <p:cNvPr id="2" name="標題 1">
+            <a:extLst>
+              <a:ext uri="{FF2B5EF4-FFF2-40B4-BE49-F238E27FC236}">
+                <a16:creationId xmlns:a16="http://schemas.microsoft.com/office/drawing/2014/main" id="{FC5D2D18-0647-4305-B908-BE11845B8FFC}"/>
+              </a:ext>
+            </a:extLst>
+          </p:cNvPr>
+          <p:cNvSpPr>
+            <a:spLocks noGrp="1"/>
+          </p:cNvSpPr>
+          <p:nvPr>
+            <p:ph type="title"/>
+          </p:nvPr>
+        </p:nvSpPr>
+        <p:spPr/>
+        <p:txBody>
+          <a:bodyPr/>
+          <a:lstStyle/>
+          <a:p>
+            <a:r>
+              <a:rPr lang="en-US" altLang="zh-TW" b="1" dirty="0"/>
+              <a:t>Full-body pose reconstruction – preprocessing </a:t>
+            </a:r>
+            <a:endParaRPr lang="zh-TW" altLang="en-US" dirty="0"/>
+          </a:p>
+        </p:txBody>
+      </p:sp>
+      <p:sp>
+        <p:nvSpPr>
+          <p:cNvPr id="3" name="內容版面配置區 2">
+            <a:extLst>
+              <a:ext uri="{FF2B5EF4-FFF2-40B4-BE49-F238E27FC236}">
+                <a16:creationId xmlns:a16="http://schemas.microsoft.com/office/drawing/2014/main" id="{4BA1C6C3-5F7B-47C8-831C-D1B76BEE3881}"/>
+              </a:ext>
+            </a:extLst>
+          </p:cNvPr>
+          <p:cNvSpPr>
+            <a:spLocks noGrp="1"/>
+          </p:cNvSpPr>
+          <p:nvPr>
+            <p:ph idx="1"/>
+          </p:nvPr>
+        </p:nvSpPr>
+        <p:spPr>
+          <a:xfrm>
+            <a:off x="838200" y="1825625"/>
+            <a:ext cx="10515600" cy="4351338"/>
+          </a:xfrm>
+        </p:spPr>
+        <p:txBody>
+          <a:bodyPr/>
+          <a:lstStyle/>
+          <a:p>
+            <a:r>
+              <a:rPr lang="en-US" altLang="zh-TW" dirty="0"/>
+              <a:t>Augmentation </a:t>
+            </a:r>
+          </a:p>
+          <a:p>
+            <a:pPr lvl="1"/>
+            <a:r>
+              <a:rPr lang="en-US" altLang="zh-TW" dirty="0"/>
+              <a:t>Since speed between finger and avatar’s leg may differ </a:t>
+            </a:r>
+          </a:p>
+          <a:p>
+            <a:pPr lvl="1"/>
+            <a:r>
+              <a:rPr lang="en-US" altLang="zh-TW" dirty="0"/>
+              <a:t> 5 speed ratios are used for augmentation</a:t>
+            </a:r>
+            <a:endParaRPr lang="zh-TW" altLang="en-US" dirty="0"/>
+          </a:p>
+        </p:txBody>
+      </p:sp>
+      <p:sp>
+        <p:nvSpPr>
+          <p:cNvPr id="4" name="投影片編號版面配置區 3">
+            <a:extLst>
+              <a:ext uri="{FF2B5EF4-FFF2-40B4-BE49-F238E27FC236}">
+                <a16:creationId xmlns:a16="http://schemas.microsoft.com/office/drawing/2014/main" id="{896A4EF3-3553-49AE-91C1-5FC991A2297D}"/>
+              </a:ext>
+            </a:extLst>
+          </p:cNvPr>
+          <p:cNvSpPr>
+            <a:spLocks noGrp="1"/>
+          </p:cNvSpPr>
+          <p:nvPr>
+            <p:ph type="sldNum" sz="quarter" idx="12"/>
+          </p:nvPr>
+        </p:nvSpPr>
+        <p:spPr/>
+        <p:txBody>
+          <a:bodyPr/>
+          <a:lstStyle/>
+          <a:p>
+            <a:fld id="{D149E3A1-F5A3-43F6-A114-638605801008}" type="slidenum">
+              <a:rPr lang="zh-TW" altLang="en-US" smtClean="0"/>
+              <a:t>24</a:t>
+            </a:fld>
+            <a:endParaRPr lang="zh-TW" altLang="en-US"/>
+          </a:p>
+        </p:txBody>
+      </p:sp>
+      <p:grpSp>
+        <p:nvGrpSpPr>
+          <p:cNvPr id="57" name="群組 56">
+            <a:extLst>
+              <a:ext uri="{FF2B5EF4-FFF2-40B4-BE49-F238E27FC236}">
+                <a16:creationId xmlns:a16="http://schemas.microsoft.com/office/drawing/2014/main" id="{8E8A2AAF-B9DA-45DA-8A2F-13A0771150B0}"/>
+              </a:ext>
+            </a:extLst>
+          </p:cNvPr>
+          <p:cNvGrpSpPr/>
+          <p:nvPr/>
+        </p:nvGrpSpPr>
+        <p:grpSpPr>
+          <a:xfrm>
+            <a:off x="725759" y="3403381"/>
+            <a:ext cx="3586720" cy="448340"/>
+            <a:chOff x="838200" y="3975248"/>
+            <a:chExt cx="3586720" cy="448340"/>
+          </a:xfrm>
+        </p:grpSpPr>
+        <p:sp>
+          <p:nvSpPr>
+            <p:cNvPr id="45" name="矩形 44">
+              <a:extLst>
+                <a:ext uri="{FF2B5EF4-FFF2-40B4-BE49-F238E27FC236}">
+                  <a16:creationId xmlns:a16="http://schemas.microsoft.com/office/drawing/2014/main" id="{996AFEDE-6D73-4113-B11E-6810C8460C5C}"/>
+                </a:ext>
+              </a:extLst>
+            </p:cNvPr>
+            <p:cNvSpPr/>
+            <p:nvPr/>
+          </p:nvSpPr>
+          <p:spPr>
+            <a:xfrm>
+              <a:off x="838200" y="3975248"/>
+              <a:ext cx="448340" cy="448340"/>
+            </a:xfrm>
+            <a:prstGeom prst="rect">
+              <a:avLst/>
+            </a:prstGeom>
+            <a:solidFill>
+              <a:srgbClr val="92D050"/>
+            </a:solidFill>
+          </p:spPr>
+          <p:style>
+            <a:lnRef idx="2">
+              <a:schemeClr val="accent1">
+                <a:shade val="50000"/>
+              </a:schemeClr>
+            </a:lnRef>
+            <a:fillRef idx="1">
+              <a:schemeClr val="accent1"/>
+            </a:fillRef>
+            <a:effectRef idx="0">
+              <a:schemeClr val="accent1"/>
+            </a:effectRef>
+            <a:fontRef idx="minor">
+              <a:schemeClr val="lt1"/>
+            </a:fontRef>
+          </p:style>
+          <p:txBody>
+            <a:bodyPr rtlCol="0" anchor="ctr"/>
+            <a:lstStyle/>
+            <a:p>
+              <a:pPr algn="ctr"/>
+              <a:endParaRPr lang="zh-TW" altLang="en-US"/>
+            </a:p>
+          </p:txBody>
+        </p:sp>
+        <p:sp>
+          <p:nvSpPr>
+            <p:cNvPr id="50" name="矩形 49">
+              <a:extLst>
+                <a:ext uri="{FF2B5EF4-FFF2-40B4-BE49-F238E27FC236}">
+                  <a16:creationId xmlns:a16="http://schemas.microsoft.com/office/drawing/2014/main" id="{27B6A8B8-6408-4C00-8EFA-2500D27EB43D}"/>
+                </a:ext>
+              </a:extLst>
+            </p:cNvPr>
+            <p:cNvSpPr/>
+            <p:nvPr/>
+          </p:nvSpPr>
+          <p:spPr>
+            <a:xfrm>
+              <a:off x="1286540" y="3975248"/>
+              <a:ext cx="448340" cy="448340"/>
+            </a:xfrm>
+            <a:prstGeom prst="rect">
+              <a:avLst/>
+            </a:prstGeom>
+            <a:solidFill>
+              <a:srgbClr val="92D050"/>
+            </a:solidFill>
+          </p:spPr>
+          <p:style>
+            <a:lnRef idx="2">
+              <a:schemeClr val="accent1">
+                <a:shade val="50000"/>
+              </a:schemeClr>
+            </a:lnRef>
+            <a:fillRef idx="1">
+              <a:schemeClr val="accent1"/>
+            </a:fillRef>
+            <a:effectRef idx="0">
+              <a:schemeClr val="accent1"/>
+            </a:effectRef>
+            <a:fontRef idx="minor">
+              <a:schemeClr val="lt1"/>
+            </a:fontRef>
+          </p:style>
+          <p:txBody>
+            <a:bodyPr rtlCol="0" anchor="ctr"/>
+            <a:lstStyle/>
+            <a:p>
+              <a:pPr algn="ctr"/>
+              <a:endParaRPr lang="zh-TW" altLang="en-US"/>
+            </a:p>
+          </p:txBody>
+        </p:sp>
+        <p:sp>
+          <p:nvSpPr>
+            <p:cNvPr id="51" name="矩形 50">
+              <a:extLst>
+                <a:ext uri="{FF2B5EF4-FFF2-40B4-BE49-F238E27FC236}">
+                  <a16:creationId xmlns:a16="http://schemas.microsoft.com/office/drawing/2014/main" id="{2B1D5443-6589-4D88-B7C7-10DF9B380BE5}"/>
+                </a:ext>
+              </a:extLst>
+            </p:cNvPr>
+            <p:cNvSpPr/>
+            <p:nvPr/>
+          </p:nvSpPr>
+          <p:spPr>
+            <a:xfrm>
+              <a:off x="1734880" y="3975248"/>
+              <a:ext cx="448340" cy="448340"/>
+            </a:xfrm>
+            <a:prstGeom prst="rect">
+              <a:avLst/>
+            </a:prstGeom>
+            <a:solidFill>
+              <a:srgbClr val="92D050"/>
+            </a:solidFill>
+          </p:spPr>
+          <p:style>
+            <a:lnRef idx="2">
+              <a:schemeClr val="accent1">
+                <a:shade val="50000"/>
+              </a:schemeClr>
+            </a:lnRef>
+            <a:fillRef idx="1">
+              <a:schemeClr val="accent1"/>
+            </a:fillRef>
+            <a:effectRef idx="0">
+              <a:schemeClr val="accent1"/>
+            </a:effectRef>
+            <a:fontRef idx="minor">
+              <a:schemeClr val="lt1"/>
+            </a:fontRef>
+          </p:style>
+          <p:txBody>
+            <a:bodyPr rtlCol="0" anchor="ctr"/>
+            <a:lstStyle/>
+            <a:p>
+              <a:pPr algn="ctr"/>
+              <a:endParaRPr lang="zh-TW" altLang="en-US"/>
+            </a:p>
+          </p:txBody>
+        </p:sp>
+        <p:sp>
+          <p:nvSpPr>
+            <p:cNvPr id="52" name="矩形 51">
+              <a:extLst>
+                <a:ext uri="{FF2B5EF4-FFF2-40B4-BE49-F238E27FC236}">
+                  <a16:creationId xmlns:a16="http://schemas.microsoft.com/office/drawing/2014/main" id="{73CF77DD-4F6A-46D3-ADEE-FB05B20E0E53}"/>
+                </a:ext>
+              </a:extLst>
+            </p:cNvPr>
+            <p:cNvSpPr/>
+            <p:nvPr/>
+          </p:nvSpPr>
+          <p:spPr>
+            <a:xfrm>
+              <a:off x="2183220" y="3975248"/>
+              <a:ext cx="448340" cy="448340"/>
+            </a:xfrm>
+            <a:prstGeom prst="rect">
+              <a:avLst/>
+            </a:prstGeom>
+            <a:solidFill>
+              <a:srgbClr val="92D050"/>
+            </a:solidFill>
+          </p:spPr>
+          <p:style>
+            <a:lnRef idx="2">
+              <a:schemeClr val="accent1">
+                <a:shade val="50000"/>
+              </a:schemeClr>
+            </a:lnRef>
+            <a:fillRef idx="1">
+              <a:schemeClr val="accent1"/>
+            </a:fillRef>
+            <a:effectRef idx="0">
+              <a:schemeClr val="accent1"/>
+            </a:effectRef>
+            <a:fontRef idx="minor">
+              <a:schemeClr val="lt1"/>
+            </a:fontRef>
+          </p:style>
+          <p:txBody>
+            <a:bodyPr rtlCol="0" anchor="ctr"/>
+            <a:lstStyle/>
+            <a:p>
+              <a:pPr algn="ctr"/>
+              <a:endParaRPr lang="zh-TW" altLang="en-US"/>
+            </a:p>
+          </p:txBody>
+        </p:sp>
+        <p:sp>
+          <p:nvSpPr>
+            <p:cNvPr id="53" name="矩形 52">
+              <a:extLst>
+                <a:ext uri="{FF2B5EF4-FFF2-40B4-BE49-F238E27FC236}">
+                  <a16:creationId xmlns:a16="http://schemas.microsoft.com/office/drawing/2014/main" id="{68B6A46E-59DC-497F-BD61-D0F367C38962}"/>
+                </a:ext>
+              </a:extLst>
+            </p:cNvPr>
+            <p:cNvSpPr/>
+            <p:nvPr/>
+          </p:nvSpPr>
+          <p:spPr>
+            <a:xfrm>
+              <a:off x="2631560" y="3975248"/>
+              <a:ext cx="448340" cy="448340"/>
+            </a:xfrm>
+            <a:prstGeom prst="rect">
+              <a:avLst/>
+            </a:prstGeom>
+            <a:solidFill>
+              <a:srgbClr val="92D050"/>
+            </a:solidFill>
+          </p:spPr>
+          <p:style>
+            <a:lnRef idx="2">
+              <a:schemeClr val="accent1">
+                <a:shade val="50000"/>
+              </a:schemeClr>
+            </a:lnRef>
+            <a:fillRef idx="1">
+              <a:schemeClr val="accent1"/>
+            </a:fillRef>
+            <a:effectRef idx="0">
+              <a:schemeClr val="accent1"/>
+            </a:effectRef>
+            <a:fontRef idx="minor">
+              <a:schemeClr val="lt1"/>
+            </a:fontRef>
+          </p:style>
+          <p:txBody>
+            <a:bodyPr rtlCol="0" anchor="ctr"/>
+            <a:lstStyle/>
+            <a:p>
+              <a:pPr algn="ctr"/>
+              <a:endParaRPr lang="zh-TW" altLang="en-US"/>
+            </a:p>
+          </p:txBody>
+        </p:sp>
+        <p:sp>
+          <p:nvSpPr>
+            <p:cNvPr id="54" name="矩形 53">
+              <a:extLst>
+                <a:ext uri="{FF2B5EF4-FFF2-40B4-BE49-F238E27FC236}">
+                  <a16:creationId xmlns:a16="http://schemas.microsoft.com/office/drawing/2014/main" id="{3822E351-294C-4092-90C7-8FF5F1F3F2C4}"/>
+                </a:ext>
+              </a:extLst>
+            </p:cNvPr>
+            <p:cNvSpPr/>
+            <p:nvPr/>
+          </p:nvSpPr>
+          <p:spPr>
+            <a:xfrm>
+              <a:off x="3079900" y="3975248"/>
+              <a:ext cx="448340" cy="448340"/>
+            </a:xfrm>
+            <a:prstGeom prst="rect">
+              <a:avLst/>
+            </a:prstGeom>
+            <a:solidFill>
+              <a:srgbClr val="92D050"/>
+            </a:solidFill>
+          </p:spPr>
+          <p:style>
+            <a:lnRef idx="2">
+              <a:schemeClr val="accent1">
+                <a:shade val="50000"/>
+              </a:schemeClr>
+            </a:lnRef>
+            <a:fillRef idx="1">
+              <a:schemeClr val="accent1"/>
+            </a:fillRef>
+            <a:effectRef idx="0">
+              <a:schemeClr val="accent1"/>
+            </a:effectRef>
+            <a:fontRef idx="minor">
+              <a:schemeClr val="lt1"/>
+            </a:fontRef>
+          </p:style>
+          <p:txBody>
+            <a:bodyPr rtlCol="0" anchor="ctr"/>
+            <a:lstStyle/>
+            <a:p>
+              <a:pPr algn="ctr"/>
+              <a:endParaRPr lang="zh-TW" altLang="en-US"/>
+            </a:p>
+          </p:txBody>
+        </p:sp>
+        <p:sp>
+          <p:nvSpPr>
+            <p:cNvPr id="55" name="矩形 54">
+              <a:extLst>
+                <a:ext uri="{FF2B5EF4-FFF2-40B4-BE49-F238E27FC236}">
+                  <a16:creationId xmlns:a16="http://schemas.microsoft.com/office/drawing/2014/main" id="{1F9BB824-0802-4879-ACA8-FCDEF54BDCFF}"/>
+                </a:ext>
+              </a:extLst>
+            </p:cNvPr>
+            <p:cNvSpPr/>
+            <p:nvPr/>
+          </p:nvSpPr>
+          <p:spPr>
+            <a:xfrm>
+              <a:off x="3528240" y="3975248"/>
+              <a:ext cx="448340" cy="448340"/>
+            </a:xfrm>
+            <a:prstGeom prst="rect">
+              <a:avLst/>
+            </a:prstGeom>
+            <a:solidFill>
+              <a:srgbClr val="92D050"/>
+            </a:solidFill>
+          </p:spPr>
+          <p:style>
+            <a:lnRef idx="2">
+              <a:schemeClr val="accent1">
+                <a:shade val="50000"/>
+              </a:schemeClr>
+            </a:lnRef>
+            <a:fillRef idx="1">
+              <a:schemeClr val="accent1"/>
+            </a:fillRef>
+            <a:effectRef idx="0">
+              <a:schemeClr val="accent1"/>
+            </a:effectRef>
+            <a:fontRef idx="minor">
+              <a:schemeClr val="lt1"/>
+            </a:fontRef>
+          </p:style>
+          <p:txBody>
+            <a:bodyPr rtlCol="0" anchor="ctr"/>
+            <a:lstStyle/>
+            <a:p>
+              <a:pPr algn="ctr"/>
+              <a:endParaRPr lang="zh-TW" altLang="en-US"/>
+            </a:p>
+          </p:txBody>
+        </p:sp>
+        <p:sp>
+          <p:nvSpPr>
+            <p:cNvPr id="56" name="矩形 55">
+              <a:extLst>
+                <a:ext uri="{FF2B5EF4-FFF2-40B4-BE49-F238E27FC236}">
+                  <a16:creationId xmlns:a16="http://schemas.microsoft.com/office/drawing/2014/main" id="{8A6FD9EE-E87E-48A4-AFA2-76E5DC199C54}"/>
+                </a:ext>
+              </a:extLst>
+            </p:cNvPr>
+            <p:cNvSpPr/>
+            <p:nvPr/>
+          </p:nvSpPr>
+          <p:spPr>
+            <a:xfrm>
+              <a:off x="3976580" y="3975248"/>
+              <a:ext cx="448340" cy="448340"/>
+            </a:xfrm>
+            <a:prstGeom prst="rect">
+              <a:avLst/>
+            </a:prstGeom>
+            <a:solidFill>
+              <a:srgbClr val="92D050"/>
+            </a:solidFill>
+            <a:ln w="28575">
+              <a:solidFill>
+                <a:srgbClr val="FF0000"/>
+              </a:solidFill>
+            </a:ln>
+          </p:spPr>
+          <p:style>
+            <a:lnRef idx="2">
+              <a:schemeClr val="accent1">
+                <a:shade val="50000"/>
+              </a:schemeClr>
+            </a:lnRef>
+            <a:fillRef idx="1">
+              <a:schemeClr val="accent1"/>
+            </a:fillRef>
+            <a:effectRef idx="0">
+              <a:schemeClr val="accent1"/>
+            </a:effectRef>
+            <a:fontRef idx="minor">
+              <a:schemeClr val="lt1"/>
+            </a:fontRef>
+          </p:style>
+          <p:txBody>
+            <a:bodyPr rtlCol="0" anchor="ctr"/>
+            <a:lstStyle/>
+            <a:p>
+              <a:pPr algn="ctr"/>
+              <a:endParaRPr lang="zh-TW" altLang="en-US"/>
+            </a:p>
+          </p:txBody>
+        </p:sp>
+      </p:grpSp>
+      <p:grpSp>
+        <p:nvGrpSpPr>
+          <p:cNvPr id="82" name="群組 81">
+            <a:extLst>
+              <a:ext uri="{FF2B5EF4-FFF2-40B4-BE49-F238E27FC236}">
+                <a16:creationId xmlns:a16="http://schemas.microsoft.com/office/drawing/2014/main" id="{910F4D1A-D51F-4739-8F58-C4BE4B0BCCCD}"/>
+              </a:ext>
+            </a:extLst>
+          </p:cNvPr>
+          <p:cNvGrpSpPr/>
+          <p:nvPr/>
+        </p:nvGrpSpPr>
+        <p:grpSpPr>
+          <a:xfrm>
+            <a:off x="956279" y="4263870"/>
+            <a:ext cx="3138380" cy="448340"/>
+            <a:chOff x="838200" y="3975248"/>
+            <a:chExt cx="3138380" cy="448340"/>
+          </a:xfrm>
+          <a:solidFill>
+            <a:schemeClr val="bg2"/>
+          </a:solidFill>
+        </p:grpSpPr>
+        <p:sp>
+          <p:nvSpPr>
+            <p:cNvPr id="83" name="矩形 82">
+              <a:extLst>
+                <a:ext uri="{FF2B5EF4-FFF2-40B4-BE49-F238E27FC236}">
+                  <a16:creationId xmlns:a16="http://schemas.microsoft.com/office/drawing/2014/main" id="{78FD382A-879C-47C9-A54C-EAD713D15A64}"/>
+                </a:ext>
+              </a:extLst>
+            </p:cNvPr>
+            <p:cNvSpPr/>
+            <p:nvPr/>
+          </p:nvSpPr>
+          <p:spPr>
+            <a:xfrm>
+              <a:off x="838200" y="3975248"/>
+              <a:ext cx="448340" cy="448340"/>
+            </a:xfrm>
+            <a:prstGeom prst="rect">
+              <a:avLst/>
+            </a:prstGeom>
+            <a:grpFill/>
+          </p:spPr>
+          <p:style>
+            <a:lnRef idx="2">
+              <a:schemeClr val="accent1">
+                <a:shade val="50000"/>
+              </a:schemeClr>
+            </a:lnRef>
+            <a:fillRef idx="1">
+              <a:schemeClr val="accent1"/>
+            </a:fillRef>
+            <a:effectRef idx="0">
+              <a:schemeClr val="accent1"/>
+            </a:effectRef>
+            <a:fontRef idx="minor">
+              <a:schemeClr val="lt1"/>
+            </a:fontRef>
+          </p:style>
+          <p:txBody>
+            <a:bodyPr rtlCol="0" anchor="ctr"/>
+            <a:lstStyle/>
+            <a:p>
+              <a:pPr algn="ctr"/>
+              <a:endParaRPr lang="zh-TW" altLang="en-US"/>
+            </a:p>
+          </p:txBody>
+        </p:sp>
+        <p:sp>
+          <p:nvSpPr>
+            <p:cNvPr id="84" name="矩形 83">
+              <a:extLst>
+                <a:ext uri="{FF2B5EF4-FFF2-40B4-BE49-F238E27FC236}">
+                  <a16:creationId xmlns:a16="http://schemas.microsoft.com/office/drawing/2014/main" id="{10A99846-0DD0-4103-8F2F-F3C171A37C3E}"/>
+                </a:ext>
+              </a:extLst>
+            </p:cNvPr>
+            <p:cNvSpPr/>
+            <p:nvPr/>
+          </p:nvSpPr>
+          <p:spPr>
+            <a:xfrm>
+              <a:off x="1286540" y="3975248"/>
+              <a:ext cx="448340" cy="448340"/>
+            </a:xfrm>
+            <a:prstGeom prst="rect">
+              <a:avLst/>
+            </a:prstGeom>
+            <a:grpFill/>
+          </p:spPr>
+          <p:style>
+            <a:lnRef idx="2">
+              <a:schemeClr val="accent1">
+                <a:shade val="50000"/>
+              </a:schemeClr>
+            </a:lnRef>
+            <a:fillRef idx="1">
+              <a:schemeClr val="accent1"/>
+            </a:fillRef>
+            <a:effectRef idx="0">
+              <a:schemeClr val="accent1"/>
+            </a:effectRef>
+            <a:fontRef idx="minor">
+              <a:schemeClr val="lt1"/>
+            </a:fontRef>
+          </p:style>
+          <p:txBody>
+            <a:bodyPr rtlCol="0" anchor="ctr"/>
+            <a:lstStyle/>
+            <a:p>
+              <a:pPr algn="ctr"/>
+              <a:endParaRPr lang="zh-TW" altLang="en-US"/>
+            </a:p>
+          </p:txBody>
+        </p:sp>
+        <p:sp>
+          <p:nvSpPr>
+            <p:cNvPr id="125" name="矩形 124">
+              <a:extLst>
+                <a:ext uri="{FF2B5EF4-FFF2-40B4-BE49-F238E27FC236}">
+                  <a16:creationId xmlns:a16="http://schemas.microsoft.com/office/drawing/2014/main" id="{E7F7E688-4D50-41EE-A67D-1D385ED5734C}"/>
+                </a:ext>
+              </a:extLst>
+            </p:cNvPr>
+            <p:cNvSpPr/>
+            <p:nvPr/>
+          </p:nvSpPr>
+          <p:spPr>
+            <a:xfrm>
+              <a:off x="1734880" y="3975248"/>
+              <a:ext cx="448340" cy="448340"/>
+            </a:xfrm>
+            <a:prstGeom prst="rect">
+              <a:avLst/>
+            </a:prstGeom>
+            <a:grpFill/>
+          </p:spPr>
+          <p:style>
+            <a:lnRef idx="2">
+              <a:schemeClr val="accent1">
+                <a:shade val="50000"/>
+              </a:schemeClr>
+            </a:lnRef>
+            <a:fillRef idx="1">
+              <a:schemeClr val="accent1"/>
+            </a:fillRef>
+            <a:effectRef idx="0">
+              <a:schemeClr val="accent1"/>
+            </a:effectRef>
+            <a:fontRef idx="minor">
+              <a:schemeClr val="lt1"/>
+            </a:fontRef>
+          </p:style>
+          <p:txBody>
+            <a:bodyPr rtlCol="0" anchor="ctr"/>
+            <a:lstStyle/>
+            <a:p>
+              <a:pPr algn="ctr"/>
+              <a:endParaRPr lang="zh-TW" altLang="en-US"/>
+            </a:p>
+          </p:txBody>
+        </p:sp>
+        <p:sp>
+          <p:nvSpPr>
+            <p:cNvPr id="128" name="矩形 127">
+              <a:extLst>
+                <a:ext uri="{FF2B5EF4-FFF2-40B4-BE49-F238E27FC236}">
+                  <a16:creationId xmlns:a16="http://schemas.microsoft.com/office/drawing/2014/main" id="{7CB7E820-E6D7-441E-8442-BEEBD77D8385}"/>
+                </a:ext>
+              </a:extLst>
+            </p:cNvPr>
+            <p:cNvSpPr/>
+            <p:nvPr/>
+          </p:nvSpPr>
+          <p:spPr>
+            <a:xfrm>
+              <a:off x="2183220" y="3975248"/>
+              <a:ext cx="448340" cy="448340"/>
+            </a:xfrm>
+            <a:prstGeom prst="rect">
+              <a:avLst/>
+            </a:prstGeom>
+            <a:grpFill/>
+          </p:spPr>
+          <p:style>
+            <a:lnRef idx="2">
+              <a:schemeClr val="accent1">
+                <a:shade val="50000"/>
+              </a:schemeClr>
+            </a:lnRef>
+            <a:fillRef idx="1">
+              <a:schemeClr val="accent1"/>
+            </a:fillRef>
+            <a:effectRef idx="0">
+              <a:schemeClr val="accent1"/>
+            </a:effectRef>
+            <a:fontRef idx="minor">
+              <a:schemeClr val="lt1"/>
+            </a:fontRef>
+          </p:style>
+          <p:txBody>
+            <a:bodyPr rtlCol="0" anchor="ctr"/>
+            <a:lstStyle/>
+            <a:p>
+              <a:pPr algn="ctr"/>
+              <a:endParaRPr lang="zh-TW" altLang="en-US"/>
+            </a:p>
+          </p:txBody>
+        </p:sp>
+        <p:sp>
+          <p:nvSpPr>
+            <p:cNvPr id="129" name="矩形 128">
+              <a:extLst>
+                <a:ext uri="{FF2B5EF4-FFF2-40B4-BE49-F238E27FC236}">
+                  <a16:creationId xmlns:a16="http://schemas.microsoft.com/office/drawing/2014/main" id="{6264DA89-AC40-4F63-A515-FF58B5C0EEDF}"/>
+                </a:ext>
+              </a:extLst>
+            </p:cNvPr>
+            <p:cNvSpPr/>
+            <p:nvPr/>
+          </p:nvSpPr>
+          <p:spPr>
+            <a:xfrm>
+              <a:off x="2631560" y="3975248"/>
+              <a:ext cx="448340" cy="448340"/>
+            </a:xfrm>
+            <a:prstGeom prst="rect">
+              <a:avLst/>
+            </a:prstGeom>
+            <a:grpFill/>
+          </p:spPr>
+          <p:style>
+            <a:lnRef idx="2">
+              <a:schemeClr val="accent1">
+                <a:shade val="50000"/>
+              </a:schemeClr>
+            </a:lnRef>
+            <a:fillRef idx="1">
+              <a:schemeClr val="accent1"/>
+            </a:fillRef>
+            <a:effectRef idx="0">
+              <a:schemeClr val="accent1"/>
+            </a:effectRef>
+            <a:fontRef idx="minor">
+              <a:schemeClr val="lt1"/>
+            </a:fontRef>
+          </p:style>
+          <p:txBody>
+            <a:bodyPr rtlCol="0" anchor="ctr"/>
+            <a:lstStyle/>
+            <a:p>
+              <a:pPr algn="ctr"/>
+              <a:endParaRPr lang="zh-TW" altLang="en-US"/>
+            </a:p>
+          </p:txBody>
+        </p:sp>
+        <p:sp>
+          <p:nvSpPr>
+            <p:cNvPr id="130" name="矩形 129">
+              <a:extLst>
+                <a:ext uri="{FF2B5EF4-FFF2-40B4-BE49-F238E27FC236}">
+                  <a16:creationId xmlns:a16="http://schemas.microsoft.com/office/drawing/2014/main" id="{DEF1E03A-F380-46E0-A6E0-18411AC43CEF}"/>
+                </a:ext>
+              </a:extLst>
+            </p:cNvPr>
+            <p:cNvSpPr/>
+            <p:nvPr/>
+          </p:nvSpPr>
+          <p:spPr>
+            <a:xfrm>
+              <a:off x="3079900" y="3975248"/>
+              <a:ext cx="448340" cy="448340"/>
+            </a:xfrm>
+            <a:prstGeom prst="rect">
+              <a:avLst/>
+            </a:prstGeom>
+            <a:grpFill/>
+          </p:spPr>
+          <p:style>
+            <a:lnRef idx="2">
+              <a:schemeClr val="accent1">
+                <a:shade val="50000"/>
+              </a:schemeClr>
+            </a:lnRef>
+            <a:fillRef idx="1">
+              <a:schemeClr val="accent1"/>
+            </a:fillRef>
+            <a:effectRef idx="0">
+              <a:schemeClr val="accent1"/>
+            </a:effectRef>
+            <a:fontRef idx="minor">
+              <a:schemeClr val="lt1"/>
+            </a:fontRef>
+          </p:style>
+          <p:txBody>
+            <a:bodyPr rtlCol="0" anchor="ctr"/>
+            <a:lstStyle/>
+            <a:p>
+              <a:pPr algn="ctr"/>
+              <a:endParaRPr lang="zh-TW" altLang="en-US"/>
+            </a:p>
+          </p:txBody>
+        </p:sp>
+        <p:sp>
+          <p:nvSpPr>
+            <p:cNvPr id="131" name="矩形 130">
+              <a:extLst>
+                <a:ext uri="{FF2B5EF4-FFF2-40B4-BE49-F238E27FC236}">
+                  <a16:creationId xmlns:a16="http://schemas.microsoft.com/office/drawing/2014/main" id="{96E50B19-263D-40FC-88EB-0F990037FCCA}"/>
+                </a:ext>
+              </a:extLst>
+            </p:cNvPr>
+            <p:cNvSpPr/>
+            <p:nvPr/>
+          </p:nvSpPr>
+          <p:spPr>
+            <a:xfrm>
+              <a:off x="3528240" y="3975248"/>
+              <a:ext cx="448340" cy="448340"/>
+            </a:xfrm>
+            <a:prstGeom prst="rect">
+              <a:avLst/>
+            </a:prstGeom>
+            <a:grpFill/>
+          </p:spPr>
+          <p:style>
+            <a:lnRef idx="2">
+              <a:schemeClr val="accent1">
+                <a:shade val="50000"/>
+              </a:schemeClr>
+            </a:lnRef>
+            <a:fillRef idx="1">
+              <a:schemeClr val="accent1"/>
+            </a:fillRef>
+            <a:effectRef idx="0">
+              <a:schemeClr val="accent1"/>
+            </a:effectRef>
+            <a:fontRef idx="minor">
+              <a:schemeClr val="lt1"/>
+            </a:fontRef>
+          </p:style>
+          <p:txBody>
+            <a:bodyPr rtlCol="0" anchor="ctr"/>
+            <a:lstStyle/>
+            <a:p>
+              <a:pPr algn="ctr"/>
+              <a:endParaRPr lang="zh-TW" altLang="en-US"/>
+            </a:p>
+          </p:txBody>
+        </p:sp>
+      </p:grpSp>
+      <p:cxnSp>
+        <p:nvCxnSpPr>
+          <p:cNvPr id="23" name="接點: 弧形 22">
+            <a:extLst>
+              <a:ext uri="{FF2B5EF4-FFF2-40B4-BE49-F238E27FC236}">
+                <a16:creationId xmlns:a16="http://schemas.microsoft.com/office/drawing/2014/main" id="{B8642DB1-9E86-48BE-AD3F-07E62C9930EB}"/>
+              </a:ext>
+            </a:extLst>
+          </p:cNvPr>
+          <p:cNvCxnSpPr>
+            <a:stCxn id="56" idx="2"/>
+            <a:endCxn id="55" idx="2"/>
+          </p:cNvCxnSpPr>
+          <p:nvPr/>
+        </p:nvCxnSpPr>
+        <p:spPr>
+          <a:xfrm rot="5400000">
+            <a:off x="3864139" y="3627551"/>
+            <a:ext cx="12700" cy="448340"/>
+          </a:xfrm>
+          <a:prstGeom prst="curvedConnector3">
+            <a:avLst>
+              <a:gd name="adj1" fmla="val 1800000"/>
+            </a:avLst>
+          </a:prstGeom>
+          <a:ln>
+            <a:tailEnd type="triangle"/>
+          </a:ln>
+        </p:spPr>
+        <p:style>
+          <a:lnRef idx="1">
+            <a:schemeClr val="accent1"/>
+          </a:lnRef>
+          <a:fillRef idx="0">
+            <a:schemeClr val="accent1"/>
+          </a:fillRef>
+          <a:effectRef idx="0">
+            <a:schemeClr val="accent1"/>
+          </a:effectRef>
+          <a:fontRef idx="minor">
+            <a:schemeClr val="tx1"/>
+          </a:fontRef>
+        </p:style>
+      </p:cxnSp>
+      <p:cxnSp>
+        <p:nvCxnSpPr>
+          <p:cNvPr id="133" name="接點: 弧形 132">
+            <a:extLst>
+              <a:ext uri="{FF2B5EF4-FFF2-40B4-BE49-F238E27FC236}">
+                <a16:creationId xmlns:a16="http://schemas.microsoft.com/office/drawing/2014/main" id="{9F0911EE-C8EC-421A-908E-376026C7F538}"/>
+              </a:ext>
+            </a:extLst>
+          </p:cNvPr>
+          <p:cNvCxnSpPr>
+            <a:cxnSpLocks/>
+            <a:stCxn id="54" idx="2"/>
+            <a:endCxn id="53" idx="2"/>
+          </p:cNvCxnSpPr>
+          <p:nvPr/>
+        </p:nvCxnSpPr>
+        <p:spPr>
+          <a:xfrm rot="5400000">
+            <a:off x="2967459" y="3627551"/>
+            <a:ext cx="12700" cy="448340"/>
+          </a:xfrm>
+          <a:prstGeom prst="curvedConnector3">
+            <a:avLst>
+              <a:gd name="adj1" fmla="val 1800000"/>
+            </a:avLst>
+          </a:prstGeom>
+          <a:ln>
+            <a:tailEnd type="triangle"/>
+          </a:ln>
+        </p:spPr>
+        <p:style>
+          <a:lnRef idx="1">
+            <a:schemeClr val="accent1"/>
+          </a:lnRef>
+          <a:fillRef idx="0">
+            <a:schemeClr val="accent1"/>
+          </a:fillRef>
+          <a:effectRef idx="0">
+            <a:schemeClr val="accent1"/>
+          </a:effectRef>
+          <a:fontRef idx="minor">
+            <a:schemeClr val="tx1"/>
+          </a:fontRef>
+        </p:style>
+      </p:cxnSp>
+      <p:cxnSp>
+        <p:nvCxnSpPr>
+          <p:cNvPr id="134" name="接點: 弧形 133">
+            <a:extLst>
+              <a:ext uri="{FF2B5EF4-FFF2-40B4-BE49-F238E27FC236}">
+                <a16:creationId xmlns:a16="http://schemas.microsoft.com/office/drawing/2014/main" id="{CDCDFC9F-EB68-42D6-BE89-EB6DC0184336}"/>
+              </a:ext>
+            </a:extLst>
+          </p:cNvPr>
+          <p:cNvCxnSpPr>
+            <a:cxnSpLocks/>
+            <a:stCxn id="55" idx="2"/>
+            <a:endCxn id="54" idx="2"/>
+          </p:cNvCxnSpPr>
+          <p:nvPr/>
+        </p:nvCxnSpPr>
+        <p:spPr>
+          <a:xfrm rot="5400000">
+            <a:off x="3415799" y="3627551"/>
+            <a:ext cx="12700" cy="448340"/>
+          </a:xfrm>
+          <a:prstGeom prst="curvedConnector3">
+            <a:avLst>
+              <a:gd name="adj1" fmla="val 1800000"/>
+            </a:avLst>
+          </a:prstGeom>
+          <a:ln>
+            <a:tailEnd type="triangle"/>
+          </a:ln>
+        </p:spPr>
+        <p:style>
+          <a:lnRef idx="1">
+            <a:schemeClr val="accent1"/>
+          </a:lnRef>
+          <a:fillRef idx="0">
+            <a:schemeClr val="accent1"/>
+          </a:fillRef>
+          <a:effectRef idx="0">
+            <a:schemeClr val="accent1"/>
+          </a:effectRef>
+          <a:fontRef idx="minor">
+            <a:schemeClr val="tx1"/>
+          </a:fontRef>
+        </p:style>
+      </p:cxnSp>
+      <p:cxnSp>
+        <p:nvCxnSpPr>
+          <p:cNvPr id="135" name="接點: 弧形 134">
+            <a:extLst>
+              <a:ext uri="{FF2B5EF4-FFF2-40B4-BE49-F238E27FC236}">
+                <a16:creationId xmlns:a16="http://schemas.microsoft.com/office/drawing/2014/main" id="{D278E5E8-4E86-45E7-8A6D-4CE6FE1475C7}"/>
+              </a:ext>
+            </a:extLst>
+          </p:cNvPr>
+          <p:cNvCxnSpPr>
+            <a:cxnSpLocks/>
+            <a:stCxn id="53" idx="2"/>
+            <a:endCxn id="52" idx="2"/>
+          </p:cNvCxnSpPr>
+          <p:nvPr/>
+        </p:nvCxnSpPr>
+        <p:spPr>
+          <a:xfrm rot="5400000">
+            <a:off x="2519119" y="3627551"/>
+            <a:ext cx="12700" cy="448340"/>
+          </a:xfrm>
+          <a:prstGeom prst="curvedConnector3">
+            <a:avLst>
+              <a:gd name="adj1" fmla="val 1800000"/>
+            </a:avLst>
+          </a:prstGeom>
+          <a:ln>
+            <a:tailEnd type="triangle"/>
+          </a:ln>
+        </p:spPr>
+        <p:style>
+          <a:lnRef idx="1">
+            <a:schemeClr val="accent1"/>
+          </a:lnRef>
+          <a:fillRef idx="0">
+            <a:schemeClr val="accent1"/>
+          </a:fillRef>
+          <a:effectRef idx="0">
+            <a:schemeClr val="accent1"/>
+          </a:effectRef>
+          <a:fontRef idx="minor">
+            <a:schemeClr val="tx1"/>
+          </a:fontRef>
+        </p:style>
+      </p:cxnSp>
+      <p:cxnSp>
+        <p:nvCxnSpPr>
+          <p:cNvPr id="136" name="接點: 弧形 135">
+            <a:extLst>
+              <a:ext uri="{FF2B5EF4-FFF2-40B4-BE49-F238E27FC236}">
+                <a16:creationId xmlns:a16="http://schemas.microsoft.com/office/drawing/2014/main" id="{C0DCFD92-F688-441D-9F2B-CE797132A6AD}"/>
+              </a:ext>
+            </a:extLst>
+          </p:cNvPr>
+          <p:cNvCxnSpPr>
+            <a:cxnSpLocks/>
+            <a:stCxn id="52" idx="2"/>
+            <a:endCxn id="51" idx="2"/>
+          </p:cNvCxnSpPr>
+          <p:nvPr/>
+        </p:nvCxnSpPr>
+        <p:spPr>
+          <a:xfrm rot="5400000">
+            <a:off x="2070779" y="3627551"/>
+            <a:ext cx="12700" cy="448340"/>
+          </a:xfrm>
+          <a:prstGeom prst="curvedConnector3">
+            <a:avLst>
+              <a:gd name="adj1" fmla="val 1800000"/>
+            </a:avLst>
+          </a:prstGeom>
+          <a:ln>
+            <a:tailEnd type="triangle"/>
+          </a:ln>
+        </p:spPr>
+        <p:style>
+          <a:lnRef idx="1">
+            <a:schemeClr val="accent1"/>
+          </a:lnRef>
+          <a:fillRef idx="0">
+            <a:schemeClr val="accent1"/>
+          </a:fillRef>
+          <a:effectRef idx="0">
+            <a:schemeClr val="accent1"/>
+          </a:effectRef>
+          <a:fontRef idx="minor">
+            <a:schemeClr val="tx1"/>
+          </a:fontRef>
+        </p:style>
+      </p:cxnSp>
+      <p:cxnSp>
+        <p:nvCxnSpPr>
+          <p:cNvPr id="137" name="接點: 弧形 136">
+            <a:extLst>
+              <a:ext uri="{FF2B5EF4-FFF2-40B4-BE49-F238E27FC236}">
+                <a16:creationId xmlns:a16="http://schemas.microsoft.com/office/drawing/2014/main" id="{943B28BB-A610-41E0-B4BA-6B285F13998A}"/>
+              </a:ext>
+            </a:extLst>
+          </p:cNvPr>
+          <p:cNvCxnSpPr>
+            <a:cxnSpLocks/>
+            <a:stCxn id="51" idx="2"/>
+            <a:endCxn id="50" idx="2"/>
+          </p:cNvCxnSpPr>
+          <p:nvPr/>
+        </p:nvCxnSpPr>
+        <p:spPr>
+          <a:xfrm rot="5400000">
+            <a:off x="1622439" y="3627551"/>
+            <a:ext cx="12700" cy="448340"/>
+          </a:xfrm>
+          <a:prstGeom prst="curvedConnector3">
+            <a:avLst>
+              <a:gd name="adj1" fmla="val 1800000"/>
+            </a:avLst>
+          </a:prstGeom>
+          <a:ln>
+            <a:tailEnd type="triangle"/>
+          </a:ln>
+        </p:spPr>
+        <p:style>
+          <a:lnRef idx="1">
+            <a:schemeClr val="accent1"/>
+          </a:lnRef>
+          <a:fillRef idx="0">
+            <a:schemeClr val="accent1"/>
+          </a:fillRef>
+          <a:effectRef idx="0">
+            <a:schemeClr val="accent1"/>
+          </a:effectRef>
+          <a:fontRef idx="minor">
+            <a:schemeClr val="tx1"/>
+          </a:fontRef>
+        </p:style>
+      </p:cxnSp>
+      <p:cxnSp>
+        <p:nvCxnSpPr>
+          <p:cNvPr id="138" name="接點: 弧形 137">
+            <a:extLst>
+              <a:ext uri="{FF2B5EF4-FFF2-40B4-BE49-F238E27FC236}">
+                <a16:creationId xmlns:a16="http://schemas.microsoft.com/office/drawing/2014/main" id="{3CDFDF45-826B-4222-B14D-ECF75CEBADC7}"/>
+              </a:ext>
+            </a:extLst>
+          </p:cNvPr>
+          <p:cNvCxnSpPr>
+            <a:cxnSpLocks/>
+            <a:stCxn id="50" idx="2"/>
+            <a:endCxn id="45" idx="2"/>
+          </p:cNvCxnSpPr>
+          <p:nvPr/>
+        </p:nvCxnSpPr>
+        <p:spPr>
+          <a:xfrm rot="5400000">
+            <a:off x="1174099" y="3627551"/>
+            <a:ext cx="12700" cy="448340"/>
+          </a:xfrm>
+          <a:prstGeom prst="curvedConnector3">
+            <a:avLst>
+              <a:gd name="adj1" fmla="val 1800000"/>
+            </a:avLst>
+          </a:prstGeom>
+          <a:ln>
+            <a:tailEnd type="triangle"/>
+          </a:ln>
+        </p:spPr>
+        <p:style>
+          <a:lnRef idx="1">
+            <a:schemeClr val="accent1"/>
+          </a:lnRef>
+          <a:fillRef idx="0">
+            <a:schemeClr val="accent1"/>
+          </a:fillRef>
+          <a:effectRef idx="0">
+            <a:schemeClr val="accent1"/>
+          </a:effectRef>
+          <a:fontRef idx="minor">
+            <a:schemeClr val="tx1"/>
+          </a:fontRef>
+        </p:style>
+      </p:cxnSp>
+      <p:sp>
+        <p:nvSpPr>
+          <p:cNvPr id="139" name="文字方塊 138">
+            <a:extLst>
+              <a:ext uri="{FF2B5EF4-FFF2-40B4-BE49-F238E27FC236}">
+                <a16:creationId xmlns:a16="http://schemas.microsoft.com/office/drawing/2014/main" id="{358D0138-755C-4334-B9A3-BA8197DB92B1}"/>
+              </a:ext>
+            </a:extLst>
+          </p:cNvPr>
+          <p:cNvSpPr txBox="1"/>
+          <p:nvPr/>
+        </p:nvSpPr>
+        <p:spPr>
+          <a:xfrm>
+            <a:off x="-21104" y="4303374"/>
+            <a:ext cx="862123" cy="369332"/>
+          </a:xfrm>
+          <a:prstGeom prst="rect">
+            <a:avLst/>
+          </a:prstGeom>
+          <a:noFill/>
+        </p:spPr>
+        <p:txBody>
+          <a:bodyPr wrap="square" rtlCol="0" anchor="ctr">
+            <a:spAutoFit/>
+          </a:bodyPr>
+          <a:lstStyle/>
+          <a:p>
+            <a:pPr algn="ctr"/>
+            <a:r>
+              <a:rPr lang="en-US" altLang="zh-TW" b="1" dirty="0"/>
+              <a:t>Speed</a:t>
+            </a:r>
+            <a:endParaRPr lang="zh-TW" altLang="en-US" b="1" dirty="0"/>
+          </a:p>
+        </p:txBody>
+      </p:sp>
+      <p:grpSp>
+        <p:nvGrpSpPr>
+          <p:cNvPr id="140" name="群組 139">
+            <a:extLst>
+              <a:ext uri="{FF2B5EF4-FFF2-40B4-BE49-F238E27FC236}">
+                <a16:creationId xmlns:a16="http://schemas.microsoft.com/office/drawing/2014/main" id="{071DF6B1-4FAC-4F1F-A723-29646016CF7E}"/>
+              </a:ext>
+            </a:extLst>
+          </p:cNvPr>
+          <p:cNvGrpSpPr/>
+          <p:nvPr/>
+        </p:nvGrpSpPr>
+        <p:grpSpPr>
+          <a:xfrm>
+            <a:off x="7426443" y="5077337"/>
+            <a:ext cx="3138380" cy="448340"/>
+            <a:chOff x="838200" y="3975248"/>
+            <a:chExt cx="3138380" cy="448340"/>
+          </a:xfrm>
+          <a:solidFill>
+            <a:schemeClr val="bg2"/>
+          </a:solidFill>
+        </p:grpSpPr>
+        <p:sp>
+          <p:nvSpPr>
+            <p:cNvPr id="141" name="矩形 140">
+              <a:extLst>
+                <a:ext uri="{FF2B5EF4-FFF2-40B4-BE49-F238E27FC236}">
+                  <a16:creationId xmlns:a16="http://schemas.microsoft.com/office/drawing/2014/main" id="{DF2CF0D2-CB84-4284-B081-0608297EB133}"/>
+                </a:ext>
+              </a:extLst>
+            </p:cNvPr>
+            <p:cNvSpPr/>
+            <p:nvPr/>
+          </p:nvSpPr>
+          <p:spPr>
+            <a:xfrm>
+              <a:off x="838200" y="3975248"/>
+              <a:ext cx="448340" cy="448340"/>
+            </a:xfrm>
+            <a:prstGeom prst="rect">
+              <a:avLst/>
+            </a:prstGeom>
+            <a:grpFill/>
+          </p:spPr>
+          <p:style>
+            <a:lnRef idx="2">
+              <a:schemeClr val="accent1">
+                <a:shade val="50000"/>
+              </a:schemeClr>
+            </a:lnRef>
+            <a:fillRef idx="1">
+              <a:schemeClr val="accent1"/>
+            </a:fillRef>
+            <a:effectRef idx="0">
+              <a:schemeClr val="accent1"/>
+            </a:effectRef>
+            <a:fontRef idx="minor">
+              <a:schemeClr val="lt1"/>
+            </a:fontRef>
+          </p:style>
+          <p:txBody>
+            <a:bodyPr rtlCol="0" anchor="ctr"/>
+            <a:lstStyle/>
+            <a:p>
+              <a:pPr algn="ctr"/>
+              <a:endParaRPr lang="zh-TW" altLang="en-US"/>
+            </a:p>
+          </p:txBody>
+        </p:sp>
+        <p:sp>
+          <p:nvSpPr>
+            <p:cNvPr id="142" name="矩形 141">
+              <a:extLst>
+                <a:ext uri="{FF2B5EF4-FFF2-40B4-BE49-F238E27FC236}">
+                  <a16:creationId xmlns:a16="http://schemas.microsoft.com/office/drawing/2014/main" id="{54176B48-A481-4E0D-92A3-860449981321}"/>
+                </a:ext>
+              </a:extLst>
+            </p:cNvPr>
+            <p:cNvSpPr/>
+            <p:nvPr/>
+          </p:nvSpPr>
+          <p:spPr>
+            <a:xfrm>
+              <a:off x="1286540" y="3975248"/>
+              <a:ext cx="448340" cy="448340"/>
+            </a:xfrm>
+            <a:prstGeom prst="rect">
+              <a:avLst/>
+            </a:prstGeom>
+            <a:grpFill/>
+          </p:spPr>
+          <p:style>
+            <a:lnRef idx="2">
+              <a:schemeClr val="accent1">
+                <a:shade val="50000"/>
+              </a:schemeClr>
+            </a:lnRef>
+            <a:fillRef idx="1">
+              <a:schemeClr val="accent1"/>
+            </a:fillRef>
+            <a:effectRef idx="0">
+              <a:schemeClr val="accent1"/>
+            </a:effectRef>
+            <a:fontRef idx="minor">
+              <a:schemeClr val="lt1"/>
+            </a:fontRef>
+          </p:style>
+          <p:txBody>
+            <a:bodyPr rtlCol="0" anchor="ctr"/>
+            <a:lstStyle/>
+            <a:p>
+              <a:pPr algn="ctr"/>
+              <a:endParaRPr lang="zh-TW" altLang="en-US"/>
+            </a:p>
+          </p:txBody>
+        </p:sp>
+        <p:sp>
+          <p:nvSpPr>
+            <p:cNvPr id="143" name="矩形 142">
+              <a:extLst>
+                <a:ext uri="{FF2B5EF4-FFF2-40B4-BE49-F238E27FC236}">
+                  <a16:creationId xmlns:a16="http://schemas.microsoft.com/office/drawing/2014/main" id="{C3E23E3E-42FF-4ABF-8133-F52AD4135F6D}"/>
+                </a:ext>
+              </a:extLst>
+            </p:cNvPr>
+            <p:cNvSpPr/>
+            <p:nvPr/>
+          </p:nvSpPr>
+          <p:spPr>
+            <a:xfrm>
+              <a:off x="1734880" y="3975248"/>
+              <a:ext cx="448340" cy="448340"/>
+            </a:xfrm>
+            <a:prstGeom prst="rect">
+              <a:avLst/>
+            </a:prstGeom>
+            <a:grpFill/>
+          </p:spPr>
+          <p:style>
+            <a:lnRef idx="2">
+              <a:schemeClr val="accent1">
+                <a:shade val="50000"/>
+              </a:schemeClr>
+            </a:lnRef>
+            <a:fillRef idx="1">
+              <a:schemeClr val="accent1"/>
+            </a:fillRef>
+            <a:effectRef idx="0">
+              <a:schemeClr val="accent1"/>
+            </a:effectRef>
+            <a:fontRef idx="minor">
+              <a:schemeClr val="lt1"/>
+            </a:fontRef>
+          </p:style>
+          <p:txBody>
+            <a:bodyPr rtlCol="0" anchor="ctr"/>
+            <a:lstStyle/>
+            <a:p>
+              <a:pPr algn="ctr"/>
+              <a:endParaRPr lang="zh-TW" altLang="en-US"/>
+            </a:p>
+          </p:txBody>
+        </p:sp>
+        <p:sp>
+          <p:nvSpPr>
+            <p:cNvPr id="144" name="矩形 143">
+              <a:extLst>
+                <a:ext uri="{FF2B5EF4-FFF2-40B4-BE49-F238E27FC236}">
+                  <a16:creationId xmlns:a16="http://schemas.microsoft.com/office/drawing/2014/main" id="{4DD08266-09E2-4826-8354-1FACEDE323F4}"/>
+                </a:ext>
+              </a:extLst>
+            </p:cNvPr>
+            <p:cNvSpPr/>
+            <p:nvPr/>
+          </p:nvSpPr>
+          <p:spPr>
+            <a:xfrm>
+              <a:off x="2183220" y="3975248"/>
+              <a:ext cx="448340" cy="448340"/>
+            </a:xfrm>
+            <a:prstGeom prst="rect">
+              <a:avLst/>
+            </a:prstGeom>
+            <a:grpFill/>
+          </p:spPr>
+          <p:style>
+            <a:lnRef idx="2">
+              <a:schemeClr val="accent1">
+                <a:shade val="50000"/>
+              </a:schemeClr>
+            </a:lnRef>
+            <a:fillRef idx="1">
+              <a:schemeClr val="accent1"/>
+            </a:fillRef>
+            <a:effectRef idx="0">
+              <a:schemeClr val="accent1"/>
+            </a:effectRef>
+            <a:fontRef idx="minor">
+              <a:schemeClr val="lt1"/>
+            </a:fontRef>
+          </p:style>
+          <p:txBody>
+            <a:bodyPr rtlCol="0" anchor="ctr"/>
+            <a:lstStyle/>
+            <a:p>
+              <a:pPr algn="ctr"/>
+              <a:endParaRPr lang="zh-TW" altLang="en-US"/>
+            </a:p>
+          </p:txBody>
+        </p:sp>
+        <p:sp>
+          <p:nvSpPr>
+            <p:cNvPr id="145" name="矩形 144">
+              <a:extLst>
+                <a:ext uri="{FF2B5EF4-FFF2-40B4-BE49-F238E27FC236}">
+                  <a16:creationId xmlns:a16="http://schemas.microsoft.com/office/drawing/2014/main" id="{0BAC6949-A3A1-4E4B-86DC-7EB802C86D2E}"/>
+                </a:ext>
+              </a:extLst>
+            </p:cNvPr>
+            <p:cNvSpPr/>
+            <p:nvPr/>
+          </p:nvSpPr>
+          <p:spPr>
+            <a:xfrm>
+              <a:off x="2631560" y="3975248"/>
+              <a:ext cx="448340" cy="448340"/>
+            </a:xfrm>
+            <a:prstGeom prst="rect">
+              <a:avLst/>
+            </a:prstGeom>
+            <a:grpFill/>
+          </p:spPr>
+          <p:style>
+            <a:lnRef idx="2">
+              <a:schemeClr val="accent1">
+                <a:shade val="50000"/>
+              </a:schemeClr>
+            </a:lnRef>
+            <a:fillRef idx="1">
+              <a:schemeClr val="accent1"/>
+            </a:fillRef>
+            <a:effectRef idx="0">
+              <a:schemeClr val="accent1"/>
+            </a:effectRef>
+            <a:fontRef idx="minor">
+              <a:schemeClr val="lt1"/>
+            </a:fontRef>
+          </p:style>
+          <p:txBody>
+            <a:bodyPr rtlCol="0" anchor="ctr"/>
+            <a:lstStyle/>
+            <a:p>
+              <a:pPr algn="ctr"/>
+              <a:endParaRPr lang="zh-TW" altLang="en-US"/>
+            </a:p>
+          </p:txBody>
+        </p:sp>
+        <p:sp>
+          <p:nvSpPr>
+            <p:cNvPr id="146" name="矩形 145">
+              <a:extLst>
+                <a:ext uri="{FF2B5EF4-FFF2-40B4-BE49-F238E27FC236}">
+                  <a16:creationId xmlns:a16="http://schemas.microsoft.com/office/drawing/2014/main" id="{80502B20-611B-40F1-BE90-2AFBE7F7521B}"/>
+                </a:ext>
+              </a:extLst>
+            </p:cNvPr>
+            <p:cNvSpPr/>
+            <p:nvPr/>
+          </p:nvSpPr>
+          <p:spPr>
+            <a:xfrm>
+              <a:off x="3079900" y="3975248"/>
+              <a:ext cx="448340" cy="448340"/>
+            </a:xfrm>
+            <a:prstGeom prst="rect">
+              <a:avLst/>
+            </a:prstGeom>
+            <a:grpFill/>
+          </p:spPr>
+          <p:style>
+            <a:lnRef idx="2">
+              <a:schemeClr val="accent1">
+                <a:shade val="50000"/>
+              </a:schemeClr>
+            </a:lnRef>
+            <a:fillRef idx="1">
+              <a:schemeClr val="accent1"/>
+            </a:fillRef>
+            <a:effectRef idx="0">
+              <a:schemeClr val="accent1"/>
+            </a:effectRef>
+            <a:fontRef idx="minor">
+              <a:schemeClr val="lt1"/>
+            </a:fontRef>
+          </p:style>
+          <p:txBody>
+            <a:bodyPr rtlCol="0" anchor="ctr"/>
+            <a:lstStyle/>
+            <a:p>
+              <a:pPr algn="ctr"/>
+              <a:endParaRPr lang="zh-TW" altLang="en-US"/>
+            </a:p>
+          </p:txBody>
+        </p:sp>
+        <p:sp>
+          <p:nvSpPr>
+            <p:cNvPr id="147" name="矩形 146">
+              <a:extLst>
+                <a:ext uri="{FF2B5EF4-FFF2-40B4-BE49-F238E27FC236}">
+                  <a16:creationId xmlns:a16="http://schemas.microsoft.com/office/drawing/2014/main" id="{350E5230-C050-490B-A042-374DBFB3901F}"/>
+                </a:ext>
+              </a:extLst>
+            </p:cNvPr>
+            <p:cNvSpPr/>
+            <p:nvPr/>
+          </p:nvSpPr>
+          <p:spPr>
+            <a:xfrm>
+              <a:off x="3528240" y="3975248"/>
+              <a:ext cx="448340" cy="448340"/>
+            </a:xfrm>
+            <a:prstGeom prst="rect">
+              <a:avLst/>
+            </a:prstGeom>
+            <a:grpFill/>
+          </p:spPr>
+          <p:style>
+            <a:lnRef idx="2">
+              <a:schemeClr val="accent1">
+                <a:shade val="50000"/>
+              </a:schemeClr>
+            </a:lnRef>
+            <a:fillRef idx="1">
+              <a:schemeClr val="accent1"/>
+            </a:fillRef>
+            <a:effectRef idx="0">
+              <a:schemeClr val="accent1"/>
+            </a:effectRef>
+            <a:fontRef idx="minor">
+              <a:schemeClr val="lt1"/>
+            </a:fontRef>
+          </p:style>
+          <p:txBody>
+            <a:bodyPr rtlCol="0" anchor="ctr"/>
+            <a:lstStyle/>
+            <a:p>
+              <a:pPr algn="ctr"/>
+              <a:endParaRPr lang="zh-TW" altLang="en-US"/>
+            </a:p>
+          </p:txBody>
+        </p:sp>
+      </p:grpSp>
+      <p:grpSp>
+        <p:nvGrpSpPr>
+          <p:cNvPr id="180" name="群組 179">
+            <a:extLst>
+              <a:ext uri="{FF2B5EF4-FFF2-40B4-BE49-F238E27FC236}">
+                <a16:creationId xmlns:a16="http://schemas.microsoft.com/office/drawing/2014/main" id="{F145C93F-32AF-4852-96F2-53F3A21746D8}"/>
+              </a:ext>
+            </a:extLst>
+          </p:cNvPr>
+          <p:cNvGrpSpPr/>
+          <p:nvPr/>
+        </p:nvGrpSpPr>
+        <p:grpSpPr>
+          <a:xfrm>
+            <a:off x="7209521" y="4164986"/>
+            <a:ext cx="3586720" cy="448340"/>
+            <a:chOff x="838200" y="3975248"/>
+            <a:chExt cx="3586720" cy="448340"/>
+          </a:xfrm>
+          <a:solidFill>
+            <a:schemeClr val="accent5">
+              <a:lumMod val="60000"/>
+              <a:lumOff val="40000"/>
+            </a:schemeClr>
+          </a:solidFill>
+        </p:grpSpPr>
+        <p:sp>
+          <p:nvSpPr>
+            <p:cNvPr id="181" name="矩形 180">
+              <a:extLst>
+                <a:ext uri="{FF2B5EF4-FFF2-40B4-BE49-F238E27FC236}">
+                  <a16:creationId xmlns:a16="http://schemas.microsoft.com/office/drawing/2014/main" id="{36167156-66F5-4DF6-80CA-25FFCFEB94A1}"/>
+                </a:ext>
+              </a:extLst>
+            </p:cNvPr>
+            <p:cNvSpPr/>
+            <p:nvPr/>
+          </p:nvSpPr>
+          <p:spPr>
+            <a:xfrm>
+              <a:off x="838200" y="3975248"/>
+              <a:ext cx="448340" cy="448340"/>
+            </a:xfrm>
+            <a:prstGeom prst="rect">
+              <a:avLst/>
+            </a:prstGeom>
+            <a:grpFill/>
+          </p:spPr>
+          <p:style>
+            <a:lnRef idx="2">
+              <a:schemeClr val="accent1">
+                <a:shade val="50000"/>
+              </a:schemeClr>
+            </a:lnRef>
+            <a:fillRef idx="1">
+              <a:schemeClr val="accent1"/>
+            </a:fillRef>
+            <a:effectRef idx="0">
+              <a:schemeClr val="accent1"/>
+            </a:effectRef>
+            <a:fontRef idx="minor">
+              <a:schemeClr val="lt1"/>
+            </a:fontRef>
+          </p:style>
+          <p:txBody>
+            <a:bodyPr rtlCol="0" anchor="ctr"/>
+            <a:lstStyle/>
+            <a:p>
+              <a:pPr algn="ctr"/>
+              <a:endParaRPr lang="zh-TW" altLang="en-US"/>
+            </a:p>
+          </p:txBody>
+        </p:sp>
+        <p:sp>
+          <p:nvSpPr>
+            <p:cNvPr id="182" name="矩形 181">
+              <a:extLst>
+                <a:ext uri="{FF2B5EF4-FFF2-40B4-BE49-F238E27FC236}">
+                  <a16:creationId xmlns:a16="http://schemas.microsoft.com/office/drawing/2014/main" id="{997057A4-E12D-46E8-A478-8FB504D0F695}"/>
+                </a:ext>
+              </a:extLst>
+            </p:cNvPr>
+            <p:cNvSpPr/>
+            <p:nvPr/>
+          </p:nvSpPr>
+          <p:spPr>
+            <a:xfrm>
+              <a:off x="1286540" y="3975248"/>
+              <a:ext cx="448340" cy="448340"/>
+            </a:xfrm>
+            <a:prstGeom prst="rect">
+              <a:avLst/>
+            </a:prstGeom>
+            <a:grpFill/>
+          </p:spPr>
+          <p:style>
+            <a:lnRef idx="2">
+              <a:schemeClr val="accent1">
+                <a:shade val="50000"/>
+              </a:schemeClr>
+            </a:lnRef>
+            <a:fillRef idx="1">
+              <a:schemeClr val="accent1"/>
+            </a:fillRef>
+            <a:effectRef idx="0">
+              <a:schemeClr val="accent1"/>
+            </a:effectRef>
+            <a:fontRef idx="minor">
+              <a:schemeClr val="lt1"/>
+            </a:fontRef>
+          </p:style>
+          <p:txBody>
+            <a:bodyPr rtlCol="0" anchor="ctr"/>
+            <a:lstStyle/>
+            <a:p>
+              <a:pPr algn="ctr"/>
+              <a:endParaRPr lang="zh-TW" altLang="en-US"/>
+            </a:p>
+          </p:txBody>
+        </p:sp>
+        <p:sp>
+          <p:nvSpPr>
+            <p:cNvPr id="183" name="矩形 182">
+              <a:extLst>
+                <a:ext uri="{FF2B5EF4-FFF2-40B4-BE49-F238E27FC236}">
+                  <a16:creationId xmlns:a16="http://schemas.microsoft.com/office/drawing/2014/main" id="{EE55A50A-A995-4A84-81D5-CAD6EDC2A352}"/>
+                </a:ext>
+              </a:extLst>
+            </p:cNvPr>
+            <p:cNvSpPr/>
+            <p:nvPr/>
+          </p:nvSpPr>
+          <p:spPr>
+            <a:xfrm>
+              <a:off x="1734880" y="3975248"/>
+              <a:ext cx="448340" cy="448340"/>
+            </a:xfrm>
+            <a:prstGeom prst="rect">
+              <a:avLst/>
+            </a:prstGeom>
+            <a:grpFill/>
+          </p:spPr>
+          <p:style>
+            <a:lnRef idx="2">
+              <a:schemeClr val="accent1">
+                <a:shade val="50000"/>
+              </a:schemeClr>
+            </a:lnRef>
+            <a:fillRef idx="1">
+              <a:schemeClr val="accent1"/>
+            </a:fillRef>
+            <a:effectRef idx="0">
+              <a:schemeClr val="accent1"/>
+            </a:effectRef>
+            <a:fontRef idx="minor">
+              <a:schemeClr val="lt1"/>
+            </a:fontRef>
+          </p:style>
+          <p:txBody>
+            <a:bodyPr rtlCol="0" anchor="ctr"/>
+            <a:lstStyle/>
+            <a:p>
+              <a:pPr algn="ctr"/>
+              <a:endParaRPr lang="zh-TW" altLang="en-US"/>
+            </a:p>
+          </p:txBody>
+        </p:sp>
+        <p:sp>
+          <p:nvSpPr>
+            <p:cNvPr id="184" name="矩形 183">
+              <a:extLst>
+                <a:ext uri="{FF2B5EF4-FFF2-40B4-BE49-F238E27FC236}">
+                  <a16:creationId xmlns:a16="http://schemas.microsoft.com/office/drawing/2014/main" id="{EDC5D455-C6CA-4581-807F-B871F68190C8}"/>
+                </a:ext>
+              </a:extLst>
+            </p:cNvPr>
+            <p:cNvSpPr/>
+            <p:nvPr/>
+          </p:nvSpPr>
+          <p:spPr>
+            <a:xfrm>
+              <a:off x="2183220" y="3975248"/>
+              <a:ext cx="448340" cy="448340"/>
+            </a:xfrm>
+            <a:prstGeom prst="rect">
+              <a:avLst/>
+            </a:prstGeom>
+            <a:grpFill/>
+          </p:spPr>
+          <p:style>
+            <a:lnRef idx="2">
+              <a:schemeClr val="accent1">
+                <a:shade val="50000"/>
+              </a:schemeClr>
+            </a:lnRef>
+            <a:fillRef idx="1">
+              <a:schemeClr val="accent1"/>
+            </a:fillRef>
+            <a:effectRef idx="0">
+              <a:schemeClr val="accent1"/>
+            </a:effectRef>
+            <a:fontRef idx="minor">
+              <a:schemeClr val="lt1"/>
+            </a:fontRef>
+          </p:style>
+          <p:txBody>
+            <a:bodyPr rtlCol="0" anchor="ctr"/>
+            <a:lstStyle/>
+            <a:p>
+              <a:pPr algn="ctr"/>
+              <a:endParaRPr lang="zh-TW" altLang="en-US"/>
+            </a:p>
+          </p:txBody>
+        </p:sp>
+        <p:sp>
+          <p:nvSpPr>
+            <p:cNvPr id="185" name="矩形 184">
+              <a:extLst>
+                <a:ext uri="{FF2B5EF4-FFF2-40B4-BE49-F238E27FC236}">
+                  <a16:creationId xmlns:a16="http://schemas.microsoft.com/office/drawing/2014/main" id="{36028831-F0BF-4D41-ABA7-F832E4424E23}"/>
+                </a:ext>
+              </a:extLst>
+            </p:cNvPr>
+            <p:cNvSpPr/>
+            <p:nvPr/>
+          </p:nvSpPr>
+          <p:spPr>
+            <a:xfrm>
+              <a:off x="2631560" y="3975248"/>
+              <a:ext cx="448340" cy="448340"/>
+            </a:xfrm>
+            <a:prstGeom prst="rect">
+              <a:avLst/>
+            </a:prstGeom>
+            <a:grpFill/>
+          </p:spPr>
+          <p:style>
+            <a:lnRef idx="2">
+              <a:schemeClr val="accent1">
+                <a:shade val="50000"/>
+              </a:schemeClr>
+            </a:lnRef>
+            <a:fillRef idx="1">
+              <a:schemeClr val="accent1"/>
+            </a:fillRef>
+            <a:effectRef idx="0">
+              <a:schemeClr val="accent1"/>
+            </a:effectRef>
+            <a:fontRef idx="minor">
+              <a:schemeClr val="lt1"/>
+            </a:fontRef>
+          </p:style>
+          <p:txBody>
+            <a:bodyPr rtlCol="0" anchor="ctr"/>
+            <a:lstStyle/>
+            <a:p>
+              <a:pPr algn="ctr"/>
+              <a:endParaRPr lang="zh-TW" altLang="en-US"/>
+            </a:p>
+          </p:txBody>
+        </p:sp>
+        <p:sp>
+          <p:nvSpPr>
+            <p:cNvPr id="186" name="矩形 185">
+              <a:extLst>
+                <a:ext uri="{FF2B5EF4-FFF2-40B4-BE49-F238E27FC236}">
+                  <a16:creationId xmlns:a16="http://schemas.microsoft.com/office/drawing/2014/main" id="{B8F557A5-D357-48B7-A033-E9A669716985}"/>
+                </a:ext>
+              </a:extLst>
+            </p:cNvPr>
+            <p:cNvSpPr/>
+            <p:nvPr/>
+          </p:nvSpPr>
+          <p:spPr>
+            <a:xfrm>
+              <a:off x="3079900" y="3975248"/>
+              <a:ext cx="448340" cy="448340"/>
+            </a:xfrm>
+            <a:prstGeom prst="rect">
+              <a:avLst/>
+            </a:prstGeom>
+            <a:grpFill/>
+          </p:spPr>
+          <p:style>
+            <a:lnRef idx="2">
+              <a:schemeClr val="accent1">
+                <a:shade val="50000"/>
+              </a:schemeClr>
+            </a:lnRef>
+            <a:fillRef idx="1">
+              <a:schemeClr val="accent1"/>
+            </a:fillRef>
+            <a:effectRef idx="0">
+              <a:schemeClr val="accent1"/>
+            </a:effectRef>
+            <a:fontRef idx="minor">
+              <a:schemeClr val="lt1"/>
+            </a:fontRef>
+          </p:style>
+          <p:txBody>
+            <a:bodyPr rtlCol="0" anchor="ctr"/>
+            <a:lstStyle/>
+            <a:p>
+              <a:pPr algn="ctr"/>
+              <a:endParaRPr lang="zh-TW" altLang="en-US"/>
+            </a:p>
+          </p:txBody>
+        </p:sp>
+        <p:sp>
+          <p:nvSpPr>
+            <p:cNvPr id="187" name="矩形 186">
+              <a:extLst>
+                <a:ext uri="{FF2B5EF4-FFF2-40B4-BE49-F238E27FC236}">
+                  <a16:creationId xmlns:a16="http://schemas.microsoft.com/office/drawing/2014/main" id="{46C2F93A-1F9B-435E-9192-B7DD6DEC6B75}"/>
+                </a:ext>
+              </a:extLst>
+            </p:cNvPr>
+            <p:cNvSpPr/>
+            <p:nvPr/>
+          </p:nvSpPr>
+          <p:spPr>
+            <a:xfrm>
+              <a:off x="3528240" y="3975248"/>
+              <a:ext cx="448340" cy="448340"/>
+            </a:xfrm>
+            <a:prstGeom prst="rect">
+              <a:avLst/>
+            </a:prstGeom>
+            <a:grpFill/>
+          </p:spPr>
+          <p:style>
+            <a:lnRef idx="2">
+              <a:schemeClr val="accent1">
+                <a:shade val="50000"/>
+              </a:schemeClr>
+            </a:lnRef>
+            <a:fillRef idx="1">
+              <a:schemeClr val="accent1"/>
+            </a:fillRef>
+            <a:effectRef idx="0">
+              <a:schemeClr val="accent1"/>
+            </a:effectRef>
+            <a:fontRef idx="minor">
+              <a:schemeClr val="lt1"/>
+            </a:fontRef>
+          </p:style>
+          <p:txBody>
+            <a:bodyPr rtlCol="0" anchor="ctr"/>
+            <a:lstStyle/>
+            <a:p>
+              <a:pPr algn="ctr"/>
+              <a:endParaRPr lang="zh-TW" altLang="en-US"/>
+            </a:p>
+          </p:txBody>
+        </p:sp>
+        <p:sp>
+          <p:nvSpPr>
+            <p:cNvPr id="188" name="矩形 187">
+              <a:extLst>
+                <a:ext uri="{FF2B5EF4-FFF2-40B4-BE49-F238E27FC236}">
+                  <a16:creationId xmlns:a16="http://schemas.microsoft.com/office/drawing/2014/main" id="{F2DB01BD-7E1D-4368-838C-7E554959C6F9}"/>
+                </a:ext>
+              </a:extLst>
+            </p:cNvPr>
+            <p:cNvSpPr/>
+            <p:nvPr/>
+          </p:nvSpPr>
+          <p:spPr>
+            <a:xfrm>
+              <a:off x="3976580" y="3975248"/>
+              <a:ext cx="448340" cy="448340"/>
+            </a:xfrm>
+            <a:prstGeom prst="rect">
+              <a:avLst/>
+            </a:prstGeom>
+            <a:solidFill>
+              <a:srgbClr val="92D050"/>
+            </a:solidFill>
+            <a:ln w="28575">
+              <a:solidFill>
+                <a:srgbClr val="FF0000"/>
+              </a:solidFill>
+            </a:ln>
+          </p:spPr>
+          <p:style>
+            <a:lnRef idx="2">
+              <a:schemeClr val="accent1">
+                <a:shade val="50000"/>
+              </a:schemeClr>
+            </a:lnRef>
+            <a:fillRef idx="1">
+              <a:schemeClr val="accent1"/>
+            </a:fillRef>
+            <a:effectRef idx="0">
+              <a:schemeClr val="accent1"/>
+            </a:effectRef>
+            <a:fontRef idx="minor">
+              <a:schemeClr val="lt1"/>
+            </a:fontRef>
+          </p:style>
+          <p:txBody>
+            <a:bodyPr rtlCol="0" anchor="ctr"/>
+            <a:lstStyle/>
+            <a:p>
+              <a:pPr algn="ctr"/>
+              <a:endParaRPr lang="zh-TW" altLang="en-US"/>
+            </a:p>
+          </p:txBody>
+        </p:sp>
+      </p:grpSp>
+      <p:grpSp>
+        <p:nvGrpSpPr>
+          <p:cNvPr id="38" name="群組 37">
+            <a:extLst>
+              <a:ext uri="{FF2B5EF4-FFF2-40B4-BE49-F238E27FC236}">
+                <a16:creationId xmlns:a16="http://schemas.microsoft.com/office/drawing/2014/main" id="{85B10AFC-08D5-4994-BEE7-0404498B3DC8}"/>
+              </a:ext>
+            </a:extLst>
+          </p:cNvPr>
+          <p:cNvGrpSpPr/>
+          <p:nvPr/>
+        </p:nvGrpSpPr>
+        <p:grpSpPr>
+          <a:xfrm>
+            <a:off x="824602" y="5871794"/>
+            <a:ext cx="3686262" cy="880212"/>
+            <a:chOff x="931691" y="5872153"/>
+            <a:chExt cx="3686262" cy="880212"/>
+          </a:xfrm>
+        </p:grpSpPr>
+        <p:grpSp>
+          <p:nvGrpSpPr>
+            <p:cNvPr id="148" name="群組 147">
+              <a:extLst>
+                <a:ext uri="{FF2B5EF4-FFF2-40B4-BE49-F238E27FC236}">
+                  <a16:creationId xmlns:a16="http://schemas.microsoft.com/office/drawing/2014/main" id="{D84D273C-733B-49C2-9F70-0A535EB99B22}"/>
+                </a:ext>
+              </a:extLst>
+            </p:cNvPr>
+            <p:cNvGrpSpPr/>
+            <p:nvPr/>
+          </p:nvGrpSpPr>
+          <p:grpSpPr>
+            <a:xfrm>
+              <a:off x="931691" y="5872153"/>
+              <a:ext cx="3138380" cy="448340"/>
+              <a:chOff x="838200" y="3975248"/>
+              <a:chExt cx="3138380" cy="448340"/>
+            </a:xfrm>
+            <a:solidFill>
+              <a:schemeClr val="bg2"/>
+            </a:solidFill>
+          </p:grpSpPr>
+          <p:sp>
+            <p:nvSpPr>
+              <p:cNvPr id="149" name="矩形 148">
+                <a:extLst>
+                  <a:ext uri="{FF2B5EF4-FFF2-40B4-BE49-F238E27FC236}">
+                    <a16:creationId xmlns:a16="http://schemas.microsoft.com/office/drawing/2014/main" id="{81736901-CB9E-4327-8106-70AB0BF3A43D}"/>
+                  </a:ext>
+                </a:extLst>
+              </p:cNvPr>
+              <p:cNvSpPr/>
+              <p:nvPr/>
+            </p:nvSpPr>
+            <p:spPr>
+              <a:xfrm>
+                <a:off x="838200" y="3975248"/>
+                <a:ext cx="448340" cy="448340"/>
+              </a:xfrm>
+              <a:prstGeom prst="rect">
+                <a:avLst/>
+              </a:prstGeom>
+              <a:grpFill/>
+            </p:spPr>
+            <p:style>
+              <a:lnRef idx="2">
+                <a:schemeClr val="accent1">
+                  <a:shade val="50000"/>
+                </a:schemeClr>
+              </a:lnRef>
+              <a:fillRef idx="1">
+                <a:schemeClr val="accent1"/>
+              </a:fillRef>
+              <a:effectRef idx="0">
+                <a:schemeClr val="accent1"/>
+              </a:effectRef>
+              <a:fontRef idx="minor">
+                <a:schemeClr val="lt1"/>
+              </a:fontRef>
+            </p:style>
+            <p:txBody>
+              <a:bodyPr rtlCol="0" anchor="ctr"/>
+              <a:lstStyle/>
+              <a:p>
+                <a:pPr algn="ctr"/>
+                <a:endParaRPr lang="zh-TW" altLang="en-US"/>
+              </a:p>
+            </p:txBody>
+          </p:sp>
+          <p:sp>
+            <p:nvSpPr>
+              <p:cNvPr id="150" name="矩形 149">
+                <a:extLst>
+                  <a:ext uri="{FF2B5EF4-FFF2-40B4-BE49-F238E27FC236}">
+                    <a16:creationId xmlns:a16="http://schemas.microsoft.com/office/drawing/2014/main" id="{70C546C3-FBA0-4035-9C2A-65DD1BE70857}"/>
+                  </a:ext>
+                </a:extLst>
+              </p:cNvPr>
+              <p:cNvSpPr/>
+              <p:nvPr/>
+            </p:nvSpPr>
+            <p:spPr>
+              <a:xfrm>
+                <a:off x="1286540" y="3975248"/>
+                <a:ext cx="448340" cy="448340"/>
+              </a:xfrm>
+              <a:prstGeom prst="rect">
+                <a:avLst/>
+              </a:prstGeom>
+              <a:grpFill/>
+            </p:spPr>
+            <p:style>
+              <a:lnRef idx="2">
+                <a:schemeClr val="accent1">
+                  <a:shade val="50000"/>
+                </a:schemeClr>
+              </a:lnRef>
+              <a:fillRef idx="1">
+                <a:schemeClr val="accent1"/>
+              </a:fillRef>
+              <a:effectRef idx="0">
+                <a:schemeClr val="accent1"/>
+              </a:effectRef>
+              <a:fontRef idx="minor">
+                <a:schemeClr val="lt1"/>
+              </a:fontRef>
+            </p:style>
+            <p:txBody>
+              <a:bodyPr rtlCol="0" anchor="ctr"/>
+              <a:lstStyle/>
+              <a:p>
+                <a:pPr algn="ctr"/>
+                <a:endParaRPr lang="zh-TW" altLang="en-US"/>
+              </a:p>
+            </p:txBody>
+          </p:sp>
+          <p:sp>
+            <p:nvSpPr>
+              <p:cNvPr id="151" name="矩形 150">
+                <a:extLst>
+                  <a:ext uri="{FF2B5EF4-FFF2-40B4-BE49-F238E27FC236}">
+                    <a16:creationId xmlns:a16="http://schemas.microsoft.com/office/drawing/2014/main" id="{7AF1E1DE-D782-48A6-BD6E-E1E18EAF6BC8}"/>
+                  </a:ext>
+                </a:extLst>
+              </p:cNvPr>
+              <p:cNvSpPr/>
+              <p:nvPr/>
+            </p:nvSpPr>
+            <p:spPr>
+              <a:xfrm>
+                <a:off x="1734880" y="3975248"/>
+                <a:ext cx="448340" cy="448340"/>
+              </a:xfrm>
+              <a:prstGeom prst="rect">
+                <a:avLst/>
+              </a:prstGeom>
+              <a:grpFill/>
+            </p:spPr>
+            <p:style>
+              <a:lnRef idx="2">
+                <a:schemeClr val="accent1">
+                  <a:shade val="50000"/>
+                </a:schemeClr>
+              </a:lnRef>
+              <a:fillRef idx="1">
+                <a:schemeClr val="accent1"/>
+              </a:fillRef>
+              <a:effectRef idx="0">
+                <a:schemeClr val="accent1"/>
+              </a:effectRef>
+              <a:fontRef idx="minor">
+                <a:schemeClr val="lt1"/>
+              </a:fontRef>
+            </p:style>
+            <p:txBody>
+              <a:bodyPr rtlCol="0" anchor="ctr"/>
+              <a:lstStyle/>
+              <a:p>
+                <a:pPr algn="ctr"/>
+                <a:endParaRPr lang="zh-TW" altLang="en-US"/>
+              </a:p>
+            </p:txBody>
+          </p:sp>
+          <p:sp>
+            <p:nvSpPr>
+              <p:cNvPr id="152" name="矩形 151">
+                <a:extLst>
+                  <a:ext uri="{FF2B5EF4-FFF2-40B4-BE49-F238E27FC236}">
+                    <a16:creationId xmlns:a16="http://schemas.microsoft.com/office/drawing/2014/main" id="{DAE49417-992D-47BB-8D1E-4128596EF179}"/>
+                  </a:ext>
+                </a:extLst>
+              </p:cNvPr>
+              <p:cNvSpPr/>
+              <p:nvPr/>
+            </p:nvSpPr>
+            <p:spPr>
+              <a:xfrm>
+                <a:off x="2183220" y="3975248"/>
+                <a:ext cx="448340" cy="448340"/>
+              </a:xfrm>
+              <a:prstGeom prst="rect">
+                <a:avLst/>
+              </a:prstGeom>
+              <a:grpFill/>
+            </p:spPr>
+            <p:style>
+              <a:lnRef idx="2">
+                <a:schemeClr val="accent1">
+                  <a:shade val="50000"/>
+                </a:schemeClr>
+              </a:lnRef>
+              <a:fillRef idx="1">
+                <a:schemeClr val="accent1"/>
+              </a:fillRef>
+              <a:effectRef idx="0">
+                <a:schemeClr val="accent1"/>
+              </a:effectRef>
+              <a:fontRef idx="minor">
+                <a:schemeClr val="lt1"/>
+              </a:fontRef>
+            </p:style>
+            <p:txBody>
+              <a:bodyPr rtlCol="0" anchor="ctr"/>
+              <a:lstStyle/>
+              <a:p>
+                <a:pPr algn="ctr"/>
+                <a:endParaRPr lang="zh-TW" altLang="en-US"/>
+              </a:p>
+            </p:txBody>
+          </p:sp>
+          <p:sp>
+            <p:nvSpPr>
+              <p:cNvPr id="153" name="矩形 152">
+                <a:extLst>
+                  <a:ext uri="{FF2B5EF4-FFF2-40B4-BE49-F238E27FC236}">
+                    <a16:creationId xmlns:a16="http://schemas.microsoft.com/office/drawing/2014/main" id="{3FF3373D-5C8F-4BF2-9274-96D815FC9322}"/>
+                  </a:ext>
+                </a:extLst>
+              </p:cNvPr>
+              <p:cNvSpPr/>
+              <p:nvPr/>
+            </p:nvSpPr>
+            <p:spPr>
+              <a:xfrm>
+                <a:off x="2631560" y="3975248"/>
+                <a:ext cx="448340" cy="448340"/>
+              </a:xfrm>
+              <a:prstGeom prst="rect">
+                <a:avLst/>
+              </a:prstGeom>
+              <a:grpFill/>
+            </p:spPr>
+            <p:style>
+              <a:lnRef idx="2">
+                <a:schemeClr val="accent1">
+                  <a:shade val="50000"/>
+                </a:schemeClr>
+              </a:lnRef>
+              <a:fillRef idx="1">
+                <a:schemeClr val="accent1"/>
+              </a:fillRef>
+              <a:effectRef idx="0">
+                <a:schemeClr val="accent1"/>
+              </a:effectRef>
+              <a:fontRef idx="minor">
+                <a:schemeClr val="lt1"/>
+              </a:fontRef>
+            </p:style>
+            <p:txBody>
+              <a:bodyPr rtlCol="0" anchor="ctr"/>
+              <a:lstStyle/>
+              <a:p>
+                <a:pPr algn="ctr"/>
+                <a:endParaRPr lang="zh-TW" altLang="en-US"/>
+              </a:p>
+            </p:txBody>
+          </p:sp>
+          <p:sp>
+            <p:nvSpPr>
+              <p:cNvPr id="154" name="矩形 153">
+                <a:extLst>
+                  <a:ext uri="{FF2B5EF4-FFF2-40B4-BE49-F238E27FC236}">
+                    <a16:creationId xmlns:a16="http://schemas.microsoft.com/office/drawing/2014/main" id="{B831AE04-DBB6-437D-A31B-632B60B9F434}"/>
+                  </a:ext>
+                </a:extLst>
+              </p:cNvPr>
+              <p:cNvSpPr/>
+              <p:nvPr/>
+            </p:nvSpPr>
+            <p:spPr>
+              <a:xfrm>
+                <a:off x="3079900" y="3975248"/>
+                <a:ext cx="448340" cy="448340"/>
+              </a:xfrm>
+              <a:prstGeom prst="rect">
+                <a:avLst/>
+              </a:prstGeom>
+              <a:grpFill/>
+            </p:spPr>
+            <p:style>
+              <a:lnRef idx="2">
+                <a:schemeClr val="accent1">
+                  <a:shade val="50000"/>
+                </a:schemeClr>
+              </a:lnRef>
+              <a:fillRef idx="1">
+                <a:schemeClr val="accent1"/>
+              </a:fillRef>
+              <a:effectRef idx="0">
+                <a:schemeClr val="accent1"/>
+              </a:effectRef>
+              <a:fontRef idx="minor">
+                <a:schemeClr val="lt1"/>
+              </a:fontRef>
+            </p:style>
+            <p:txBody>
+              <a:bodyPr rtlCol="0" anchor="ctr"/>
+              <a:lstStyle/>
+              <a:p>
+                <a:pPr algn="ctr"/>
+                <a:endParaRPr lang="zh-TW" altLang="en-US"/>
+              </a:p>
+            </p:txBody>
+          </p:sp>
+          <p:sp>
+            <p:nvSpPr>
+              <p:cNvPr id="155" name="矩形 154">
+                <a:extLst>
+                  <a:ext uri="{FF2B5EF4-FFF2-40B4-BE49-F238E27FC236}">
+                    <a16:creationId xmlns:a16="http://schemas.microsoft.com/office/drawing/2014/main" id="{BABD3B84-3C6F-4298-8FB3-640E7E29506B}"/>
+                  </a:ext>
+                </a:extLst>
+              </p:cNvPr>
+              <p:cNvSpPr/>
+              <p:nvPr/>
+            </p:nvSpPr>
+            <p:spPr>
+              <a:xfrm>
+                <a:off x="3528240" y="3975248"/>
+                <a:ext cx="448340" cy="448340"/>
+              </a:xfrm>
+              <a:prstGeom prst="rect">
+                <a:avLst/>
+              </a:prstGeom>
+              <a:grpFill/>
+            </p:spPr>
+            <p:style>
+              <a:lnRef idx="2">
+                <a:schemeClr val="accent1">
+                  <a:shade val="50000"/>
+                </a:schemeClr>
+              </a:lnRef>
+              <a:fillRef idx="1">
+                <a:schemeClr val="accent1"/>
+              </a:fillRef>
+              <a:effectRef idx="0">
+                <a:schemeClr val="accent1"/>
+              </a:effectRef>
+              <a:fontRef idx="minor">
+                <a:schemeClr val="lt1"/>
+              </a:fontRef>
+            </p:style>
+            <p:txBody>
+              <a:bodyPr rtlCol="0" anchor="ctr"/>
+              <a:lstStyle/>
+              <a:p>
+                <a:pPr algn="ctr"/>
+                <a:endParaRPr lang="zh-TW" altLang="en-US"/>
+              </a:p>
+            </p:txBody>
+          </p:sp>
+        </p:grpSp>
+        <p:grpSp>
+          <p:nvGrpSpPr>
+            <p:cNvPr id="156" name="群組 155">
+              <a:extLst>
+                <a:ext uri="{FF2B5EF4-FFF2-40B4-BE49-F238E27FC236}">
+                  <a16:creationId xmlns:a16="http://schemas.microsoft.com/office/drawing/2014/main" id="{58F032E1-C0D8-458E-BB09-3EABF259F5EE}"/>
+                </a:ext>
+              </a:extLst>
+            </p:cNvPr>
+            <p:cNvGrpSpPr/>
+            <p:nvPr/>
+          </p:nvGrpSpPr>
+          <p:grpSpPr>
+            <a:xfrm>
+              <a:off x="1055897" y="5970171"/>
+              <a:ext cx="3138380" cy="448340"/>
+              <a:chOff x="838200" y="3975248"/>
+              <a:chExt cx="3138380" cy="448340"/>
+            </a:xfrm>
+            <a:solidFill>
+              <a:schemeClr val="bg2"/>
+            </a:solidFill>
+          </p:grpSpPr>
+          <p:sp>
+            <p:nvSpPr>
+              <p:cNvPr id="157" name="矩形 156">
+                <a:extLst>
+                  <a:ext uri="{FF2B5EF4-FFF2-40B4-BE49-F238E27FC236}">
+                    <a16:creationId xmlns:a16="http://schemas.microsoft.com/office/drawing/2014/main" id="{4FE6256F-3CA6-48D0-A62C-8AFC79855398}"/>
+                  </a:ext>
+                </a:extLst>
+              </p:cNvPr>
+              <p:cNvSpPr/>
+              <p:nvPr/>
+            </p:nvSpPr>
+            <p:spPr>
+              <a:xfrm>
+                <a:off x="838200" y="3975248"/>
+                <a:ext cx="448340" cy="448340"/>
+              </a:xfrm>
+              <a:prstGeom prst="rect">
+                <a:avLst/>
+              </a:prstGeom>
+              <a:grpFill/>
+            </p:spPr>
+            <p:style>
+              <a:lnRef idx="2">
+                <a:schemeClr val="accent1">
+                  <a:shade val="50000"/>
+                </a:schemeClr>
+              </a:lnRef>
+              <a:fillRef idx="1">
+                <a:schemeClr val="accent1"/>
+              </a:fillRef>
+              <a:effectRef idx="0">
+                <a:schemeClr val="accent1"/>
+              </a:effectRef>
+              <a:fontRef idx="minor">
+                <a:schemeClr val="lt1"/>
+              </a:fontRef>
+            </p:style>
+            <p:txBody>
+              <a:bodyPr rtlCol="0" anchor="ctr"/>
+              <a:lstStyle/>
+              <a:p>
+                <a:pPr algn="ctr"/>
+                <a:endParaRPr lang="zh-TW" altLang="en-US"/>
+              </a:p>
+            </p:txBody>
+          </p:sp>
+          <p:sp>
+            <p:nvSpPr>
+              <p:cNvPr id="158" name="矩形 157">
+                <a:extLst>
+                  <a:ext uri="{FF2B5EF4-FFF2-40B4-BE49-F238E27FC236}">
+                    <a16:creationId xmlns:a16="http://schemas.microsoft.com/office/drawing/2014/main" id="{5D68E271-81EF-4135-B42A-5320A3ECA1AF}"/>
+                  </a:ext>
+                </a:extLst>
+              </p:cNvPr>
+              <p:cNvSpPr/>
+              <p:nvPr/>
+            </p:nvSpPr>
+            <p:spPr>
+              <a:xfrm>
+                <a:off x="1286540" y="3975248"/>
+                <a:ext cx="448340" cy="448340"/>
+              </a:xfrm>
+              <a:prstGeom prst="rect">
+                <a:avLst/>
+              </a:prstGeom>
+              <a:grpFill/>
+            </p:spPr>
+            <p:style>
+              <a:lnRef idx="2">
+                <a:schemeClr val="accent1">
+                  <a:shade val="50000"/>
+                </a:schemeClr>
+              </a:lnRef>
+              <a:fillRef idx="1">
+                <a:schemeClr val="accent1"/>
+              </a:fillRef>
+              <a:effectRef idx="0">
+                <a:schemeClr val="accent1"/>
+              </a:effectRef>
+              <a:fontRef idx="minor">
+                <a:schemeClr val="lt1"/>
+              </a:fontRef>
+            </p:style>
+            <p:txBody>
+              <a:bodyPr rtlCol="0" anchor="ctr"/>
+              <a:lstStyle/>
+              <a:p>
+                <a:pPr algn="ctr"/>
+                <a:endParaRPr lang="zh-TW" altLang="en-US"/>
+              </a:p>
+            </p:txBody>
+          </p:sp>
+          <p:sp>
+            <p:nvSpPr>
+              <p:cNvPr id="159" name="矩形 158">
+                <a:extLst>
+                  <a:ext uri="{FF2B5EF4-FFF2-40B4-BE49-F238E27FC236}">
+                    <a16:creationId xmlns:a16="http://schemas.microsoft.com/office/drawing/2014/main" id="{542CC722-33D7-4F93-ABC2-BEBCFE329FF4}"/>
+                  </a:ext>
+                </a:extLst>
+              </p:cNvPr>
+              <p:cNvSpPr/>
+              <p:nvPr/>
+            </p:nvSpPr>
+            <p:spPr>
+              <a:xfrm>
+                <a:off x="1734880" y="3975248"/>
+                <a:ext cx="448340" cy="448340"/>
+              </a:xfrm>
+              <a:prstGeom prst="rect">
+                <a:avLst/>
+              </a:prstGeom>
+              <a:grpFill/>
+            </p:spPr>
+            <p:style>
+              <a:lnRef idx="2">
+                <a:schemeClr val="accent1">
+                  <a:shade val="50000"/>
+                </a:schemeClr>
+              </a:lnRef>
+              <a:fillRef idx="1">
+                <a:schemeClr val="accent1"/>
+              </a:fillRef>
+              <a:effectRef idx="0">
+                <a:schemeClr val="accent1"/>
+              </a:effectRef>
+              <a:fontRef idx="minor">
+                <a:schemeClr val="lt1"/>
+              </a:fontRef>
+            </p:style>
+            <p:txBody>
+              <a:bodyPr rtlCol="0" anchor="ctr"/>
+              <a:lstStyle/>
+              <a:p>
+                <a:pPr algn="ctr"/>
+                <a:endParaRPr lang="zh-TW" altLang="en-US"/>
+              </a:p>
+            </p:txBody>
+          </p:sp>
+          <p:sp>
+            <p:nvSpPr>
+              <p:cNvPr id="160" name="矩形 159">
+                <a:extLst>
+                  <a:ext uri="{FF2B5EF4-FFF2-40B4-BE49-F238E27FC236}">
+                    <a16:creationId xmlns:a16="http://schemas.microsoft.com/office/drawing/2014/main" id="{C11D621B-B9F5-44DB-831B-76DE508E7683}"/>
+                  </a:ext>
+                </a:extLst>
+              </p:cNvPr>
+              <p:cNvSpPr/>
+              <p:nvPr/>
+            </p:nvSpPr>
+            <p:spPr>
+              <a:xfrm>
+                <a:off x="2183220" y="3975248"/>
+                <a:ext cx="448340" cy="448340"/>
+              </a:xfrm>
+              <a:prstGeom prst="rect">
+                <a:avLst/>
+              </a:prstGeom>
+              <a:grpFill/>
+            </p:spPr>
+            <p:style>
+              <a:lnRef idx="2">
+                <a:schemeClr val="accent1">
+                  <a:shade val="50000"/>
+                </a:schemeClr>
+              </a:lnRef>
+              <a:fillRef idx="1">
+                <a:schemeClr val="accent1"/>
+              </a:fillRef>
+              <a:effectRef idx="0">
+                <a:schemeClr val="accent1"/>
+              </a:effectRef>
+              <a:fontRef idx="minor">
+                <a:schemeClr val="lt1"/>
+              </a:fontRef>
+            </p:style>
+            <p:txBody>
+              <a:bodyPr rtlCol="0" anchor="ctr"/>
+              <a:lstStyle/>
+              <a:p>
+                <a:pPr algn="ctr"/>
+                <a:endParaRPr lang="zh-TW" altLang="en-US"/>
+              </a:p>
+            </p:txBody>
+          </p:sp>
+          <p:sp>
+            <p:nvSpPr>
+              <p:cNvPr id="161" name="矩形 160">
+                <a:extLst>
+                  <a:ext uri="{FF2B5EF4-FFF2-40B4-BE49-F238E27FC236}">
+                    <a16:creationId xmlns:a16="http://schemas.microsoft.com/office/drawing/2014/main" id="{D6EF5260-F006-4B59-8EDC-697B261971FF}"/>
+                  </a:ext>
+                </a:extLst>
+              </p:cNvPr>
+              <p:cNvSpPr/>
+              <p:nvPr/>
+            </p:nvSpPr>
+            <p:spPr>
+              <a:xfrm>
+                <a:off x="2631560" y="3975248"/>
+                <a:ext cx="448340" cy="448340"/>
+              </a:xfrm>
+              <a:prstGeom prst="rect">
+                <a:avLst/>
+              </a:prstGeom>
+              <a:grpFill/>
+            </p:spPr>
+            <p:style>
+              <a:lnRef idx="2">
+                <a:schemeClr val="accent1">
+                  <a:shade val="50000"/>
+                </a:schemeClr>
+              </a:lnRef>
+              <a:fillRef idx="1">
+                <a:schemeClr val="accent1"/>
+              </a:fillRef>
+              <a:effectRef idx="0">
+                <a:schemeClr val="accent1"/>
+              </a:effectRef>
+              <a:fontRef idx="minor">
+                <a:schemeClr val="lt1"/>
+              </a:fontRef>
+            </p:style>
+            <p:txBody>
+              <a:bodyPr rtlCol="0" anchor="ctr"/>
+              <a:lstStyle/>
+              <a:p>
+                <a:pPr algn="ctr"/>
+                <a:endParaRPr lang="zh-TW" altLang="en-US"/>
+              </a:p>
+            </p:txBody>
+          </p:sp>
+          <p:sp>
+            <p:nvSpPr>
+              <p:cNvPr id="162" name="矩形 161">
+                <a:extLst>
+                  <a:ext uri="{FF2B5EF4-FFF2-40B4-BE49-F238E27FC236}">
+                    <a16:creationId xmlns:a16="http://schemas.microsoft.com/office/drawing/2014/main" id="{BEF51C87-88B1-4029-8284-A40EA842405A}"/>
+                  </a:ext>
+                </a:extLst>
+              </p:cNvPr>
+              <p:cNvSpPr/>
+              <p:nvPr/>
+            </p:nvSpPr>
+            <p:spPr>
+              <a:xfrm>
+                <a:off x="3079900" y="3975248"/>
+                <a:ext cx="448340" cy="448340"/>
+              </a:xfrm>
+              <a:prstGeom prst="rect">
+                <a:avLst/>
+              </a:prstGeom>
+              <a:grpFill/>
+            </p:spPr>
+            <p:style>
+              <a:lnRef idx="2">
+                <a:schemeClr val="accent1">
+                  <a:shade val="50000"/>
+                </a:schemeClr>
+              </a:lnRef>
+              <a:fillRef idx="1">
+                <a:schemeClr val="accent1"/>
+              </a:fillRef>
+              <a:effectRef idx="0">
+                <a:schemeClr val="accent1"/>
+              </a:effectRef>
+              <a:fontRef idx="minor">
+                <a:schemeClr val="lt1"/>
+              </a:fontRef>
+            </p:style>
+            <p:txBody>
+              <a:bodyPr rtlCol="0" anchor="ctr"/>
+              <a:lstStyle/>
+              <a:p>
+                <a:pPr algn="ctr"/>
+                <a:endParaRPr lang="zh-TW" altLang="en-US"/>
+              </a:p>
+            </p:txBody>
+          </p:sp>
+          <p:sp>
+            <p:nvSpPr>
+              <p:cNvPr id="163" name="矩形 162">
+                <a:extLst>
+                  <a:ext uri="{FF2B5EF4-FFF2-40B4-BE49-F238E27FC236}">
+                    <a16:creationId xmlns:a16="http://schemas.microsoft.com/office/drawing/2014/main" id="{351A2021-38D8-49A2-9F56-9CC699B67222}"/>
+                  </a:ext>
+                </a:extLst>
+              </p:cNvPr>
+              <p:cNvSpPr/>
+              <p:nvPr/>
+            </p:nvSpPr>
+            <p:spPr>
+              <a:xfrm>
+                <a:off x="3528240" y="3975248"/>
+                <a:ext cx="448340" cy="448340"/>
+              </a:xfrm>
+              <a:prstGeom prst="rect">
+                <a:avLst/>
+              </a:prstGeom>
+              <a:grpFill/>
+            </p:spPr>
+            <p:style>
+              <a:lnRef idx="2">
+                <a:schemeClr val="accent1">
+                  <a:shade val="50000"/>
+                </a:schemeClr>
+              </a:lnRef>
+              <a:fillRef idx="1">
+                <a:schemeClr val="accent1"/>
+              </a:fillRef>
+              <a:effectRef idx="0">
+                <a:schemeClr val="accent1"/>
+              </a:effectRef>
+              <a:fontRef idx="minor">
+                <a:schemeClr val="lt1"/>
+              </a:fontRef>
+            </p:style>
+            <p:txBody>
+              <a:bodyPr rtlCol="0" anchor="ctr"/>
+              <a:lstStyle/>
+              <a:p>
+                <a:pPr algn="ctr"/>
+                <a:endParaRPr lang="zh-TW" altLang="en-US"/>
+              </a:p>
+            </p:txBody>
+          </p:sp>
+        </p:grpSp>
+        <p:grpSp>
+          <p:nvGrpSpPr>
+            <p:cNvPr id="164" name="群組 163">
+              <a:extLst>
+                <a:ext uri="{FF2B5EF4-FFF2-40B4-BE49-F238E27FC236}">
+                  <a16:creationId xmlns:a16="http://schemas.microsoft.com/office/drawing/2014/main" id="{F5664AC7-CF6C-40AD-8404-4D9F0AA6F154}"/>
+                </a:ext>
+              </a:extLst>
+            </p:cNvPr>
+            <p:cNvGrpSpPr/>
+            <p:nvPr/>
+          </p:nvGrpSpPr>
+          <p:grpSpPr>
+            <a:xfrm>
+              <a:off x="1204908" y="6079855"/>
+              <a:ext cx="3138380" cy="448340"/>
+              <a:chOff x="838200" y="3975248"/>
+              <a:chExt cx="3138380" cy="448340"/>
+            </a:xfrm>
+            <a:solidFill>
+              <a:schemeClr val="bg2"/>
+            </a:solidFill>
+          </p:grpSpPr>
+          <p:sp>
+            <p:nvSpPr>
+              <p:cNvPr id="165" name="矩形 164">
+                <a:extLst>
+                  <a:ext uri="{FF2B5EF4-FFF2-40B4-BE49-F238E27FC236}">
+                    <a16:creationId xmlns:a16="http://schemas.microsoft.com/office/drawing/2014/main" id="{3FBA9E1D-D41B-4FA9-9270-38C15F3819E7}"/>
+                  </a:ext>
+                </a:extLst>
+              </p:cNvPr>
+              <p:cNvSpPr/>
+              <p:nvPr/>
+            </p:nvSpPr>
+            <p:spPr>
+              <a:xfrm>
+                <a:off x="838200" y="3975248"/>
+                <a:ext cx="448340" cy="448340"/>
+              </a:xfrm>
+              <a:prstGeom prst="rect">
+                <a:avLst/>
+              </a:prstGeom>
+              <a:grpFill/>
+            </p:spPr>
+            <p:style>
+              <a:lnRef idx="2">
+                <a:schemeClr val="accent1">
+                  <a:shade val="50000"/>
+                </a:schemeClr>
+              </a:lnRef>
+              <a:fillRef idx="1">
+                <a:schemeClr val="accent1"/>
+              </a:fillRef>
+              <a:effectRef idx="0">
+                <a:schemeClr val="accent1"/>
+              </a:effectRef>
+              <a:fontRef idx="minor">
+                <a:schemeClr val="lt1"/>
+              </a:fontRef>
+            </p:style>
+            <p:txBody>
+              <a:bodyPr rtlCol="0" anchor="ctr"/>
+              <a:lstStyle/>
+              <a:p>
+                <a:pPr algn="ctr"/>
+                <a:endParaRPr lang="zh-TW" altLang="en-US"/>
+              </a:p>
+            </p:txBody>
+          </p:sp>
+          <p:sp>
+            <p:nvSpPr>
+              <p:cNvPr id="166" name="矩形 165">
+                <a:extLst>
+                  <a:ext uri="{FF2B5EF4-FFF2-40B4-BE49-F238E27FC236}">
+                    <a16:creationId xmlns:a16="http://schemas.microsoft.com/office/drawing/2014/main" id="{846D48D3-024A-4672-9BCF-A84EA22AF3D0}"/>
+                  </a:ext>
+                </a:extLst>
+              </p:cNvPr>
+              <p:cNvSpPr/>
+              <p:nvPr/>
+            </p:nvSpPr>
+            <p:spPr>
+              <a:xfrm>
+                <a:off x="1286540" y="3975248"/>
+                <a:ext cx="448340" cy="448340"/>
+              </a:xfrm>
+              <a:prstGeom prst="rect">
+                <a:avLst/>
+              </a:prstGeom>
+              <a:grpFill/>
+            </p:spPr>
+            <p:style>
+              <a:lnRef idx="2">
+                <a:schemeClr val="accent1">
+                  <a:shade val="50000"/>
+                </a:schemeClr>
+              </a:lnRef>
+              <a:fillRef idx="1">
+                <a:schemeClr val="accent1"/>
+              </a:fillRef>
+              <a:effectRef idx="0">
+                <a:schemeClr val="accent1"/>
+              </a:effectRef>
+              <a:fontRef idx="minor">
+                <a:schemeClr val="lt1"/>
+              </a:fontRef>
+            </p:style>
+            <p:txBody>
+              <a:bodyPr rtlCol="0" anchor="ctr"/>
+              <a:lstStyle/>
+              <a:p>
+                <a:pPr algn="ctr"/>
+                <a:endParaRPr lang="zh-TW" altLang="en-US"/>
+              </a:p>
+            </p:txBody>
+          </p:sp>
+          <p:sp>
+            <p:nvSpPr>
+              <p:cNvPr id="167" name="矩形 166">
+                <a:extLst>
+                  <a:ext uri="{FF2B5EF4-FFF2-40B4-BE49-F238E27FC236}">
+                    <a16:creationId xmlns:a16="http://schemas.microsoft.com/office/drawing/2014/main" id="{E94F137B-059C-490F-A3A6-07F0AC704D25}"/>
+                  </a:ext>
+                </a:extLst>
+              </p:cNvPr>
+              <p:cNvSpPr/>
+              <p:nvPr/>
+            </p:nvSpPr>
+            <p:spPr>
+              <a:xfrm>
+                <a:off x="1734880" y="3975248"/>
+                <a:ext cx="448340" cy="448340"/>
+              </a:xfrm>
+              <a:prstGeom prst="rect">
+                <a:avLst/>
+              </a:prstGeom>
+              <a:grpFill/>
+            </p:spPr>
+            <p:style>
+              <a:lnRef idx="2">
+                <a:schemeClr val="accent1">
+                  <a:shade val="50000"/>
+                </a:schemeClr>
+              </a:lnRef>
+              <a:fillRef idx="1">
+                <a:schemeClr val="accent1"/>
+              </a:fillRef>
+              <a:effectRef idx="0">
+                <a:schemeClr val="accent1"/>
+              </a:effectRef>
+              <a:fontRef idx="minor">
+                <a:schemeClr val="lt1"/>
+              </a:fontRef>
+            </p:style>
+            <p:txBody>
+              <a:bodyPr rtlCol="0" anchor="ctr"/>
+              <a:lstStyle/>
+              <a:p>
+                <a:pPr algn="ctr"/>
+                <a:endParaRPr lang="zh-TW" altLang="en-US"/>
+              </a:p>
+            </p:txBody>
+          </p:sp>
+          <p:sp>
+            <p:nvSpPr>
+              <p:cNvPr id="168" name="矩形 167">
+                <a:extLst>
+                  <a:ext uri="{FF2B5EF4-FFF2-40B4-BE49-F238E27FC236}">
+                    <a16:creationId xmlns:a16="http://schemas.microsoft.com/office/drawing/2014/main" id="{61ACA463-8174-42BB-8B6D-DF29CCB3C663}"/>
+                  </a:ext>
+                </a:extLst>
+              </p:cNvPr>
+              <p:cNvSpPr/>
+              <p:nvPr/>
+            </p:nvSpPr>
+            <p:spPr>
+              <a:xfrm>
+                <a:off x="2183220" y="3975248"/>
+                <a:ext cx="448340" cy="448340"/>
+              </a:xfrm>
+              <a:prstGeom prst="rect">
+                <a:avLst/>
+              </a:prstGeom>
+              <a:grpFill/>
+            </p:spPr>
+            <p:style>
+              <a:lnRef idx="2">
+                <a:schemeClr val="accent1">
+                  <a:shade val="50000"/>
+                </a:schemeClr>
+              </a:lnRef>
+              <a:fillRef idx="1">
+                <a:schemeClr val="accent1"/>
+              </a:fillRef>
+              <a:effectRef idx="0">
+                <a:schemeClr val="accent1"/>
+              </a:effectRef>
+              <a:fontRef idx="minor">
+                <a:schemeClr val="lt1"/>
+              </a:fontRef>
+            </p:style>
+            <p:txBody>
+              <a:bodyPr rtlCol="0" anchor="ctr"/>
+              <a:lstStyle/>
+              <a:p>
+                <a:pPr algn="ctr"/>
+                <a:endParaRPr lang="zh-TW" altLang="en-US"/>
+              </a:p>
+            </p:txBody>
+          </p:sp>
+          <p:sp>
+            <p:nvSpPr>
+              <p:cNvPr id="169" name="矩形 168">
+                <a:extLst>
+                  <a:ext uri="{FF2B5EF4-FFF2-40B4-BE49-F238E27FC236}">
+                    <a16:creationId xmlns:a16="http://schemas.microsoft.com/office/drawing/2014/main" id="{DBA05A07-E89A-4F74-9454-DA6939AA2861}"/>
+                  </a:ext>
+                </a:extLst>
+              </p:cNvPr>
+              <p:cNvSpPr/>
+              <p:nvPr/>
+            </p:nvSpPr>
+            <p:spPr>
+              <a:xfrm>
+                <a:off x="2631560" y="3975248"/>
+                <a:ext cx="448340" cy="448340"/>
+              </a:xfrm>
+              <a:prstGeom prst="rect">
+                <a:avLst/>
+              </a:prstGeom>
+              <a:grpFill/>
+            </p:spPr>
+            <p:style>
+              <a:lnRef idx="2">
+                <a:schemeClr val="accent1">
+                  <a:shade val="50000"/>
+                </a:schemeClr>
+              </a:lnRef>
+              <a:fillRef idx="1">
+                <a:schemeClr val="accent1"/>
+              </a:fillRef>
+              <a:effectRef idx="0">
+                <a:schemeClr val="accent1"/>
+              </a:effectRef>
+              <a:fontRef idx="minor">
+                <a:schemeClr val="lt1"/>
+              </a:fontRef>
+            </p:style>
+            <p:txBody>
+              <a:bodyPr rtlCol="0" anchor="ctr"/>
+              <a:lstStyle/>
+              <a:p>
+                <a:pPr algn="ctr"/>
+                <a:endParaRPr lang="zh-TW" altLang="en-US"/>
+              </a:p>
+            </p:txBody>
+          </p:sp>
+          <p:sp>
+            <p:nvSpPr>
+              <p:cNvPr id="170" name="矩形 169">
+                <a:extLst>
+                  <a:ext uri="{FF2B5EF4-FFF2-40B4-BE49-F238E27FC236}">
+                    <a16:creationId xmlns:a16="http://schemas.microsoft.com/office/drawing/2014/main" id="{3026DE74-E56C-485B-B6D6-7D9005C33957}"/>
+                  </a:ext>
+                </a:extLst>
+              </p:cNvPr>
+              <p:cNvSpPr/>
+              <p:nvPr/>
+            </p:nvSpPr>
+            <p:spPr>
+              <a:xfrm>
+                <a:off x="3079900" y="3975248"/>
+                <a:ext cx="448340" cy="448340"/>
+              </a:xfrm>
+              <a:prstGeom prst="rect">
+                <a:avLst/>
+              </a:prstGeom>
+              <a:grpFill/>
+            </p:spPr>
+            <p:style>
+              <a:lnRef idx="2">
+                <a:schemeClr val="accent1">
+                  <a:shade val="50000"/>
+                </a:schemeClr>
+              </a:lnRef>
+              <a:fillRef idx="1">
+                <a:schemeClr val="accent1"/>
+              </a:fillRef>
+              <a:effectRef idx="0">
+                <a:schemeClr val="accent1"/>
+              </a:effectRef>
+              <a:fontRef idx="minor">
+                <a:schemeClr val="lt1"/>
+              </a:fontRef>
+            </p:style>
+            <p:txBody>
+              <a:bodyPr rtlCol="0" anchor="ctr"/>
+              <a:lstStyle/>
+              <a:p>
+                <a:pPr algn="ctr"/>
+                <a:endParaRPr lang="zh-TW" altLang="en-US"/>
+              </a:p>
+            </p:txBody>
+          </p:sp>
+          <p:sp>
+            <p:nvSpPr>
+              <p:cNvPr id="171" name="矩形 170">
+                <a:extLst>
+                  <a:ext uri="{FF2B5EF4-FFF2-40B4-BE49-F238E27FC236}">
+                    <a16:creationId xmlns:a16="http://schemas.microsoft.com/office/drawing/2014/main" id="{75A7C050-75B5-467C-90A7-39D34362E8E0}"/>
+                  </a:ext>
+                </a:extLst>
+              </p:cNvPr>
+              <p:cNvSpPr/>
+              <p:nvPr/>
+            </p:nvSpPr>
+            <p:spPr>
+              <a:xfrm>
+                <a:off x="3528240" y="3975248"/>
+                <a:ext cx="448340" cy="448340"/>
+              </a:xfrm>
+              <a:prstGeom prst="rect">
+                <a:avLst/>
+              </a:prstGeom>
+              <a:grpFill/>
+            </p:spPr>
+            <p:style>
+              <a:lnRef idx="2">
+                <a:schemeClr val="accent1">
+                  <a:shade val="50000"/>
+                </a:schemeClr>
+              </a:lnRef>
+              <a:fillRef idx="1">
+                <a:schemeClr val="accent1"/>
+              </a:fillRef>
+              <a:effectRef idx="0">
+                <a:schemeClr val="accent1"/>
+              </a:effectRef>
+              <a:fontRef idx="minor">
+                <a:schemeClr val="lt1"/>
+              </a:fontRef>
+            </p:style>
+            <p:txBody>
+              <a:bodyPr rtlCol="0" anchor="ctr"/>
+              <a:lstStyle/>
+              <a:p>
+                <a:pPr algn="ctr"/>
+                <a:endParaRPr lang="zh-TW" altLang="en-US"/>
+              </a:p>
+            </p:txBody>
+          </p:sp>
+        </p:grpSp>
+        <p:grpSp>
+          <p:nvGrpSpPr>
+            <p:cNvPr id="172" name="群組 171">
+              <a:extLst>
+                <a:ext uri="{FF2B5EF4-FFF2-40B4-BE49-F238E27FC236}">
+                  <a16:creationId xmlns:a16="http://schemas.microsoft.com/office/drawing/2014/main" id="{9398F573-13B5-47A7-A229-F299E7C91F50}"/>
+                </a:ext>
+              </a:extLst>
+            </p:cNvPr>
+            <p:cNvGrpSpPr/>
+            <p:nvPr/>
+          </p:nvGrpSpPr>
+          <p:grpSpPr>
+            <a:xfrm>
+              <a:off x="1374294" y="6189539"/>
+              <a:ext cx="3138380" cy="448340"/>
+              <a:chOff x="838200" y="3975248"/>
+              <a:chExt cx="3138380" cy="448340"/>
+            </a:xfrm>
+            <a:solidFill>
+              <a:schemeClr val="bg2"/>
+            </a:solidFill>
+          </p:grpSpPr>
+          <p:sp>
+            <p:nvSpPr>
+              <p:cNvPr id="173" name="矩形 172">
+                <a:extLst>
+                  <a:ext uri="{FF2B5EF4-FFF2-40B4-BE49-F238E27FC236}">
+                    <a16:creationId xmlns:a16="http://schemas.microsoft.com/office/drawing/2014/main" id="{1955DEFD-0FB5-4767-8BA5-BFBEE4502DFD}"/>
+                  </a:ext>
+                </a:extLst>
+              </p:cNvPr>
+              <p:cNvSpPr/>
+              <p:nvPr/>
+            </p:nvSpPr>
+            <p:spPr>
+              <a:xfrm>
+                <a:off x="838200" y="3975248"/>
+                <a:ext cx="448340" cy="448340"/>
+              </a:xfrm>
+              <a:prstGeom prst="rect">
+                <a:avLst/>
+              </a:prstGeom>
+              <a:grpFill/>
+            </p:spPr>
+            <p:style>
+              <a:lnRef idx="2">
+                <a:schemeClr val="accent1">
+                  <a:shade val="50000"/>
+                </a:schemeClr>
+              </a:lnRef>
+              <a:fillRef idx="1">
+                <a:schemeClr val="accent1"/>
+              </a:fillRef>
+              <a:effectRef idx="0">
+                <a:schemeClr val="accent1"/>
+              </a:effectRef>
+              <a:fontRef idx="minor">
+                <a:schemeClr val="lt1"/>
+              </a:fontRef>
+            </p:style>
+            <p:txBody>
+              <a:bodyPr rtlCol="0" anchor="ctr"/>
+              <a:lstStyle/>
+              <a:p>
+                <a:pPr algn="ctr"/>
+                <a:endParaRPr lang="zh-TW" altLang="en-US"/>
+              </a:p>
+            </p:txBody>
+          </p:sp>
+          <p:sp>
+            <p:nvSpPr>
+              <p:cNvPr id="174" name="矩形 173">
+                <a:extLst>
+                  <a:ext uri="{FF2B5EF4-FFF2-40B4-BE49-F238E27FC236}">
+                    <a16:creationId xmlns:a16="http://schemas.microsoft.com/office/drawing/2014/main" id="{2CD952AC-6BF8-41A3-A37B-827B6AF0465C}"/>
+                  </a:ext>
+                </a:extLst>
+              </p:cNvPr>
+              <p:cNvSpPr/>
+              <p:nvPr/>
+            </p:nvSpPr>
+            <p:spPr>
+              <a:xfrm>
+                <a:off x="1286540" y="3975248"/>
+                <a:ext cx="448340" cy="448340"/>
+              </a:xfrm>
+              <a:prstGeom prst="rect">
+                <a:avLst/>
+              </a:prstGeom>
+              <a:grpFill/>
+            </p:spPr>
+            <p:style>
+              <a:lnRef idx="2">
+                <a:schemeClr val="accent1">
+                  <a:shade val="50000"/>
+                </a:schemeClr>
+              </a:lnRef>
+              <a:fillRef idx="1">
+                <a:schemeClr val="accent1"/>
+              </a:fillRef>
+              <a:effectRef idx="0">
+                <a:schemeClr val="accent1"/>
+              </a:effectRef>
+              <a:fontRef idx="minor">
+                <a:schemeClr val="lt1"/>
+              </a:fontRef>
+            </p:style>
+            <p:txBody>
+              <a:bodyPr rtlCol="0" anchor="ctr"/>
+              <a:lstStyle/>
+              <a:p>
+                <a:pPr algn="ctr"/>
+                <a:endParaRPr lang="zh-TW" altLang="en-US"/>
+              </a:p>
+            </p:txBody>
+          </p:sp>
+          <p:sp>
+            <p:nvSpPr>
+              <p:cNvPr id="175" name="矩形 174">
+                <a:extLst>
+                  <a:ext uri="{FF2B5EF4-FFF2-40B4-BE49-F238E27FC236}">
+                    <a16:creationId xmlns:a16="http://schemas.microsoft.com/office/drawing/2014/main" id="{E89A3D79-692F-407C-8938-1819FE86C9B6}"/>
+                  </a:ext>
+                </a:extLst>
+              </p:cNvPr>
+              <p:cNvSpPr/>
+              <p:nvPr/>
+            </p:nvSpPr>
+            <p:spPr>
+              <a:xfrm>
+                <a:off x="1734880" y="3975248"/>
+                <a:ext cx="448340" cy="448340"/>
+              </a:xfrm>
+              <a:prstGeom prst="rect">
+                <a:avLst/>
+              </a:prstGeom>
+              <a:grpFill/>
+            </p:spPr>
+            <p:style>
+              <a:lnRef idx="2">
+                <a:schemeClr val="accent1">
+                  <a:shade val="50000"/>
+                </a:schemeClr>
+              </a:lnRef>
+              <a:fillRef idx="1">
+                <a:schemeClr val="accent1"/>
+              </a:fillRef>
+              <a:effectRef idx="0">
+                <a:schemeClr val="accent1"/>
+              </a:effectRef>
+              <a:fontRef idx="minor">
+                <a:schemeClr val="lt1"/>
+              </a:fontRef>
+            </p:style>
+            <p:txBody>
+              <a:bodyPr rtlCol="0" anchor="ctr"/>
+              <a:lstStyle/>
+              <a:p>
+                <a:pPr algn="ctr"/>
+                <a:endParaRPr lang="zh-TW" altLang="en-US"/>
+              </a:p>
+            </p:txBody>
+          </p:sp>
+          <p:sp>
+            <p:nvSpPr>
+              <p:cNvPr id="176" name="矩形 175">
+                <a:extLst>
+                  <a:ext uri="{FF2B5EF4-FFF2-40B4-BE49-F238E27FC236}">
+                    <a16:creationId xmlns:a16="http://schemas.microsoft.com/office/drawing/2014/main" id="{F7B6B08D-3E27-44EE-A9A4-8CC3EFF1B16B}"/>
+                  </a:ext>
+                </a:extLst>
+              </p:cNvPr>
+              <p:cNvSpPr/>
+              <p:nvPr/>
+            </p:nvSpPr>
+            <p:spPr>
+              <a:xfrm>
+                <a:off x="2183220" y="3975248"/>
+                <a:ext cx="448340" cy="448340"/>
+              </a:xfrm>
+              <a:prstGeom prst="rect">
+                <a:avLst/>
+              </a:prstGeom>
+              <a:grpFill/>
+            </p:spPr>
+            <p:style>
+              <a:lnRef idx="2">
+                <a:schemeClr val="accent1">
+                  <a:shade val="50000"/>
+                </a:schemeClr>
+              </a:lnRef>
+              <a:fillRef idx="1">
+                <a:schemeClr val="accent1"/>
+              </a:fillRef>
+              <a:effectRef idx="0">
+                <a:schemeClr val="accent1"/>
+              </a:effectRef>
+              <a:fontRef idx="minor">
+                <a:schemeClr val="lt1"/>
+              </a:fontRef>
+            </p:style>
+            <p:txBody>
+              <a:bodyPr rtlCol="0" anchor="ctr"/>
+              <a:lstStyle/>
+              <a:p>
+                <a:pPr algn="ctr"/>
+                <a:endParaRPr lang="zh-TW" altLang="en-US"/>
+              </a:p>
+            </p:txBody>
+          </p:sp>
+          <p:sp>
+            <p:nvSpPr>
+              <p:cNvPr id="177" name="矩形 176">
+                <a:extLst>
+                  <a:ext uri="{FF2B5EF4-FFF2-40B4-BE49-F238E27FC236}">
+                    <a16:creationId xmlns:a16="http://schemas.microsoft.com/office/drawing/2014/main" id="{1BC474A1-512A-40FA-B636-9D94971F3B54}"/>
+                  </a:ext>
+                </a:extLst>
+              </p:cNvPr>
+              <p:cNvSpPr/>
+              <p:nvPr/>
+            </p:nvSpPr>
+            <p:spPr>
+              <a:xfrm>
+                <a:off x="2631560" y="3975248"/>
+                <a:ext cx="448340" cy="448340"/>
+              </a:xfrm>
+              <a:prstGeom prst="rect">
+                <a:avLst/>
+              </a:prstGeom>
+              <a:grpFill/>
+            </p:spPr>
+            <p:style>
+              <a:lnRef idx="2">
+                <a:schemeClr val="accent1">
+                  <a:shade val="50000"/>
+                </a:schemeClr>
+              </a:lnRef>
+              <a:fillRef idx="1">
+                <a:schemeClr val="accent1"/>
+              </a:fillRef>
+              <a:effectRef idx="0">
+                <a:schemeClr val="accent1"/>
+              </a:effectRef>
+              <a:fontRef idx="minor">
+                <a:schemeClr val="lt1"/>
+              </a:fontRef>
+            </p:style>
+            <p:txBody>
+              <a:bodyPr rtlCol="0" anchor="ctr"/>
+              <a:lstStyle/>
+              <a:p>
+                <a:pPr algn="ctr"/>
+                <a:endParaRPr lang="zh-TW" altLang="en-US"/>
+              </a:p>
+            </p:txBody>
+          </p:sp>
+          <p:sp>
+            <p:nvSpPr>
+              <p:cNvPr id="178" name="矩形 177">
+                <a:extLst>
+                  <a:ext uri="{FF2B5EF4-FFF2-40B4-BE49-F238E27FC236}">
+                    <a16:creationId xmlns:a16="http://schemas.microsoft.com/office/drawing/2014/main" id="{925C616D-50CB-48FC-B47F-108FDB179689}"/>
+                  </a:ext>
+                </a:extLst>
+              </p:cNvPr>
+              <p:cNvSpPr/>
+              <p:nvPr/>
+            </p:nvSpPr>
+            <p:spPr>
+              <a:xfrm>
+                <a:off x="3079900" y="3975248"/>
+                <a:ext cx="448340" cy="448340"/>
+              </a:xfrm>
+              <a:prstGeom prst="rect">
+                <a:avLst/>
+              </a:prstGeom>
+              <a:grpFill/>
+            </p:spPr>
+            <p:style>
+              <a:lnRef idx="2">
+                <a:schemeClr val="accent1">
+                  <a:shade val="50000"/>
+                </a:schemeClr>
+              </a:lnRef>
+              <a:fillRef idx="1">
+                <a:schemeClr val="accent1"/>
+              </a:fillRef>
+              <a:effectRef idx="0">
+                <a:schemeClr val="accent1"/>
+              </a:effectRef>
+              <a:fontRef idx="minor">
+                <a:schemeClr val="lt1"/>
+              </a:fontRef>
+            </p:style>
+            <p:txBody>
+              <a:bodyPr rtlCol="0" anchor="ctr"/>
+              <a:lstStyle/>
+              <a:p>
+                <a:pPr algn="ctr"/>
+                <a:endParaRPr lang="zh-TW" altLang="en-US"/>
+              </a:p>
+            </p:txBody>
+          </p:sp>
+          <p:sp>
+            <p:nvSpPr>
+              <p:cNvPr id="179" name="矩形 178">
+                <a:extLst>
+                  <a:ext uri="{FF2B5EF4-FFF2-40B4-BE49-F238E27FC236}">
+                    <a16:creationId xmlns:a16="http://schemas.microsoft.com/office/drawing/2014/main" id="{3B02EB07-097B-4931-A0F5-4612AD57EDAA}"/>
+                  </a:ext>
+                </a:extLst>
+              </p:cNvPr>
+              <p:cNvSpPr/>
+              <p:nvPr/>
+            </p:nvSpPr>
+            <p:spPr>
+              <a:xfrm>
+                <a:off x="3528240" y="3975248"/>
+                <a:ext cx="448340" cy="448340"/>
+              </a:xfrm>
+              <a:prstGeom prst="rect">
+                <a:avLst/>
+              </a:prstGeom>
+              <a:grpFill/>
+            </p:spPr>
+            <p:style>
+              <a:lnRef idx="2">
+                <a:schemeClr val="accent1">
+                  <a:shade val="50000"/>
+                </a:schemeClr>
+              </a:lnRef>
+              <a:fillRef idx="1">
+                <a:schemeClr val="accent1"/>
+              </a:fillRef>
+              <a:effectRef idx="0">
+                <a:schemeClr val="accent1"/>
+              </a:effectRef>
+              <a:fontRef idx="minor">
+                <a:schemeClr val="lt1"/>
+              </a:fontRef>
+            </p:style>
+            <p:txBody>
+              <a:bodyPr rtlCol="0" anchor="ctr"/>
+              <a:lstStyle/>
+              <a:p>
+                <a:pPr algn="ctr"/>
+                <a:endParaRPr lang="zh-TW" altLang="en-US"/>
+              </a:p>
+            </p:txBody>
+          </p:sp>
+        </p:grpSp>
+        <p:grpSp>
+          <p:nvGrpSpPr>
+            <p:cNvPr id="234" name="群組 233">
+              <a:extLst>
+                <a:ext uri="{FF2B5EF4-FFF2-40B4-BE49-F238E27FC236}">
+                  <a16:creationId xmlns:a16="http://schemas.microsoft.com/office/drawing/2014/main" id="{AE941D28-9CF8-476D-BF08-6F62F7E223F0}"/>
+                </a:ext>
+              </a:extLst>
+            </p:cNvPr>
+            <p:cNvGrpSpPr/>
+            <p:nvPr/>
+          </p:nvGrpSpPr>
+          <p:grpSpPr>
+            <a:xfrm>
+              <a:off x="1479573" y="6304025"/>
+              <a:ext cx="3138380" cy="448340"/>
+              <a:chOff x="838200" y="3975248"/>
+              <a:chExt cx="3138380" cy="448340"/>
+            </a:xfrm>
+            <a:solidFill>
+              <a:schemeClr val="bg2"/>
+            </a:solidFill>
+          </p:grpSpPr>
+          <p:sp>
+            <p:nvSpPr>
+              <p:cNvPr id="235" name="矩形 234">
+                <a:extLst>
+                  <a:ext uri="{FF2B5EF4-FFF2-40B4-BE49-F238E27FC236}">
+                    <a16:creationId xmlns:a16="http://schemas.microsoft.com/office/drawing/2014/main" id="{AFF3D03D-B6DE-404D-9F1D-F6F1E9053008}"/>
+                  </a:ext>
+                </a:extLst>
+              </p:cNvPr>
+              <p:cNvSpPr/>
+              <p:nvPr/>
+            </p:nvSpPr>
+            <p:spPr>
+              <a:xfrm>
+                <a:off x="838200" y="3975248"/>
+                <a:ext cx="448340" cy="448340"/>
+              </a:xfrm>
+              <a:prstGeom prst="rect">
+                <a:avLst/>
+              </a:prstGeom>
+              <a:grpFill/>
+            </p:spPr>
+            <p:style>
+              <a:lnRef idx="2">
+                <a:schemeClr val="accent1">
+                  <a:shade val="50000"/>
+                </a:schemeClr>
+              </a:lnRef>
+              <a:fillRef idx="1">
+                <a:schemeClr val="accent1"/>
+              </a:fillRef>
+              <a:effectRef idx="0">
+                <a:schemeClr val="accent1"/>
+              </a:effectRef>
+              <a:fontRef idx="minor">
+                <a:schemeClr val="lt1"/>
+              </a:fontRef>
+            </p:style>
+            <p:txBody>
+              <a:bodyPr rtlCol="0" anchor="ctr"/>
+              <a:lstStyle/>
+              <a:p>
+                <a:pPr algn="ctr"/>
+                <a:endParaRPr lang="zh-TW" altLang="en-US"/>
+              </a:p>
+            </p:txBody>
+          </p:sp>
+          <p:sp>
+            <p:nvSpPr>
+              <p:cNvPr id="236" name="矩形 235">
+                <a:extLst>
+                  <a:ext uri="{FF2B5EF4-FFF2-40B4-BE49-F238E27FC236}">
+                    <a16:creationId xmlns:a16="http://schemas.microsoft.com/office/drawing/2014/main" id="{75CB57D1-8AE2-4108-ADCF-4895033BA410}"/>
+                  </a:ext>
+                </a:extLst>
+              </p:cNvPr>
+              <p:cNvSpPr/>
+              <p:nvPr/>
+            </p:nvSpPr>
+            <p:spPr>
+              <a:xfrm>
+                <a:off x="1286540" y="3975248"/>
+                <a:ext cx="448340" cy="448340"/>
+              </a:xfrm>
+              <a:prstGeom prst="rect">
+                <a:avLst/>
+              </a:prstGeom>
+              <a:grpFill/>
+            </p:spPr>
+            <p:style>
+              <a:lnRef idx="2">
+                <a:schemeClr val="accent1">
+                  <a:shade val="50000"/>
+                </a:schemeClr>
+              </a:lnRef>
+              <a:fillRef idx="1">
+                <a:schemeClr val="accent1"/>
+              </a:fillRef>
+              <a:effectRef idx="0">
+                <a:schemeClr val="accent1"/>
+              </a:effectRef>
+              <a:fontRef idx="minor">
+                <a:schemeClr val="lt1"/>
+              </a:fontRef>
+            </p:style>
+            <p:txBody>
+              <a:bodyPr rtlCol="0" anchor="ctr"/>
+              <a:lstStyle/>
+              <a:p>
+                <a:pPr algn="ctr"/>
+                <a:endParaRPr lang="zh-TW" altLang="en-US"/>
+              </a:p>
+            </p:txBody>
+          </p:sp>
+          <p:sp>
+            <p:nvSpPr>
+              <p:cNvPr id="237" name="矩形 236">
+                <a:extLst>
+                  <a:ext uri="{FF2B5EF4-FFF2-40B4-BE49-F238E27FC236}">
+                    <a16:creationId xmlns:a16="http://schemas.microsoft.com/office/drawing/2014/main" id="{51B6E456-52DF-4157-84FB-C3F3F17C8C95}"/>
+                  </a:ext>
+                </a:extLst>
+              </p:cNvPr>
+              <p:cNvSpPr/>
+              <p:nvPr/>
+            </p:nvSpPr>
+            <p:spPr>
+              <a:xfrm>
+                <a:off x="1734880" y="3975248"/>
+                <a:ext cx="448340" cy="448340"/>
+              </a:xfrm>
+              <a:prstGeom prst="rect">
+                <a:avLst/>
+              </a:prstGeom>
+              <a:grpFill/>
+            </p:spPr>
+            <p:style>
+              <a:lnRef idx="2">
+                <a:schemeClr val="accent1">
+                  <a:shade val="50000"/>
+                </a:schemeClr>
+              </a:lnRef>
+              <a:fillRef idx="1">
+                <a:schemeClr val="accent1"/>
+              </a:fillRef>
+              <a:effectRef idx="0">
+                <a:schemeClr val="accent1"/>
+              </a:effectRef>
+              <a:fontRef idx="minor">
+                <a:schemeClr val="lt1"/>
+              </a:fontRef>
+            </p:style>
+            <p:txBody>
+              <a:bodyPr rtlCol="0" anchor="ctr"/>
+              <a:lstStyle/>
+              <a:p>
+                <a:pPr algn="ctr"/>
+                <a:endParaRPr lang="zh-TW" altLang="en-US"/>
+              </a:p>
+            </p:txBody>
+          </p:sp>
+          <p:sp>
+            <p:nvSpPr>
+              <p:cNvPr id="238" name="矩形 237">
+                <a:extLst>
+                  <a:ext uri="{FF2B5EF4-FFF2-40B4-BE49-F238E27FC236}">
+                    <a16:creationId xmlns:a16="http://schemas.microsoft.com/office/drawing/2014/main" id="{72439120-4A64-4FE7-AD6A-93DAF03A469A}"/>
+                  </a:ext>
+                </a:extLst>
+              </p:cNvPr>
+              <p:cNvSpPr/>
+              <p:nvPr/>
+            </p:nvSpPr>
+            <p:spPr>
+              <a:xfrm>
+                <a:off x="2183220" y="3975248"/>
+                <a:ext cx="448340" cy="448340"/>
+              </a:xfrm>
+              <a:prstGeom prst="rect">
+                <a:avLst/>
+              </a:prstGeom>
+              <a:grpFill/>
+            </p:spPr>
+            <p:style>
+              <a:lnRef idx="2">
+                <a:schemeClr val="accent1">
+                  <a:shade val="50000"/>
+                </a:schemeClr>
+              </a:lnRef>
+              <a:fillRef idx="1">
+                <a:schemeClr val="accent1"/>
+              </a:fillRef>
+              <a:effectRef idx="0">
+                <a:schemeClr val="accent1"/>
+              </a:effectRef>
+              <a:fontRef idx="minor">
+                <a:schemeClr val="lt1"/>
+              </a:fontRef>
+            </p:style>
+            <p:txBody>
+              <a:bodyPr rtlCol="0" anchor="ctr"/>
+              <a:lstStyle/>
+              <a:p>
+                <a:pPr algn="ctr"/>
+                <a:endParaRPr lang="zh-TW" altLang="en-US"/>
+              </a:p>
+            </p:txBody>
+          </p:sp>
+          <p:sp>
+            <p:nvSpPr>
+              <p:cNvPr id="239" name="矩形 238">
+                <a:extLst>
+                  <a:ext uri="{FF2B5EF4-FFF2-40B4-BE49-F238E27FC236}">
+                    <a16:creationId xmlns:a16="http://schemas.microsoft.com/office/drawing/2014/main" id="{1ADDDB86-808B-446C-9E0E-2E5B8E288DBB}"/>
+                  </a:ext>
+                </a:extLst>
+              </p:cNvPr>
+              <p:cNvSpPr/>
+              <p:nvPr/>
+            </p:nvSpPr>
+            <p:spPr>
+              <a:xfrm>
+                <a:off x="2631560" y="3975248"/>
+                <a:ext cx="448340" cy="448340"/>
+              </a:xfrm>
+              <a:prstGeom prst="rect">
+                <a:avLst/>
+              </a:prstGeom>
+              <a:grpFill/>
+            </p:spPr>
+            <p:style>
+              <a:lnRef idx="2">
+                <a:schemeClr val="accent1">
+                  <a:shade val="50000"/>
+                </a:schemeClr>
+              </a:lnRef>
+              <a:fillRef idx="1">
+                <a:schemeClr val="accent1"/>
+              </a:fillRef>
+              <a:effectRef idx="0">
+                <a:schemeClr val="accent1"/>
+              </a:effectRef>
+              <a:fontRef idx="minor">
+                <a:schemeClr val="lt1"/>
+              </a:fontRef>
+            </p:style>
+            <p:txBody>
+              <a:bodyPr rtlCol="0" anchor="ctr"/>
+              <a:lstStyle/>
+              <a:p>
+                <a:pPr algn="ctr"/>
+                <a:endParaRPr lang="zh-TW" altLang="en-US"/>
+              </a:p>
+            </p:txBody>
+          </p:sp>
+          <p:sp>
+            <p:nvSpPr>
+              <p:cNvPr id="240" name="矩形 239">
+                <a:extLst>
+                  <a:ext uri="{FF2B5EF4-FFF2-40B4-BE49-F238E27FC236}">
+                    <a16:creationId xmlns:a16="http://schemas.microsoft.com/office/drawing/2014/main" id="{AF9E94F7-556C-4970-B4F8-7EBF428344CC}"/>
+                  </a:ext>
+                </a:extLst>
+              </p:cNvPr>
+              <p:cNvSpPr/>
+              <p:nvPr/>
+            </p:nvSpPr>
+            <p:spPr>
+              <a:xfrm>
+                <a:off x="3079900" y="3975248"/>
+                <a:ext cx="448340" cy="448340"/>
+              </a:xfrm>
+              <a:prstGeom prst="rect">
+                <a:avLst/>
+              </a:prstGeom>
+              <a:grpFill/>
+            </p:spPr>
+            <p:style>
+              <a:lnRef idx="2">
+                <a:schemeClr val="accent1">
+                  <a:shade val="50000"/>
+                </a:schemeClr>
+              </a:lnRef>
+              <a:fillRef idx="1">
+                <a:schemeClr val="accent1"/>
+              </a:fillRef>
+              <a:effectRef idx="0">
+                <a:schemeClr val="accent1"/>
+              </a:effectRef>
+              <a:fontRef idx="minor">
+                <a:schemeClr val="lt1"/>
+              </a:fontRef>
+            </p:style>
+            <p:txBody>
+              <a:bodyPr rtlCol="0" anchor="ctr"/>
+              <a:lstStyle/>
+              <a:p>
+                <a:pPr algn="ctr"/>
+                <a:endParaRPr lang="zh-TW" altLang="en-US"/>
+              </a:p>
+            </p:txBody>
+          </p:sp>
+          <p:sp>
+            <p:nvSpPr>
+              <p:cNvPr id="241" name="矩形 240">
+                <a:extLst>
+                  <a:ext uri="{FF2B5EF4-FFF2-40B4-BE49-F238E27FC236}">
+                    <a16:creationId xmlns:a16="http://schemas.microsoft.com/office/drawing/2014/main" id="{77F7C967-AF31-4287-A051-9B98740A21AA}"/>
+                  </a:ext>
+                </a:extLst>
+              </p:cNvPr>
+              <p:cNvSpPr/>
+              <p:nvPr/>
+            </p:nvSpPr>
+            <p:spPr>
+              <a:xfrm>
+                <a:off x="3528240" y="3975248"/>
+                <a:ext cx="448340" cy="448340"/>
+              </a:xfrm>
+              <a:prstGeom prst="rect">
+                <a:avLst/>
+              </a:prstGeom>
+              <a:grpFill/>
+            </p:spPr>
+            <p:style>
+              <a:lnRef idx="2">
+                <a:schemeClr val="accent1">
+                  <a:shade val="50000"/>
+                </a:schemeClr>
+              </a:lnRef>
+              <a:fillRef idx="1">
+                <a:schemeClr val="accent1"/>
+              </a:fillRef>
+              <a:effectRef idx="0">
+                <a:schemeClr val="accent1"/>
+              </a:effectRef>
+              <a:fontRef idx="minor">
+                <a:schemeClr val="lt1"/>
+              </a:fontRef>
+            </p:style>
+            <p:txBody>
+              <a:bodyPr rtlCol="0" anchor="ctr"/>
+              <a:lstStyle/>
+              <a:p>
+                <a:pPr algn="ctr"/>
+                <a:endParaRPr lang="zh-TW" altLang="en-US"/>
+              </a:p>
+            </p:txBody>
+          </p:sp>
+        </p:grpSp>
+      </p:grpSp>
+      <p:cxnSp>
+        <p:nvCxnSpPr>
+          <p:cNvPr id="242" name="接點: 弧形 241">
+            <a:extLst>
+              <a:ext uri="{FF2B5EF4-FFF2-40B4-BE49-F238E27FC236}">
+                <a16:creationId xmlns:a16="http://schemas.microsoft.com/office/drawing/2014/main" id="{CC8E10B7-0683-42B4-8803-C602E7B39C69}"/>
+              </a:ext>
+            </a:extLst>
+          </p:cNvPr>
+          <p:cNvCxnSpPr/>
+          <p:nvPr/>
+        </p:nvCxnSpPr>
+        <p:spPr>
+          <a:xfrm rot="5400000">
+            <a:off x="10341551" y="4411533"/>
+            <a:ext cx="12700" cy="448340"/>
+          </a:xfrm>
+          <a:prstGeom prst="curvedConnector3">
+            <a:avLst>
+              <a:gd name="adj1" fmla="val 1800000"/>
+            </a:avLst>
+          </a:prstGeom>
+          <a:ln>
+            <a:tailEnd type="triangle"/>
+          </a:ln>
+        </p:spPr>
+        <p:style>
+          <a:lnRef idx="1">
+            <a:schemeClr val="accent1"/>
+          </a:lnRef>
+          <a:fillRef idx="0">
+            <a:schemeClr val="accent1"/>
+          </a:fillRef>
+          <a:effectRef idx="0">
+            <a:schemeClr val="accent1"/>
+          </a:effectRef>
+          <a:fontRef idx="minor">
+            <a:schemeClr val="tx1"/>
+          </a:fontRef>
+        </p:style>
+      </p:cxnSp>
+      <p:cxnSp>
+        <p:nvCxnSpPr>
+          <p:cNvPr id="243" name="接點: 弧形 242">
+            <a:extLst>
+              <a:ext uri="{FF2B5EF4-FFF2-40B4-BE49-F238E27FC236}">
+                <a16:creationId xmlns:a16="http://schemas.microsoft.com/office/drawing/2014/main" id="{216E1A1F-8DAA-4C42-A5D7-ADA7EE20BCF7}"/>
+              </a:ext>
+            </a:extLst>
+          </p:cNvPr>
+          <p:cNvCxnSpPr>
+            <a:cxnSpLocks/>
+          </p:cNvCxnSpPr>
+          <p:nvPr/>
+        </p:nvCxnSpPr>
+        <p:spPr>
+          <a:xfrm rot="5400000">
+            <a:off x="9444871" y="4411533"/>
+            <a:ext cx="12700" cy="448340"/>
+          </a:xfrm>
+          <a:prstGeom prst="curvedConnector3">
+            <a:avLst>
+              <a:gd name="adj1" fmla="val 1800000"/>
+            </a:avLst>
+          </a:prstGeom>
+          <a:ln>
+            <a:tailEnd type="triangle"/>
+          </a:ln>
+        </p:spPr>
+        <p:style>
+          <a:lnRef idx="1">
+            <a:schemeClr val="accent1"/>
+          </a:lnRef>
+          <a:fillRef idx="0">
+            <a:schemeClr val="accent1"/>
+          </a:fillRef>
+          <a:effectRef idx="0">
+            <a:schemeClr val="accent1"/>
+          </a:effectRef>
+          <a:fontRef idx="minor">
+            <a:schemeClr val="tx1"/>
+          </a:fontRef>
+        </p:style>
+      </p:cxnSp>
+      <p:cxnSp>
+        <p:nvCxnSpPr>
+          <p:cNvPr id="244" name="接點: 弧形 243">
+            <a:extLst>
+              <a:ext uri="{FF2B5EF4-FFF2-40B4-BE49-F238E27FC236}">
+                <a16:creationId xmlns:a16="http://schemas.microsoft.com/office/drawing/2014/main" id="{D55838C4-3ECD-4838-91E1-F7DB66ECC5B4}"/>
+              </a:ext>
+            </a:extLst>
+          </p:cNvPr>
+          <p:cNvCxnSpPr>
+            <a:cxnSpLocks/>
+          </p:cNvCxnSpPr>
+          <p:nvPr/>
+        </p:nvCxnSpPr>
+        <p:spPr>
+          <a:xfrm rot="5400000">
+            <a:off x="9893211" y="4411533"/>
+            <a:ext cx="12700" cy="448340"/>
+          </a:xfrm>
+          <a:prstGeom prst="curvedConnector3">
+            <a:avLst>
+              <a:gd name="adj1" fmla="val 1800000"/>
+            </a:avLst>
+          </a:prstGeom>
+          <a:ln>
+            <a:tailEnd type="triangle"/>
+          </a:ln>
+        </p:spPr>
+        <p:style>
+          <a:lnRef idx="1">
+            <a:schemeClr val="accent1"/>
+          </a:lnRef>
+          <a:fillRef idx="0">
+            <a:schemeClr val="accent1"/>
+          </a:fillRef>
+          <a:effectRef idx="0">
+            <a:schemeClr val="accent1"/>
+          </a:effectRef>
+          <a:fontRef idx="minor">
+            <a:schemeClr val="tx1"/>
+          </a:fontRef>
+        </p:style>
+      </p:cxnSp>
+      <p:cxnSp>
+        <p:nvCxnSpPr>
+          <p:cNvPr id="245" name="接點: 弧形 244">
+            <a:extLst>
+              <a:ext uri="{FF2B5EF4-FFF2-40B4-BE49-F238E27FC236}">
+                <a16:creationId xmlns:a16="http://schemas.microsoft.com/office/drawing/2014/main" id="{1A3162EE-1082-444C-8A99-6A043B7E3534}"/>
+              </a:ext>
+            </a:extLst>
+          </p:cNvPr>
+          <p:cNvCxnSpPr>
+            <a:cxnSpLocks/>
+          </p:cNvCxnSpPr>
+          <p:nvPr/>
+        </p:nvCxnSpPr>
+        <p:spPr>
+          <a:xfrm rot="5400000">
+            <a:off x="8996531" y="4411533"/>
+            <a:ext cx="12700" cy="448340"/>
+          </a:xfrm>
+          <a:prstGeom prst="curvedConnector3">
+            <a:avLst>
+              <a:gd name="adj1" fmla="val 1800000"/>
+            </a:avLst>
+          </a:prstGeom>
+          <a:ln>
+            <a:tailEnd type="triangle"/>
+          </a:ln>
+        </p:spPr>
+        <p:style>
+          <a:lnRef idx="1">
+            <a:schemeClr val="accent1"/>
+          </a:lnRef>
+          <a:fillRef idx="0">
+            <a:schemeClr val="accent1"/>
+          </a:fillRef>
+          <a:effectRef idx="0">
+            <a:schemeClr val="accent1"/>
+          </a:effectRef>
+          <a:fontRef idx="minor">
+            <a:schemeClr val="tx1"/>
+          </a:fontRef>
+        </p:style>
+      </p:cxnSp>
+      <p:cxnSp>
+        <p:nvCxnSpPr>
+          <p:cNvPr id="246" name="接點: 弧形 245">
+            <a:extLst>
+              <a:ext uri="{FF2B5EF4-FFF2-40B4-BE49-F238E27FC236}">
+                <a16:creationId xmlns:a16="http://schemas.microsoft.com/office/drawing/2014/main" id="{3B111E46-513A-4264-A5CF-2B5B48107538}"/>
+              </a:ext>
+            </a:extLst>
+          </p:cNvPr>
+          <p:cNvCxnSpPr>
+            <a:cxnSpLocks/>
+          </p:cNvCxnSpPr>
+          <p:nvPr/>
+        </p:nvCxnSpPr>
+        <p:spPr>
+          <a:xfrm rot="5400000">
+            <a:off x="8548191" y="4411533"/>
+            <a:ext cx="12700" cy="448340"/>
+          </a:xfrm>
+          <a:prstGeom prst="curvedConnector3">
+            <a:avLst>
+              <a:gd name="adj1" fmla="val 1800000"/>
+            </a:avLst>
+          </a:prstGeom>
+          <a:ln>
+            <a:tailEnd type="triangle"/>
+          </a:ln>
+        </p:spPr>
+        <p:style>
+          <a:lnRef idx="1">
+            <a:schemeClr val="accent1"/>
+          </a:lnRef>
+          <a:fillRef idx="0">
+            <a:schemeClr val="accent1"/>
+          </a:fillRef>
+          <a:effectRef idx="0">
+            <a:schemeClr val="accent1"/>
+          </a:effectRef>
+          <a:fontRef idx="minor">
+            <a:schemeClr val="tx1"/>
+          </a:fontRef>
+        </p:style>
+      </p:cxnSp>
+      <p:cxnSp>
+        <p:nvCxnSpPr>
+          <p:cNvPr id="247" name="接點: 弧形 246">
+            <a:extLst>
+              <a:ext uri="{FF2B5EF4-FFF2-40B4-BE49-F238E27FC236}">
+                <a16:creationId xmlns:a16="http://schemas.microsoft.com/office/drawing/2014/main" id="{6582FD09-D075-4229-B08F-9E1BC27E2731}"/>
+              </a:ext>
+            </a:extLst>
+          </p:cNvPr>
+          <p:cNvCxnSpPr>
+            <a:cxnSpLocks/>
+          </p:cNvCxnSpPr>
+          <p:nvPr/>
+        </p:nvCxnSpPr>
+        <p:spPr>
+          <a:xfrm rot="5400000">
+            <a:off x="8099851" y="4411533"/>
+            <a:ext cx="12700" cy="448340"/>
+          </a:xfrm>
+          <a:prstGeom prst="curvedConnector3">
+            <a:avLst>
+              <a:gd name="adj1" fmla="val 1800000"/>
+            </a:avLst>
+          </a:prstGeom>
+          <a:ln>
+            <a:tailEnd type="triangle"/>
+          </a:ln>
+        </p:spPr>
+        <p:style>
+          <a:lnRef idx="1">
+            <a:schemeClr val="accent1"/>
+          </a:lnRef>
+          <a:fillRef idx="0">
+            <a:schemeClr val="accent1"/>
+          </a:fillRef>
+          <a:effectRef idx="0">
+            <a:schemeClr val="accent1"/>
+          </a:effectRef>
+          <a:fontRef idx="minor">
+            <a:schemeClr val="tx1"/>
+          </a:fontRef>
+        </p:style>
+      </p:cxnSp>
+      <p:cxnSp>
+        <p:nvCxnSpPr>
+          <p:cNvPr id="248" name="接點: 弧形 247">
+            <a:extLst>
+              <a:ext uri="{FF2B5EF4-FFF2-40B4-BE49-F238E27FC236}">
+                <a16:creationId xmlns:a16="http://schemas.microsoft.com/office/drawing/2014/main" id="{898D1A4F-0711-45E6-B4A9-9B10CB72B0B3}"/>
+              </a:ext>
+            </a:extLst>
+          </p:cNvPr>
+          <p:cNvCxnSpPr>
+            <a:cxnSpLocks/>
+          </p:cNvCxnSpPr>
+          <p:nvPr/>
+        </p:nvCxnSpPr>
+        <p:spPr>
+          <a:xfrm rot="5400000">
+            <a:off x="7651511" y="4411533"/>
+            <a:ext cx="12700" cy="448340"/>
+          </a:xfrm>
+          <a:prstGeom prst="curvedConnector3">
+            <a:avLst>
+              <a:gd name="adj1" fmla="val 1800000"/>
+            </a:avLst>
+          </a:prstGeom>
+          <a:ln>
+            <a:tailEnd type="triangle"/>
+          </a:ln>
+        </p:spPr>
+        <p:style>
+          <a:lnRef idx="1">
+            <a:schemeClr val="accent1"/>
+          </a:lnRef>
+          <a:fillRef idx="0">
+            <a:schemeClr val="accent1"/>
+          </a:fillRef>
+          <a:effectRef idx="0">
+            <a:schemeClr val="accent1"/>
+          </a:effectRef>
+          <a:fontRef idx="minor">
+            <a:schemeClr val="tx1"/>
+          </a:fontRef>
+        </p:style>
+      </p:cxnSp>
+      <p:cxnSp>
+        <p:nvCxnSpPr>
+          <p:cNvPr id="40" name="直線單箭頭接點 39">
+            <a:extLst>
+              <a:ext uri="{FF2B5EF4-FFF2-40B4-BE49-F238E27FC236}">
+                <a16:creationId xmlns:a16="http://schemas.microsoft.com/office/drawing/2014/main" id="{7E194B9A-1102-4013-A009-D06BE589C470}"/>
+              </a:ext>
+            </a:extLst>
+          </p:cNvPr>
+          <p:cNvCxnSpPr/>
+          <p:nvPr/>
+        </p:nvCxnSpPr>
+        <p:spPr>
+          <a:xfrm>
+            <a:off x="2519119" y="5029200"/>
+            <a:ext cx="0" cy="616688"/>
+          </a:xfrm>
+          <a:prstGeom prst="straightConnector1">
+            <a:avLst/>
+          </a:prstGeom>
+          <a:ln w="28575">
+            <a:solidFill>
+              <a:schemeClr val="tx1"/>
+            </a:solidFill>
+            <a:tailEnd type="triangle"/>
+          </a:ln>
+        </p:spPr>
+        <p:style>
+          <a:lnRef idx="1">
+            <a:schemeClr val="accent1"/>
+          </a:lnRef>
+          <a:fillRef idx="0">
+            <a:schemeClr val="accent1"/>
+          </a:fillRef>
+          <a:effectRef idx="0">
+            <a:schemeClr val="accent1"/>
+          </a:effectRef>
+          <a:fontRef idx="minor">
+            <a:schemeClr val="tx1"/>
+          </a:fontRef>
+        </p:style>
+      </p:cxnSp>
+      <p:sp>
+        <p:nvSpPr>
+          <p:cNvPr id="41" name="文字方塊 40">
+            <a:extLst>
+              <a:ext uri="{FF2B5EF4-FFF2-40B4-BE49-F238E27FC236}">
+                <a16:creationId xmlns:a16="http://schemas.microsoft.com/office/drawing/2014/main" id="{7089E6C8-A0AB-4A34-B0F3-ED48C5F43025}"/>
+              </a:ext>
+            </a:extLst>
+          </p:cNvPr>
+          <p:cNvSpPr txBox="1"/>
+          <p:nvPr/>
+        </p:nvSpPr>
+        <p:spPr>
+          <a:xfrm>
+            <a:off x="2532718" y="5152878"/>
+            <a:ext cx="3087872" cy="369332"/>
+          </a:xfrm>
+          <a:prstGeom prst="rect">
+            <a:avLst/>
+          </a:prstGeom>
+          <a:noFill/>
+        </p:spPr>
+        <p:txBody>
+          <a:bodyPr wrap="square" rtlCol="0" anchor="ctr">
+            <a:spAutoFit/>
+          </a:bodyPr>
+          <a:lstStyle/>
+          <a:p>
+            <a:pPr algn="ctr"/>
+            <a:r>
+              <a:rPr lang="en-US" altLang="zh-TW" dirty="0"/>
+              <a:t>Times 5 different speed ratios</a:t>
+            </a:r>
+            <a:endParaRPr lang="zh-TW" altLang="en-US" dirty="0"/>
+          </a:p>
+        </p:txBody>
+      </p:sp>
+      <p:sp>
+        <p:nvSpPr>
+          <p:cNvPr id="249" name="文字方塊 248">
+            <a:extLst>
+              <a:ext uri="{FF2B5EF4-FFF2-40B4-BE49-F238E27FC236}">
+                <a16:creationId xmlns:a16="http://schemas.microsoft.com/office/drawing/2014/main" id="{97196375-A8C8-44B8-B352-B7F497FA14E2}"/>
+              </a:ext>
+            </a:extLst>
+          </p:cNvPr>
+          <p:cNvSpPr txBox="1"/>
+          <p:nvPr/>
+        </p:nvSpPr>
+        <p:spPr>
+          <a:xfrm>
+            <a:off x="7388285" y="3506388"/>
+            <a:ext cx="3229192" cy="369332"/>
+          </a:xfrm>
+          <a:prstGeom prst="rect">
+            <a:avLst/>
+          </a:prstGeom>
+          <a:noFill/>
+        </p:spPr>
+        <p:txBody>
+          <a:bodyPr wrap="square" rtlCol="0" anchor="ctr">
+            <a:spAutoFit/>
+          </a:bodyPr>
+          <a:lstStyle/>
+          <a:p>
+            <a:pPr algn="ctr"/>
+            <a:r>
+              <a:rPr lang="en-US" altLang="zh-TW" dirty="0"/>
+              <a:t>Generate a new feature vector</a:t>
+            </a:r>
+            <a:endParaRPr lang="zh-TW" altLang="en-US" dirty="0"/>
+          </a:p>
+        </p:txBody>
+      </p:sp>
+      <p:cxnSp>
+        <p:nvCxnSpPr>
+          <p:cNvPr id="43" name="接點: 弧形 42">
+            <a:extLst>
+              <a:ext uri="{FF2B5EF4-FFF2-40B4-BE49-F238E27FC236}">
+                <a16:creationId xmlns:a16="http://schemas.microsoft.com/office/drawing/2014/main" id="{6C482687-E6F1-4C21-97CC-268DEBFE8288}"/>
+              </a:ext>
+            </a:extLst>
+          </p:cNvPr>
+          <p:cNvCxnSpPr>
+            <a:stCxn id="241" idx="3"/>
+            <a:endCxn id="141" idx="1"/>
+          </p:cNvCxnSpPr>
+          <p:nvPr/>
+        </p:nvCxnSpPr>
+        <p:spPr>
+          <a:xfrm flipV="1">
+            <a:off x="4510864" y="5301507"/>
+            <a:ext cx="2915579" cy="1226329"/>
+          </a:xfrm>
+          <a:prstGeom prst="curvedConnector3">
+            <a:avLst/>
+          </a:prstGeom>
+          <a:ln w="19050">
+            <a:solidFill>
+              <a:schemeClr val="tx1"/>
+            </a:solidFill>
+            <a:tailEnd type="triangle"/>
+          </a:ln>
+        </p:spPr>
+        <p:style>
+          <a:lnRef idx="1">
+            <a:schemeClr val="accent1"/>
+          </a:lnRef>
+          <a:fillRef idx="0">
+            <a:schemeClr val="accent1"/>
+          </a:fillRef>
+          <a:effectRef idx="0">
+            <a:schemeClr val="accent1"/>
+          </a:effectRef>
+          <a:fontRef idx="minor">
+            <a:schemeClr val="tx1"/>
+          </a:fontRef>
+        </p:style>
+      </p:cxnSp>
+    </p:spTree>
+    <p:extLst>
+      <p:ext uri="{BB962C8B-B14F-4D97-AF65-F5344CB8AC3E}">
+        <p14:creationId xmlns:p14="http://schemas.microsoft.com/office/powerpoint/2010/main" val="2520479912"/>
+      </p:ext>
+    </p:extLst>
+  </p:cSld>
+  <p:clrMapOvr>
+    <a:masterClrMapping/>
+  </p:clrMapOvr>
+</p:sld>
+</file>
+
+<file path=ppt/slides/slide25.xml><?xml version="1.0" encoding="utf-8"?>
+<p:sld xmlns:a="http://schemas.openxmlformats.org/drawingml/2006/main" xmlns:r="http://schemas.openxmlformats.org/officeDocument/2006/relationships" xmlns:p="http://schemas.openxmlformats.org/presentationml/2006/main">
+  <p:cSld>
+    <p:spTree>
+      <p:nvGrpSpPr>
+        <p:cNvPr id="1" name=""/>
+        <p:cNvGrpSpPr/>
+        <p:nvPr/>
+      </p:nvGrpSpPr>
+      <p:grpSpPr>
+        <a:xfrm>
+          <a:off x="0" y="0"/>
+          <a:ext cx="0" cy="0"/>
+          <a:chOff x="0" y="0"/>
+          <a:chExt cx="0" cy="0"/>
+        </a:xfrm>
+      </p:grpSpPr>
+      <p:sp>
+        <p:nvSpPr>
+          <p:cNvPr id="2" name="標題 1">
+            <a:extLst>
+              <a:ext uri="{FF2B5EF4-FFF2-40B4-BE49-F238E27FC236}">
+                <a16:creationId xmlns:a16="http://schemas.microsoft.com/office/drawing/2014/main" id="{FC5D2D18-0647-4305-B908-BE11845B8FFC}"/>
+              </a:ext>
+            </a:extLst>
+          </p:cNvPr>
+          <p:cNvSpPr>
+            <a:spLocks noGrp="1"/>
+          </p:cNvSpPr>
+          <p:nvPr>
+            <p:ph type="title"/>
+          </p:nvPr>
+        </p:nvSpPr>
+        <p:spPr/>
+        <p:txBody>
+          <a:bodyPr/>
+          <a:lstStyle/>
+          <a:p>
+            <a:r>
+              <a:rPr lang="en-US" altLang="zh-TW" b="1" dirty="0"/>
+              <a:t>Full-body pose reconstruction – performing  </a:t>
+            </a:r>
+            <a:endParaRPr lang="zh-TW" altLang="en-US" dirty="0"/>
+          </a:p>
+        </p:txBody>
+      </p:sp>
+      <p:sp>
+        <p:nvSpPr>
+          <p:cNvPr id="4" name="投影片編號版面配置區 3">
+            <a:extLst>
+              <a:ext uri="{FF2B5EF4-FFF2-40B4-BE49-F238E27FC236}">
+                <a16:creationId xmlns:a16="http://schemas.microsoft.com/office/drawing/2014/main" id="{896A4EF3-3553-49AE-91C1-5FC991A2297D}"/>
+              </a:ext>
+            </a:extLst>
+          </p:cNvPr>
+          <p:cNvSpPr>
+            <a:spLocks noGrp="1"/>
+          </p:cNvSpPr>
+          <p:nvPr>
+            <p:ph type="sldNum" sz="quarter" idx="12"/>
+          </p:nvPr>
+        </p:nvSpPr>
+        <p:spPr/>
+        <p:txBody>
+          <a:bodyPr/>
+          <a:lstStyle/>
+          <a:p>
+            <a:fld id="{D149E3A1-F5A3-43F6-A114-638605801008}" type="slidenum">
+              <a:rPr lang="zh-TW" altLang="en-US" smtClean="0"/>
+              <a:t>25</a:t>
+            </a:fld>
+            <a:endParaRPr lang="zh-TW" altLang="en-US"/>
+          </a:p>
+        </p:txBody>
+      </p:sp>
+      <p:grpSp>
+        <p:nvGrpSpPr>
+          <p:cNvPr id="6" name="群組 5">
+            <a:extLst>
+              <a:ext uri="{FF2B5EF4-FFF2-40B4-BE49-F238E27FC236}">
+                <a16:creationId xmlns:a16="http://schemas.microsoft.com/office/drawing/2014/main" id="{7B949938-EECD-4C16-9847-D640E434B4F4}"/>
+              </a:ext>
+            </a:extLst>
+          </p:cNvPr>
+          <p:cNvGrpSpPr/>
+          <p:nvPr/>
+        </p:nvGrpSpPr>
+        <p:grpSpPr>
+          <a:xfrm>
+            <a:off x="4302640" y="2314921"/>
+            <a:ext cx="3586720" cy="448340"/>
+            <a:chOff x="838200" y="3975248"/>
+            <a:chExt cx="3586720" cy="448340"/>
+          </a:xfrm>
+          <a:solidFill>
+            <a:schemeClr val="accent5">
+              <a:lumMod val="60000"/>
+              <a:lumOff val="40000"/>
+            </a:schemeClr>
+          </a:solidFill>
+        </p:grpSpPr>
+        <p:sp>
+          <p:nvSpPr>
+            <p:cNvPr id="7" name="矩形 6">
+              <a:extLst>
+                <a:ext uri="{FF2B5EF4-FFF2-40B4-BE49-F238E27FC236}">
+                  <a16:creationId xmlns:a16="http://schemas.microsoft.com/office/drawing/2014/main" id="{DD0423FB-E7CA-4093-9DFA-5BFFB35D3D0E}"/>
+                </a:ext>
+              </a:extLst>
+            </p:cNvPr>
+            <p:cNvSpPr/>
+            <p:nvPr/>
+          </p:nvSpPr>
+          <p:spPr>
+            <a:xfrm>
+              <a:off x="838200" y="3975248"/>
+              <a:ext cx="448340" cy="448340"/>
+            </a:xfrm>
+            <a:prstGeom prst="rect">
+              <a:avLst/>
+            </a:prstGeom>
+            <a:grpFill/>
+          </p:spPr>
+          <p:style>
+            <a:lnRef idx="2">
+              <a:schemeClr val="accent1">
+                <a:shade val="50000"/>
+              </a:schemeClr>
+            </a:lnRef>
+            <a:fillRef idx="1">
+              <a:schemeClr val="accent1"/>
+            </a:fillRef>
+            <a:effectRef idx="0">
+              <a:schemeClr val="accent1"/>
+            </a:effectRef>
+            <a:fontRef idx="minor">
+              <a:schemeClr val="lt1"/>
+            </a:fontRef>
+          </p:style>
+          <p:txBody>
+            <a:bodyPr rtlCol="0" anchor="ctr"/>
+            <a:lstStyle/>
+            <a:p>
+              <a:pPr algn="ctr"/>
+              <a:endParaRPr lang="zh-TW" altLang="en-US"/>
+            </a:p>
+          </p:txBody>
+        </p:sp>
+        <p:sp>
+          <p:nvSpPr>
+            <p:cNvPr id="8" name="矩形 7">
+              <a:extLst>
+                <a:ext uri="{FF2B5EF4-FFF2-40B4-BE49-F238E27FC236}">
+                  <a16:creationId xmlns:a16="http://schemas.microsoft.com/office/drawing/2014/main" id="{41FAB594-94F0-41FD-8861-539E40B32EA9}"/>
+                </a:ext>
+              </a:extLst>
+            </p:cNvPr>
+            <p:cNvSpPr/>
+            <p:nvPr/>
+          </p:nvSpPr>
+          <p:spPr>
+            <a:xfrm>
+              <a:off x="1286540" y="3975248"/>
+              <a:ext cx="448340" cy="448340"/>
+            </a:xfrm>
+            <a:prstGeom prst="rect">
+              <a:avLst/>
+            </a:prstGeom>
+            <a:grpFill/>
+          </p:spPr>
+          <p:style>
+            <a:lnRef idx="2">
+              <a:schemeClr val="accent1">
+                <a:shade val="50000"/>
+              </a:schemeClr>
+            </a:lnRef>
+            <a:fillRef idx="1">
+              <a:schemeClr val="accent1"/>
+            </a:fillRef>
+            <a:effectRef idx="0">
+              <a:schemeClr val="accent1"/>
+            </a:effectRef>
+            <a:fontRef idx="minor">
+              <a:schemeClr val="lt1"/>
+            </a:fontRef>
+          </p:style>
+          <p:txBody>
+            <a:bodyPr rtlCol="0" anchor="ctr"/>
+            <a:lstStyle/>
+            <a:p>
+              <a:pPr algn="ctr"/>
+              <a:endParaRPr lang="zh-TW" altLang="en-US"/>
+            </a:p>
+          </p:txBody>
+        </p:sp>
+        <p:sp>
+          <p:nvSpPr>
+            <p:cNvPr id="9" name="矩形 8">
+              <a:extLst>
+                <a:ext uri="{FF2B5EF4-FFF2-40B4-BE49-F238E27FC236}">
+                  <a16:creationId xmlns:a16="http://schemas.microsoft.com/office/drawing/2014/main" id="{0DEDC6C2-967B-4151-9016-A5B5FADDCB2D}"/>
+                </a:ext>
+              </a:extLst>
+            </p:cNvPr>
+            <p:cNvSpPr/>
+            <p:nvPr/>
+          </p:nvSpPr>
+          <p:spPr>
+            <a:xfrm>
+              <a:off x="1734880" y="3975248"/>
+              <a:ext cx="448340" cy="448340"/>
+            </a:xfrm>
+            <a:prstGeom prst="rect">
+              <a:avLst/>
+            </a:prstGeom>
+            <a:grpFill/>
+          </p:spPr>
+          <p:style>
+            <a:lnRef idx="2">
+              <a:schemeClr val="accent1">
+                <a:shade val="50000"/>
+              </a:schemeClr>
+            </a:lnRef>
+            <a:fillRef idx="1">
+              <a:schemeClr val="accent1"/>
+            </a:fillRef>
+            <a:effectRef idx="0">
+              <a:schemeClr val="accent1"/>
+            </a:effectRef>
+            <a:fontRef idx="minor">
+              <a:schemeClr val="lt1"/>
+            </a:fontRef>
+          </p:style>
+          <p:txBody>
+            <a:bodyPr rtlCol="0" anchor="ctr"/>
+            <a:lstStyle/>
+            <a:p>
+              <a:pPr algn="ctr"/>
+              <a:endParaRPr lang="zh-TW" altLang="en-US"/>
+            </a:p>
+          </p:txBody>
+        </p:sp>
+        <p:sp>
+          <p:nvSpPr>
+            <p:cNvPr id="10" name="矩形 9">
+              <a:extLst>
+                <a:ext uri="{FF2B5EF4-FFF2-40B4-BE49-F238E27FC236}">
+                  <a16:creationId xmlns:a16="http://schemas.microsoft.com/office/drawing/2014/main" id="{509149F1-3305-4B2D-A98F-490427F4EB76}"/>
+                </a:ext>
+              </a:extLst>
+            </p:cNvPr>
+            <p:cNvSpPr/>
+            <p:nvPr/>
+          </p:nvSpPr>
+          <p:spPr>
+            <a:xfrm>
+              <a:off x="2183220" y="3975248"/>
+              <a:ext cx="448340" cy="448340"/>
+            </a:xfrm>
+            <a:prstGeom prst="rect">
+              <a:avLst/>
+            </a:prstGeom>
+            <a:grpFill/>
+          </p:spPr>
+          <p:style>
+            <a:lnRef idx="2">
+              <a:schemeClr val="accent1">
+                <a:shade val="50000"/>
+              </a:schemeClr>
+            </a:lnRef>
+            <a:fillRef idx="1">
+              <a:schemeClr val="accent1"/>
+            </a:fillRef>
+            <a:effectRef idx="0">
+              <a:schemeClr val="accent1"/>
+            </a:effectRef>
+            <a:fontRef idx="minor">
+              <a:schemeClr val="lt1"/>
+            </a:fontRef>
+          </p:style>
+          <p:txBody>
+            <a:bodyPr rtlCol="0" anchor="ctr"/>
+            <a:lstStyle/>
+            <a:p>
+              <a:pPr algn="ctr"/>
+              <a:endParaRPr lang="zh-TW" altLang="en-US"/>
+            </a:p>
+          </p:txBody>
+        </p:sp>
+        <p:sp>
+          <p:nvSpPr>
+            <p:cNvPr id="11" name="矩形 10">
+              <a:extLst>
+                <a:ext uri="{FF2B5EF4-FFF2-40B4-BE49-F238E27FC236}">
+                  <a16:creationId xmlns:a16="http://schemas.microsoft.com/office/drawing/2014/main" id="{0EE87806-1318-41B4-837C-6913E68475E6}"/>
+                </a:ext>
+              </a:extLst>
+            </p:cNvPr>
+            <p:cNvSpPr/>
+            <p:nvPr/>
+          </p:nvSpPr>
+          <p:spPr>
+            <a:xfrm>
+              <a:off x="2631560" y="3975248"/>
+              <a:ext cx="448340" cy="448340"/>
+            </a:xfrm>
+            <a:prstGeom prst="rect">
+              <a:avLst/>
+            </a:prstGeom>
+            <a:grpFill/>
+          </p:spPr>
+          <p:style>
+            <a:lnRef idx="2">
+              <a:schemeClr val="accent1">
+                <a:shade val="50000"/>
+              </a:schemeClr>
+            </a:lnRef>
+            <a:fillRef idx="1">
+              <a:schemeClr val="accent1"/>
+            </a:fillRef>
+            <a:effectRef idx="0">
+              <a:schemeClr val="accent1"/>
+            </a:effectRef>
+            <a:fontRef idx="minor">
+              <a:schemeClr val="lt1"/>
+            </a:fontRef>
+          </p:style>
+          <p:txBody>
+            <a:bodyPr rtlCol="0" anchor="ctr"/>
+            <a:lstStyle/>
+            <a:p>
+              <a:pPr algn="ctr"/>
+              <a:endParaRPr lang="zh-TW" altLang="en-US"/>
+            </a:p>
+          </p:txBody>
+        </p:sp>
+        <p:sp>
+          <p:nvSpPr>
+            <p:cNvPr id="12" name="矩形 11">
+              <a:extLst>
+                <a:ext uri="{FF2B5EF4-FFF2-40B4-BE49-F238E27FC236}">
+                  <a16:creationId xmlns:a16="http://schemas.microsoft.com/office/drawing/2014/main" id="{C027D352-A7DC-418B-A0B8-FF1150FC5B17}"/>
+                </a:ext>
+              </a:extLst>
+            </p:cNvPr>
+            <p:cNvSpPr/>
+            <p:nvPr/>
+          </p:nvSpPr>
+          <p:spPr>
+            <a:xfrm>
+              <a:off x="3079900" y="3975248"/>
+              <a:ext cx="448340" cy="448340"/>
+            </a:xfrm>
+            <a:prstGeom prst="rect">
+              <a:avLst/>
+            </a:prstGeom>
+            <a:grpFill/>
+          </p:spPr>
+          <p:style>
+            <a:lnRef idx="2">
+              <a:schemeClr val="accent1">
+                <a:shade val="50000"/>
+              </a:schemeClr>
+            </a:lnRef>
+            <a:fillRef idx="1">
+              <a:schemeClr val="accent1"/>
+            </a:fillRef>
+            <a:effectRef idx="0">
+              <a:schemeClr val="accent1"/>
+            </a:effectRef>
+            <a:fontRef idx="minor">
+              <a:schemeClr val="lt1"/>
+            </a:fontRef>
+          </p:style>
+          <p:txBody>
+            <a:bodyPr rtlCol="0" anchor="ctr"/>
+            <a:lstStyle/>
+            <a:p>
+              <a:pPr algn="ctr"/>
+              <a:endParaRPr lang="zh-TW" altLang="en-US"/>
+            </a:p>
+          </p:txBody>
+        </p:sp>
+        <p:sp>
+          <p:nvSpPr>
+            <p:cNvPr id="13" name="矩形 12">
+              <a:extLst>
+                <a:ext uri="{FF2B5EF4-FFF2-40B4-BE49-F238E27FC236}">
+                  <a16:creationId xmlns:a16="http://schemas.microsoft.com/office/drawing/2014/main" id="{FBF183B9-0679-4B1E-968C-C64FD1B656A5}"/>
+                </a:ext>
+              </a:extLst>
+            </p:cNvPr>
+            <p:cNvSpPr/>
+            <p:nvPr/>
+          </p:nvSpPr>
+          <p:spPr>
+            <a:xfrm>
+              <a:off x="3528240" y="3975248"/>
+              <a:ext cx="448340" cy="448340"/>
+            </a:xfrm>
+            <a:prstGeom prst="rect">
+              <a:avLst/>
+            </a:prstGeom>
+            <a:grpFill/>
+          </p:spPr>
+          <p:style>
+            <a:lnRef idx="2">
+              <a:schemeClr val="accent1">
+                <a:shade val="50000"/>
+              </a:schemeClr>
+            </a:lnRef>
+            <a:fillRef idx="1">
+              <a:schemeClr val="accent1"/>
+            </a:fillRef>
+            <a:effectRef idx="0">
+              <a:schemeClr val="accent1"/>
+            </a:effectRef>
+            <a:fontRef idx="minor">
+              <a:schemeClr val="lt1"/>
+            </a:fontRef>
+          </p:style>
+          <p:txBody>
+            <a:bodyPr rtlCol="0" anchor="ctr"/>
+            <a:lstStyle/>
+            <a:p>
+              <a:pPr algn="ctr"/>
+              <a:endParaRPr lang="zh-TW" altLang="en-US"/>
+            </a:p>
+          </p:txBody>
+        </p:sp>
+        <p:sp>
+          <p:nvSpPr>
+            <p:cNvPr id="14" name="矩形 13">
+              <a:extLst>
+                <a:ext uri="{FF2B5EF4-FFF2-40B4-BE49-F238E27FC236}">
+                  <a16:creationId xmlns:a16="http://schemas.microsoft.com/office/drawing/2014/main" id="{95AEDE8A-B790-451C-8CC9-E7C963CEF662}"/>
+                </a:ext>
+              </a:extLst>
+            </p:cNvPr>
+            <p:cNvSpPr/>
+            <p:nvPr/>
+          </p:nvSpPr>
+          <p:spPr>
+            <a:xfrm>
+              <a:off x="3976580" y="3975248"/>
+              <a:ext cx="448340" cy="448340"/>
+            </a:xfrm>
+            <a:prstGeom prst="rect">
+              <a:avLst/>
+            </a:prstGeom>
+            <a:solidFill>
+              <a:srgbClr val="92D050"/>
+            </a:solidFill>
+            <a:ln w="28575">
+              <a:solidFill>
+                <a:srgbClr val="FF0000"/>
+              </a:solidFill>
+            </a:ln>
+          </p:spPr>
+          <p:style>
+            <a:lnRef idx="2">
+              <a:schemeClr val="accent1">
+                <a:shade val="50000"/>
+              </a:schemeClr>
+            </a:lnRef>
+            <a:fillRef idx="1">
+              <a:schemeClr val="accent1"/>
+            </a:fillRef>
+            <a:effectRef idx="0">
+              <a:schemeClr val="accent1"/>
+            </a:effectRef>
+            <a:fontRef idx="minor">
+              <a:schemeClr val="lt1"/>
+            </a:fontRef>
+          </p:style>
+          <p:txBody>
+            <a:bodyPr rtlCol="0" anchor="ctr"/>
+            <a:lstStyle/>
+            <a:p>
+              <a:pPr algn="ctr"/>
+              <a:endParaRPr lang="zh-TW" altLang="en-US"/>
+            </a:p>
+          </p:txBody>
+        </p:sp>
+      </p:grpSp>
+    </p:spTree>
+    <p:extLst>
+      <p:ext uri="{BB962C8B-B14F-4D97-AF65-F5344CB8AC3E}">
+        <p14:creationId xmlns:p14="http://schemas.microsoft.com/office/powerpoint/2010/main" val="2718606755"/>
+      </p:ext>
+    </p:extLst>
+  </p:cSld>
+  <p:clrMapOvr>
+    <a:masterClrMapping/>
+  </p:clrMapOvr>
+</p:sld>
+</file>
+
+<file path=ppt/slides/slide26.xml><?xml version="1.0" encoding="utf-8"?>
 <p:sld xmlns:a="http://schemas.openxmlformats.org/drawingml/2006/main" xmlns:r="http://schemas.openxmlformats.org/officeDocument/2006/relationships" xmlns:p="http://schemas.openxmlformats.org/presentationml/2006/main">
   <p:cSld>
     <p:spTree>
@@ -21016,7 +30107,7 @@
           <a:p>
             <a:fld id="{D149E3A1-F5A3-43F6-A114-638605801008}" type="slidenum">
               <a:rPr lang="zh-TW" altLang="en-US" smtClean="0"/>
-              <a:t>24</a:t>
+              <a:t>26</a:t>
             </a:fld>
             <a:endParaRPr lang="zh-TW" altLang="en-US"/>
           </a:p>
@@ -21035,7 +30126,7 @@
 </p:sld>
 </file>
 
-<file path=ppt/slides/slide25.xml><?xml version="1.0" encoding="utf-8"?>
+<file path=ppt/slides/slide27.xml><?xml version="1.0" encoding="utf-8"?>
 <p:sld xmlns:a="http://schemas.openxmlformats.org/drawingml/2006/main" xmlns:r="http://schemas.openxmlformats.org/officeDocument/2006/relationships" xmlns:p="http://schemas.openxmlformats.org/presentationml/2006/main">
   <p:cSld>
     <p:spTree>
@@ -21129,7 +30220,7 @@
           <a:p>
             <a:fld id="{D149E3A1-F5A3-43F6-A114-638605801008}" type="slidenum">
               <a:rPr lang="zh-TW" altLang="en-US" smtClean="0"/>
-              <a:t>25</a:t>
+              <a:t>27</a:t>
             </a:fld>
             <a:endParaRPr lang="zh-TW" altLang="en-US"/>
           </a:p>
@@ -21148,7 +30239,7 @@
 </p:sld>
 </file>
 
-<file path=ppt/slides/slide26.xml><?xml version="1.0" encoding="utf-8"?>
+<file path=ppt/slides/slide28.xml><?xml version="1.0" encoding="utf-8"?>
 <p:sld xmlns:a="http://schemas.openxmlformats.org/drawingml/2006/main" xmlns:r="http://schemas.openxmlformats.org/officeDocument/2006/relationships" xmlns:p="http://schemas.openxmlformats.org/presentationml/2006/main">
   <p:cSld>
     <p:spTree>
@@ -21233,7 +30324,7 @@
           <a:p>
             <a:fld id="{D149E3A1-F5A3-43F6-A114-638605801008}" type="slidenum">
               <a:rPr lang="zh-TW" altLang="en-US" smtClean="0"/>
-              <a:t>26</a:t>
+              <a:t>28</a:t>
             </a:fld>
             <a:endParaRPr lang="zh-TW" altLang="en-US"/>
           </a:p>
